--- a/slides/klasse8.pptx
+++ b/slides/klasse8.pptx
@@ -4,11 +4,21 @@
   <p:sldMasterIdLst>
     <p:sldMasterId id="2147483660" r:id="rId1"/>
   </p:sldMasterIdLst>
+  <p:notesMasterIdLst>
+    <p:notesMasterId r:id="rId13"/>
+  </p:notesMasterIdLst>
   <p:sldIdLst>
     <p:sldId id="256" r:id="rId2"/>
     <p:sldId id="257" r:id="rId3"/>
-    <p:sldId id="258" r:id="rId4"/>
-    <p:sldId id="259" r:id="rId5"/>
+    <p:sldId id="259" r:id="rId4"/>
+    <p:sldId id="260" r:id="rId5"/>
+    <p:sldId id="261" r:id="rId6"/>
+    <p:sldId id="262" r:id="rId7"/>
+    <p:sldId id="263" r:id="rId8"/>
+    <p:sldId id="265" r:id="rId9"/>
+    <p:sldId id="264" r:id="rId10"/>
+    <p:sldId id="267" r:id="rId11"/>
+    <p:sldId id="266" r:id="rId12"/>
   </p:sldIdLst>
   <p:sldSz cx="12192000" cy="6858000"/>
   <p:notesSz cx="6858000" cy="9144000"/>
@@ -107,7 +117,698 @@
       </a:defRPr>
     </a:lvl9pPr>
   </p:defaultTextStyle>
+  <p:extLst>
+    <p:ext uri="{EFAFB233-063F-42B5-8137-9DF3F51BA10A}">
+      <p15:sldGuideLst xmlns:p15="http://schemas.microsoft.com/office/powerpoint/2012/main"/>
+    </p:ext>
+  </p:extLst>
 </p:presentation>
+</file>
+
+<file path=ppt/notesMasters/notesMaster1.xml><?xml version="1.0" encoding="utf-8"?>
+<p:notesMaster xmlns:a="http://schemas.openxmlformats.org/drawingml/2006/main" xmlns:r="http://schemas.openxmlformats.org/officeDocument/2006/relationships" xmlns:p="http://schemas.openxmlformats.org/presentationml/2006/main">
+  <p:cSld>
+    <p:bg>
+      <p:bgRef idx="1001">
+        <a:schemeClr val="bg1"/>
+      </p:bgRef>
+    </p:bg>
+    <p:spTree>
+      <p:nvGrpSpPr>
+        <p:cNvPr id="1" name=""/>
+        <p:cNvGrpSpPr/>
+        <p:nvPr/>
+      </p:nvGrpSpPr>
+      <p:grpSpPr>
+        <a:xfrm>
+          <a:off x="0" y="0"/>
+          <a:ext cx="0" cy="0"/>
+          <a:chOff x="0" y="0"/>
+          <a:chExt cx="0" cy="0"/>
+        </a:xfrm>
+      </p:grpSpPr>
+      <p:sp>
+        <p:nvSpPr>
+          <p:cNvPr id="2" name="Header Placeholder 1"/>
+          <p:cNvSpPr>
+            <a:spLocks noGrp="1"/>
+          </p:cNvSpPr>
+          <p:nvPr>
+            <p:ph type="hdr" sz="quarter"/>
+          </p:nvPr>
+        </p:nvSpPr>
+        <p:spPr>
+          <a:xfrm>
+            <a:off x="0" y="0"/>
+            <a:ext cx="2971800" cy="458788"/>
+          </a:xfrm>
+          <a:prstGeom prst="rect">
+            <a:avLst/>
+          </a:prstGeom>
+        </p:spPr>
+        <p:txBody>
+          <a:bodyPr vert="horz" lIns="91440" tIns="45720" rIns="91440" bIns="45720" rtlCol="0"/>
+          <a:lstStyle>
+            <a:lvl1pPr algn="l">
+              <a:defRPr sz="1200"/>
+            </a:lvl1pPr>
+          </a:lstStyle>
+          <a:p>
+            <a:endParaRPr lang="en-US"/>
+          </a:p>
+        </p:txBody>
+      </p:sp>
+      <p:sp>
+        <p:nvSpPr>
+          <p:cNvPr id="3" name="Date Placeholder 2"/>
+          <p:cNvSpPr>
+            <a:spLocks noGrp="1"/>
+          </p:cNvSpPr>
+          <p:nvPr>
+            <p:ph type="dt" idx="1"/>
+          </p:nvPr>
+        </p:nvSpPr>
+        <p:spPr>
+          <a:xfrm>
+            <a:off x="3884613" y="0"/>
+            <a:ext cx="2971800" cy="458788"/>
+          </a:xfrm>
+          <a:prstGeom prst="rect">
+            <a:avLst/>
+          </a:prstGeom>
+        </p:spPr>
+        <p:txBody>
+          <a:bodyPr vert="horz" lIns="91440" tIns="45720" rIns="91440" bIns="45720" rtlCol="0"/>
+          <a:lstStyle>
+            <a:lvl1pPr algn="r">
+              <a:defRPr sz="1200"/>
+            </a:lvl1pPr>
+          </a:lstStyle>
+          <a:p>
+            <a:fld id="{B17AF000-B938-934A-B4EE-A7C77452CA89}" type="datetimeFigureOut">
+              <a:rPr lang="en-US" smtClean="0"/>
+              <a:t>10/28/15</a:t>
+            </a:fld>
+            <a:endParaRPr lang="en-US"/>
+          </a:p>
+        </p:txBody>
+      </p:sp>
+      <p:sp>
+        <p:nvSpPr>
+          <p:cNvPr id="4" name="Slide Image Placeholder 3"/>
+          <p:cNvSpPr>
+            <a:spLocks noGrp="1" noRot="1" noChangeAspect="1"/>
+          </p:cNvSpPr>
+          <p:nvPr>
+            <p:ph type="sldImg" idx="2"/>
+          </p:nvPr>
+        </p:nvSpPr>
+        <p:spPr>
+          <a:xfrm>
+            <a:off x="685800" y="1143000"/>
+            <a:ext cx="5486400" cy="3086100"/>
+          </a:xfrm>
+          <a:prstGeom prst="rect">
+            <a:avLst/>
+          </a:prstGeom>
+          <a:noFill/>
+          <a:ln w="12700">
+            <a:solidFill>
+              <a:prstClr val="black"/>
+            </a:solidFill>
+          </a:ln>
+        </p:spPr>
+        <p:txBody>
+          <a:bodyPr vert="horz" lIns="91440" tIns="45720" rIns="91440" bIns="45720" rtlCol="0" anchor="ctr"/>
+          <a:lstStyle/>
+          <a:p>
+            <a:endParaRPr lang="en-US"/>
+          </a:p>
+        </p:txBody>
+      </p:sp>
+      <p:sp>
+        <p:nvSpPr>
+          <p:cNvPr id="5" name="Notes Placeholder 4"/>
+          <p:cNvSpPr>
+            <a:spLocks noGrp="1"/>
+          </p:cNvSpPr>
+          <p:nvPr>
+            <p:ph type="body" sz="quarter" idx="3"/>
+          </p:nvPr>
+        </p:nvSpPr>
+        <p:spPr>
+          <a:xfrm>
+            <a:off x="685800" y="4400550"/>
+            <a:ext cx="5486400" cy="3600450"/>
+          </a:xfrm>
+          <a:prstGeom prst="rect">
+            <a:avLst/>
+          </a:prstGeom>
+        </p:spPr>
+        <p:txBody>
+          <a:bodyPr vert="horz" lIns="91440" tIns="45720" rIns="91440" bIns="45720" rtlCol="0"/>
+          <a:lstStyle/>
+          <a:p>
+            <a:pPr lvl="0"/>
+            <a:r>
+              <a:rPr lang="de-DE" smtClean="0"/>
+              <a:t>Click to edit Master text styles</a:t>
+            </a:r>
+          </a:p>
+          <a:p>
+            <a:pPr lvl="1"/>
+            <a:r>
+              <a:rPr lang="de-DE" smtClean="0"/>
+              <a:t>Second level</a:t>
+            </a:r>
+          </a:p>
+          <a:p>
+            <a:pPr lvl="2"/>
+            <a:r>
+              <a:rPr lang="de-DE" smtClean="0"/>
+              <a:t>Third level</a:t>
+            </a:r>
+          </a:p>
+          <a:p>
+            <a:pPr lvl="3"/>
+            <a:r>
+              <a:rPr lang="de-DE" smtClean="0"/>
+              <a:t>Fourth level</a:t>
+            </a:r>
+          </a:p>
+          <a:p>
+            <a:pPr lvl="4"/>
+            <a:r>
+              <a:rPr lang="de-DE" smtClean="0"/>
+              <a:t>Fifth level</a:t>
+            </a:r>
+            <a:endParaRPr lang="en-US"/>
+          </a:p>
+        </p:txBody>
+      </p:sp>
+      <p:sp>
+        <p:nvSpPr>
+          <p:cNvPr id="6" name="Footer Placeholder 5"/>
+          <p:cNvSpPr>
+            <a:spLocks noGrp="1"/>
+          </p:cNvSpPr>
+          <p:nvPr>
+            <p:ph type="ftr" sz="quarter" idx="4"/>
+          </p:nvPr>
+        </p:nvSpPr>
+        <p:spPr>
+          <a:xfrm>
+            <a:off x="0" y="8685213"/>
+            <a:ext cx="2971800" cy="458787"/>
+          </a:xfrm>
+          <a:prstGeom prst="rect">
+            <a:avLst/>
+          </a:prstGeom>
+        </p:spPr>
+        <p:txBody>
+          <a:bodyPr vert="horz" lIns="91440" tIns="45720" rIns="91440" bIns="45720" rtlCol="0" anchor="b"/>
+          <a:lstStyle>
+            <a:lvl1pPr algn="l">
+              <a:defRPr sz="1200"/>
+            </a:lvl1pPr>
+          </a:lstStyle>
+          <a:p>
+            <a:endParaRPr lang="en-US"/>
+          </a:p>
+        </p:txBody>
+      </p:sp>
+      <p:sp>
+        <p:nvSpPr>
+          <p:cNvPr id="7" name="Slide Number Placeholder 6"/>
+          <p:cNvSpPr>
+            <a:spLocks noGrp="1"/>
+          </p:cNvSpPr>
+          <p:nvPr>
+            <p:ph type="sldNum" sz="quarter" idx="5"/>
+          </p:nvPr>
+        </p:nvSpPr>
+        <p:spPr>
+          <a:xfrm>
+            <a:off x="3884613" y="8685213"/>
+            <a:ext cx="2971800" cy="458787"/>
+          </a:xfrm>
+          <a:prstGeom prst="rect">
+            <a:avLst/>
+          </a:prstGeom>
+        </p:spPr>
+        <p:txBody>
+          <a:bodyPr vert="horz" lIns="91440" tIns="45720" rIns="91440" bIns="45720" rtlCol="0" anchor="b"/>
+          <a:lstStyle>
+            <a:lvl1pPr algn="r">
+              <a:defRPr sz="1200"/>
+            </a:lvl1pPr>
+          </a:lstStyle>
+          <a:p>
+            <a:fld id="{B5E589F1-2FA4-F64C-B1EB-ACEEB13E37BF}" type="slidenum">
+              <a:rPr lang="en-US" smtClean="0"/>
+              <a:t>‹#›</a:t>
+            </a:fld>
+            <a:endParaRPr lang="en-US"/>
+          </a:p>
+        </p:txBody>
+      </p:sp>
+    </p:spTree>
+    <p:extLst>
+      <p:ext uri="{BB962C8B-B14F-4D97-AF65-F5344CB8AC3E}">
+        <p14:creationId xmlns:p14="http://schemas.microsoft.com/office/powerpoint/2010/main" val="607306022"/>
+      </p:ext>
+    </p:extLst>
+  </p:cSld>
+  <p:clrMap bg1="lt1" tx1="dk1" bg2="lt2" tx2="dk2" accent1="accent1" accent2="accent2" accent3="accent3" accent4="accent4" accent5="accent5" accent6="accent6" hlink="hlink" folHlink="folHlink"/>
+  <p:notesStyle>
+    <a:lvl1pPr marL="0" algn="l" defTabSz="914400" rtl="0" eaLnBrk="1" latinLnBrk="0" hangingPunct="1">
+      <a:defRPr sz="1200" kern="1200">
+        <a:solidFill>
+          <a:schemeClr val="tx1"/>
+        </a:solidFill>
+        <a:latin typeface="+mn-lt"/>
+        <a:ea typeface="+mn-ea"/>
+        <a:cs typeface="+mn-cs"/>
+      </a:defRPr>
+    </a:lvl1pPr>
+    <a:lvl2pPr marL="457200" algn="l" defTabSz="914400" rtl="0" eaLnBrk="1" latinLnBrk="0" hangingPunct="1">
+      <a:defRPr sz="1200" kern="1200">
+        <a:solidFill>
+          <a:schemeClr val="tx1"/>
+        </a:solidFill>
+        <a:latin typeface="+mn-lt"/>
+        <a:ea typeface="+mn-ea"/>
+        <a:cs typeface="+mn-cs"/>
+      </a:defRPr>
+    </a:lvl2pPr>
+    <a:lvl3pPr marL="914400" algn="l" defTabSz="914400" rtl="0" eaLnBrk="1" latinLnBrk="0" hangingPunct="1">
+      <a:defRPr sz="1200" kern="1200">
+        <a:solidFill>
+          <a:schemeClr val="tx1"/>
+        </a:solidFill>
+        <a:latin typeface="+mn-lt"/>
+        <a:ea typeface="+mn-ea"/>
+        <a:cs typeface="+mn-cs"/>
+      </a:defRPr>
+    </a:lvl3pPr>
+    <a:lvl4pPr marL="1371600" algn="l" defTabSz="914400" rtl="0" eaLnBrk="1" latinLnBrk="0" hangingPunct="1">
+      <a:defRPr sz="1200" kern="1200">
+        <a:solidFill>
+          <a:schemeClr val="tx1"/>
+        </a:solidFill>
+        <a:latin typeface="+mn-lt"/>
+        <a:ea typeface="+mn-ea"/>
+        <a:cs typeface="+mn-cs"/>
+      </a:defRPr>
+    </a:lvl4pPr>
+    <a:lvl5pPr marL="1828800" algn="l" defTabSz="914400" rtl="0" eaLnBrk="1" latinLnBrk="0" hangingPunct="1">
+      <a:defRPr sz="1200" kern="1200">
+        <a:solidFill>
+          <a:schemeClr val="tx1"/>
+        </a:solidFill>
+        <a:latin typeface="+mn-lt"/>
+        <a:ea typeface="+mn-ea"/>
+        <a:cs typeface="+mn-cs"/>
+      </a:defRPr>
+    </a:lvl5pPr>
+    <a:lvl6pPr marL="2286000" algn="l" defTabSz="914400" rtl="0" eaLnBrk="1" latinLnBrk="0" hangingPunct="1">
+      <a:defRPr sz="1200" kern="1200">
+        <a:solidFill>
+          <a:schemeClr val="tx1"/>
+        </a:solidFill>
+        <a:latin typeface="+mn-lt"/>
+        <a:ea typeface="+mn-ea"/>
+        <a:cs typeface="+mn-cs"/>
+      </a:defRPr>
+    </a:lvl6pPr>
+    <a:lvl7pPr marL="2743200" algn="l" defTabSz="914400" rtl="0" eaLnBrk="1" latinLnBrk="0" hangingPunct="1">
+      <a:defRPr sz="1200" kern="1200">
+        <a:solidFill>
+          <a:schemeClr val="tx1"/>
+        </a:solidFill>
+        <a:latin typeface="+mn-lt"/>
+        <a:ea typeface="+mn-ea"/>
+        <a:cs typeface="+mn-cs"/>
+      </a:defRPr>
+    </a:lvl7pPr>
+    <a:lvl8pPr marL="3200400" algn="l" defTabSz="914400" rtl="0" eaLnBrk="1" latinLnBrk="0" hangingPunct="1">
+      <a:defRPr sz="1200" kern="1200">
+        <a:solidFill>
+          <a:schemeClr val="tx1"/>
+        </a:solidFill>
+        <a:latin typeface="+mn-lt"/>
+        <a:ea typeface="+mn-ea"/>
+        <a:cs typeface="+mn-cs"/>
+      </a:defRPr>
+    </a:lvl8pPr>
+    <a:lvl9pPr marL="3657600" algn="l" defTabSz="914400" rtl="0" eaLnBrk="1" latinLnBrk="0" hangingPunct="1">
+      <a:defRPr sz="1200" kern="1200">
+        <a:solidFill>
+          <a:schemeClr val="tx1"/>
+        </a:solidFill>
+        <a:latin typeface="+mn-lt"/>
+        <a:ea typeface="+mn-ea"/>
+        <a:cs typeface="+mn-cs"/>
+      </a:defRPr>
+    </a:lvl9pPr>
+  </p:notesStyle>
+</p:notesMaster>
+</file>
+
+<file path=ppt/notesSlides/notesSlide1.xml><?xml version="1.0" encoding="utf-8"?>
+<p:notes xmlns:a="http://schemas.openxmlformats.org/drawingml/2006/main" xmlns:r="http://schemas.openxmlformats.org/officeDocument/2006/relationships" xmlns:p="http://schemas.openxmlformats.org/presentationml/2006/main">
+  <p:cSld>
+    <p:spTree>
+      <p:nvGrpSpPr>
+        <p:cNvPr id="1" name=""/>
+        <p:cNvGrpSpPr/>
+        <p:nvPr/>
+      </p:nvGrpSpPr>
+      <p:grpSpPr>
+        <a:xfrm>
+          <a:off x="0" y="0"/>
+          <a:ext cx="0" cy="0"/>
+          <a:chOff x="0" y="0"/>
+          <a:chExt cx="0" cy="0"/>
+        </a:xfrm>
+      </p:grpSpPr>
+      <p:sp>
+        <p:nvSpPr>
+          <p:cNvPr id="2" name="Slide Image Placeholder 1"/>
+          <p:cNvSpPr>
+            <a:spLocks noGrp="1" noRot="1" noChangeAspect="1"/>
+          </p:cNvSpPr>
+          <p:nvPr>
+            <p:ph type="sldImg"/>
+          </p:nvPr>
+        </p:nvSpPr>
+        <p:spPr/>
+      </p:sp>
+      <p:sp>
+        <p:nvSpPr>
+          <p:cNvPr id="3" name="Notes Placeholder 2"/>
+          <p:cNvSpPr>
+            <a:spLocks noGrp="1"/>
+          </p:cNvSpPr>
+          <p:nvPr>
+            <p:ph type="body" idx="1"/>
+          </p:nvPr>
+        </p:nvSpPr>
+        <p:spPr/>
+        <p:txBody>
+          <a:bodyPr/>
+          <a:lstStyle/>
+          <a:p>
+            <a:endParaRPr lang="en-US" dirty="0"/>
+          </a:p>
+        </p:txBody>
+      </p:sp>
+      <p:sp>
+        <p:nvSpPr>
+          <p:cNvPr id="4" name="Slide Number Placeholder 3"/>
+          <p:cNvSpPr>
+            <a:spLocks noGrp="1"/>
+          </p:cNvSpPr>
+          <p:nvPr>
+            <p:ph type="sldNum" sz="quarter" idx="10"/>
+          </p:nvPr>
+        </p:nvSpPr>
+        <p:spPr/>
+        <p:txBody>
+          <a:bodyPr/>
+          <a:lstStyle/>
+          <a:p>
+            <a:fld id="{B5E589F1-2FA4-F64C-B1EB-ACEEB13E37BF}" type="slidenum">
+              <a:rPr lang="en-US" smtClean="0"/>
+              <a:t>3</a:t>
+            </a:fld>
+            <a:endParaRPr lang="en-US"/>
+          </a:p>
+        </p:txBody>
+      </p:sp>
+    </p:spTree>
+    <p:extLst>
+      <p:ext uri="{BB962C8B-B14F-4D97-AF65-F5344CB8AC3E}">
+        <p14:creationId xmlns:p14="http://schemas.microsoft.com/office/powerpoint/2010/main" val="2125264796"/>
+      </p:ext>
+    </p:extLst>
+  </p:cSld>
+  <p:clrMapOvr>
+    <a:masterClrMapping/>
+  </p:clrMapOvr>
+</p:notes>
+</file>
+
+<file path=ppt/notesSlides/notesSlide2.xml><?xml version="1.0" encoding="utf-8"?>
+<p:notes xmlns:a="http://schemas.openxmlformats.org/drawingml/2006/main" xmlns:r="http://schemas.openxmlformats.org/officeDocument/2006/relationships" xmlns:p="http://schemas.openxmlformats.org/presentationml/2006/main">
+  <p:cSld>
+    <p:spTree>
+      <p:nvGrpSpPr>
+        <p:cNvPr id="1" name=""/>
+        <p:cNvGrpSpPr/>
+        <p:nvPr/>
+      </p:nvGrpSpPr>
+      <p:grpSpPr>
+        <a:xfrm>
+          <a:off x="0" y="0"/>
+          <a:ext cx="0" cy="0"/>
+          <a:chOff x="0" y="0"/>
+          <a:chExt cx="0" cy="0"/>
+        </a:xfrm>
+      </p:grpSpPr>
+      <p:sp>
+        <p:nvSpPr>
+          <p:cNvPr id="2" name="Slide Image Placeholder 1"/>
+          <p:cNvSpPr>
+            <a:spLocks noGrp="1" noRot="1" noChangeAspect="1"/>
+          </p:cNvSpPr>
+          <p:nvPr>
+            <p:ph type="sldImg"/>
+          </p:nvPr>
+        </p:nvSpPr>
+        <p:spPr/>
+      </p:sp>
+      <p:sp>
+        <p:nvSpPr>
+          <p:cNvPr id="3" name="Notes Placeholder 2"/>
+          <p:cNvSpPr>
+            <a:spLocks noGrp="1"/>
+          </p:cNvSpPr>
+          <p:nvPr>
+            <p:ph type="body" idx="1"/>
+          </p:nvPr>
+        </p:nvSpPr>
+        <p:spPr/>
+        <p:txBody>
+          <a:bodyPr/>
+          <a:lstStyle/>
+          <a:p>
+            <a:endParaRPr lang="en-US" dirty="0"/>
+          </a:p>
+        </p:txBody>
+      </p:sp>
+      <p:sp>
+        <p:nvSpPr>
+          <p:cNvPr id="4" name="Slide Number Placeholder 3"/>
+          <p:cNvSpPr>
+            <a:spLocks noGrp="1"/>
+          </p:cNvSpPr>
+          <p:nvPr>
+            <p:ph type="sldNum" sz="quarter" idx="10"/>
+          </p:nvPr>
+        </p:nvSpPr>
+        <p:spPr/>
+        <p:txBody>
+          <a:bodyPr/>
+          <a:lstStyle/>
+          <a:p>
+            <a:fld id="{B5E589F1-2FA4-F64C-B1EB-ACEEB13E37BF}" type="slidenum">
+              <a:rPr lang="en-US" smtClean="0"/>
+              <a:t>4</a:t>
+            </a:fld>
+            <a:endParaRPr lang="en-US"/>
+          </a:p>
+        </p:txBody>
+      </p:sp>
+    </p:spTree>
+    <p:extLst>
+      <p:ext uri="{BB962C8B-B14F-4D97-AF65-F5344CB8AC3E}">
+        <p14:creationId xmlns:p14="http://schemas.microsoft.com/office/powerpoint/2010/main" val="1106203919"/>
+      </p:ext>
+    </p:extLst>
+  </p:cSld>
+  <p:clrMapOvr>
+    <a:masterClrMapping/>
+  </p:clrMapOvr>
+</p:notes>
+</file>
+
+<file path=ppt/notesSlides/notesSlide3.xml><?xml version="1.0" encoding="utf-8"?>
+<p:notes xmlns:a="http://schemas.openxmlformats.org/drawingml/2006/main" xmlns:r="http://schemas.openxmlformats.org/officeDocument/2006/relationships" xmlns:p="http://schemas.openxmlformats.org/presentationml/2006/main">
+  <p:cSld>
+    <p:spTree>
+      <p:nvGrpSpPr>
+        <p:cNvPr id="1" name=""/>
+        <p:cNvGrpSpPr/>
+        <p:nvPr/>
+      </p:nvGrpSpPr>
+      <p:grpSpPr>
+        <a:xfrm>
+          <a:off x="0" y="0"/>
+          <a:ext cx="0" cy="0"/>
+          <a:chOff x="0" y="0"/>
+          <a:chExt cx="0" cy="0"/>
+        </a:xfrm>
+      </p:grpSpPr>
+      <p:sp>
+        <p:nvSpPr>
+          <p:cNvPr id="2" name="Slide Image Placeholder 1"/>
+          <p:cNvSpPr>
+            <a:spLocks noGrp="1" noRot="1" noChangeAspect="1"/>
+          </p:cNvSpPr>
+          <p:nvPr>
+            <p:ph type="sldImg"/>
+          </p:nvPr>
+        </p:nvSpPr>
+        <p:spPr/>
+      </p:sp>
+      <p:sp>
+        <p:nvSpPr>
+          <p:cNvPr id="3" name="Notes Placeholder 2"/>
+          <p:cNvSpPr>
+            <a:spLocks noGrp="1"/>
+          </p:cNvSpPr>
+          <p:nvPr>
+            <p:ph type="body" idx="1"/>
+          </p:nvPr>
+        </p:nvSpPr>
+        <p:spPr/>
+        <p:txBody>
+          <a:bodyPr/>
+          <a:lstStyle/>
+          <a:p>
+            <a:endParaRPr lang="en-US" dirty="0"/>
+          </a:p>
+        </p:txBody>
+      </p:sp>
+      <p:sp>
+        <p:nvSpPr>
+          <p:cNvPr id="4" name="Slide Number Placeholder 3"/>
+          <p:cNvSpPr>
+            <a:spLocks noGrp="1"/>
+          </p:cNvSpPr>
+          <p:nvPr>
+            <p:ph type="sldNum" sz="quarter" idx="10"/>
+          </p:nvPr>
+        </p:nvSpPr>
+        <p:spPr/>
+        <p:txBody>
+          <a:bodyPr/>
+          <a:lstStyle/>
+          <a:p>
+            <a:fld id="{B5E589F1-2FA4-F64C-B1EB-ACEEB13E37BF}" type="slidenum">
+              <a:rPr lang="en-US" smtClean="0"/>
+              <a:t>5</a:t>
+            </a:fld>
+            <a:endParaRPr lang="en-US"/>
+          </a:p>
+        </p:txBody>
+      </p:sp>
+    </p:spTree>
+    <p:extLst>
+      <p:ext uri="{BB962C8B-B14F-4D97-AF65-F5344CB8AC3E}">
+        <p14:creationId xmlns:p14="http://schemas.microsoft.com/office/powerpoint/2010/main" val="1832982108"/>
+      </p:ext>
+    </p:extLst>
+  </p:cSld>
+  <p:clrMapOvr>
+    <a:masterClrMapping/>
+  </p:clrMapOvr>
+</p:notes>
+</file>
+
+<file path=ppt/notesSlides/notesSlide4.xml><?xml version="1.0" encoding="utf-8"?>
+<p:notes xmlns:a="http://schemas.openxmlformats.org/drawingml/2006/main" xmlns:r="http://schemas.openxmlformats.org/officeDocument/2006/relationships" xmlns:p="http://schemas.openxmlformats.org/presentationml/2006/main">
+  <p:cSld>
+    <p:spTree>
+      <p:nvGrpSpPr>
+        <p:cNvPr id="1" name=""/>
+        <p:cNvGrpSpPr/>
+        <p:nvPr/>
+      </p:nvGrpSpPr>
+      <p:grpSpPr>
+        <a:xfrm>
+          <a:off x="0" y="0"/>
+          <a:ext cx="0" cy="0"/>
+          <a:chOff x="0" y="0"/>
+          <a:chExt cx="0" cy="0"/>
+        </a:xfrm>
+      </p:grpSpPr>
+      <p:sp>
+        <p:nvSpPr>
+          <p:cNvPr id="2" name="Slide Image Placeholder 1"/>
+          <p:cNvSpPr>
+            <a:spLocks noGrp="1" noRot="1" noChangeAspect="1"/>
+          </p:cNvSpPr>
+          <p:nvPr>
+            <p:ph type="sldImg"/>
+          </p:nvPr>
+        </p:nvSpPr>
+        <p:spPr/>
+      </p:sp>
+      <p:sp>
+        <p:nvSpPr>
+          <p:cNvPr id="3" name="Notes Placeholder 2"/>
+          <p:cNvSpPr>
+            <a:spLocks noGrp="1"/>
+          </p:cNvSpPr>
+          <p:nvPr>
+            <p:ph type="body" idx="1"/>
+          </p:nvPr>
+        </p:nvSpPr>
+        <p:spPr/>
+        <p:txBody>
+          <a:bodyPr/>
+          <a:lstStyle/>
+          <a:p>
+            <a:endParaRPr lang="en-US" dirty="0"/>
+          </a:p>
+        </p:txBody>
+      </p:sp>
+      <p:sp>
+        <p:nvSpPr>
+          <p:cNvPr id="4" name="Slide Number Placeholder 3"/>
+          <p:cNvSpPr>
+            <a:spLocks noGrp="1"/>
+          </p:cNvSpPr>
+          <p:nvPr>
+            <p:ph type="sldNum" sz="quarter" idx="10"/>
+          </p:nvPr>
+        </p:nvSpPr>
+        <p:spPr/>
+        <p:txBody>
+          <a:bodyPr/>
+          <a:lstStyle/>
+          <a:p>
+            <a:fld id="{B5E589F1-2FA4-F64C-B1EB-ACEEB13E37BF}" type="slidenum">
+              <a:rPr lang="en-US" smtClean="0"/>
+              <a:t>9</a:t>
+            </a:fld>
+            <a:endParaRPr lang="en-US"/>
+          </a:p>
+        </p:txBody>
+      </p:sp>
+    </p:spTree>
+    <p:extLst>
+      <p:ext uri="{BB962C8B-B14F-4D97-AF65-F5344CB8AC3E}">
+        <p14:creationId xmlns:p14="http://schemas.microsoft.com/office/powerpoint/2010/main" val="1361003991"/>
+      </p:ext>
+    </p:extLst>
+  </p:cSld>
+  <p:clrMapOvr>
+    <a:masterClrMapping/>
+  </p:clrMapOvr>
+</p:notes>
 </file>
 
 <file path=ppt/slideLayouts/slideLayout1.xml><?xml version="1.0" encoding="utf-8"?>
@@ -299,9 +1000,9 @@
           <a:bodyPr/>
           <a:lstStyle/>
           <a:p>
-            <a:fld id="{D26AADD2-272F-3D4C-AA72-A10290954507}" type="datetimeFigureOut">
+            <a:fld id="{9BBDA1F1-658A-CF45-A199-426672DF8AC3}" type="datetimeFigureOut">
               <a:rPr lang="en-US" smtClean="0"/>
-              <a:t>9/2/15</a:t>
+              <a:t>10/28/15</a:t>
             </a:fld>
             <a:endParaRPr lang="en-US"/>
           </a:p>
@@ -341,7 +1042,7 @@
           <a:bodyPr/>
           <a:lstStyle/>
           <a:p>
-            <a:fld id="{92E88903-2715-C94F-A5AD-68AD26D3B7DF}" type="slidenum">
+            <a:fld id="{9C96AFF3-E36F-0646-9D75-216F6B47AE56}" type="slidenum">
               <a:rPr lang="en-US" smtClean="0"/>
               <a:t>‹#›</a:t>
             </a:fld>
@@ -527,7 +1228,7 @@
     </p:spTree>
     <p:extLst>
       <p:ext uri="{BB962C8B-B14F-4D97-AF65-F5344CB8AC3E}">
-        <p14:creationId xmlns:p14="http://schemas.microsoft.com/office/powerpoint/2010/main" val="193392638"/>
+        <p14:creationId xmlns:p14="http://schemas.microsoft.com/office/powerpoint/2010/main" val="114095220"/>
       </p:ext>
     </p:extLst>
   </p:cSld>
@@ -735,9 +1436,9 @@
           <a:bodyPr/>
           <a:lstStyle/>
           <a:p>
-            <a:fld id="{D26AADD2-272F-3D4C-AA72-A10290954507}" type="datetimeFigureOut">
+            <a:fld id="{9BBDA1F1-658A-CF45-A199-426672DF8AC3}" type="datetimeFigureOut">
               <a:rPr lang="en-US" smtClean="0"/>
-              <a:t>9/2/15</a:t>
+              <a:t>10/28/15</a:t>
             </a:fld>
             <a:endParaRPr lang="en-US"/>
           </a:p>
@@ -777,7 +1478,7 @@
           <a:bodyPr/>
           <a:lstStyle/>
           <a:p>
-            <a:fld id="{92E88903-2715-C94F-A5AD-68AD26D3B7DF}" type="slidenum">
+            <a:fld id="{9C96AFF3-E36F-0646-9D75-216F6B47AE56}" type="slidenum">
               <a:rPr lang="en-US" smtClean="0"/>
               <a:t>‹#›</a:t>
             </a:fld>
@@ -788,7 +1489,7 @@
     </p:spTree>
     <p:extLst>
       <p:ext uri="{BB962C8B-B14F-4D97-AF65-F5344CB8AC3E}">
-        <p14:creationId xmlns:p14="http://schemas.microsoft.com/office/powerpoint/2010/main" val="1951334693"/>
+        <p14:creationId xmlns:p14="http://schemas.microsoft.com/office/powerpoint/2010/main" val="1866458676"/>
       </p:ext>
     </p:extLst>
   </p:cSld>
@@ -985,9 +1686,9 @@
           <a:bodyPr/>
           <a:lstStyle/>
           <a:p>
-            <a:fld id="{D26AADD2-272F-3D4C-AA72-A10290954507}" type="datetimeFigureOut">
+            <a:fld id="{9BBDA1F1-658A-CF45-A199-426672DF8AC3}" type="datetimeFigureOut">
               <a:rPr lang="en-US" smtClean="0"/>
-              <a:t>9/2/15</a:t>
+              <a:t>10/28/15</a:t>
             </a:fld>
             <a:endParaRPr lang="en-US"/>
           </a:p>
@@ -1027,7 +1728,7 @@
           <a:bodyPr/>
           <a:lstStyle/>
           <a:p>
-            <a:fld id="{92E88903-2715-C94F-A5AD-68AD26D3B7DF}" type="slidenum">
+            <a:fld id="{9C96AFF3-E36F-0646-9D75-216F6B47AE56}" type="slidenum">
               <a:rPr lang="en-US" smtClean="0"/>
               <a:t>‹#›</a:t>
             </a:fld>
@@ -1038,7 +1739,7 @@
     </p:spTree>
     <p:extLst>
       <p:ext uri="{BB962C8B-B14F-4D97-AF65-F5344CB8AC3E}">
-        <p14:creationId xmlns:p14="http://schemas.microsoft.com/office/powerpoint/2010/main" val="1859411914"/>
+        <p14:creationId xmlns:p14="http://schemas.microsoft.com/office/powerpoint/2010/main" val="1277335803"/>
       </p:ext>
     </p:extLst>
   </p:cSld>
@@ -1293,9 +1994,9 @@
           <a:bodyPr/>
           <a:lstStyle/>
           <a:p>
-            <a:fld id="{D26AADD2-272F-3D4C-AA72-A10290954507}" type="datetimeFigureOut">
+            <a:fld id="{9BBDA1F1-658A-CF45-A199-426672DF8AC3}" type="datetimeFigureOut">
               <a:rPr lang="en-US" smtClean="0"/>
-              <a:t>9/2/15</a:t>
+              <a:t>10/28/15</a:t>
             </a:fld>
             <a:endParaRPr lang="en-US"/>
           </a:p>
@@ -1335,7 +2036,7 @@
           <a:bodyPr/>
           <a:lstStyle/>
           <a:p>
-            <a:fld id="{92E88903-2715-C94F-A5AD-68AD26D3B7DF}" type="slidenum">
+            <a:fld id="{9C96AFF3-E36F-0646-9D75-216F6B47AE56}" type="slidenum">
               <a:rPr lang="en-US" smtClean="0"/>
               <a:t>‹#›</a:t>
             </a:fld>
@@ -1414,7 +2115,7 @@
     </p:spTree>
     <p:extLst>
       <p:ext uri="{BB962C8B-B14F-4D97-AF65-F5344CB8AC3E}">
-        <p14:creationId xmlns:p14="http://schemas.microsoft.com/office/powerpoint/2010/main" val="954007454"/>
+        <p14:creationId xmlns:p14="http://schemas.microsoft.com/office/powerpoint/2010/main" val="1936305609"/>
       </p:ext>
     </p:extLst>
   </p:cSld>
@@ -1611,9 +2312,9 @@
           <a:bodyPr/>
           <a:lstStyle/>
           <a:p>
-            <a:fld id="{D26AADD2-272F-3D4C-AA72-A10290954507}" type="datetimeFigureOut">
+            <a:fld id="{9BBDA1F1-658A-CF45-A199-426672DF8AC3}" type="datetimeFigureOut">
               <a:rPr lang="en-US" smtClean="0"/>
-              <a:t>9/2/15</a:t>
+              <a:t>10/28/15</a:t>
             </a:fld>
             <a:endParaRPr lang="en-US"/>
           </a:p>
@@ -1653,7 +2354,7 @@
           <a:bodyPr/>
           <a:lstStyle/>
           <a:p>
-            <a:fld id="{92E88903-2715-C94F-A5AD-68AD26D3B7DF}" type="slidenum">
+            <a:fld id="{9C96AFF3-E36F-0646-9D75-216F6B47AE56}" type="slidenum">
               <a:rPr lang="en-US" smtClean="0"/>
               <a:t>‹#›</a:t>
             </a:fld>
@@ -1664,7 +2365,7 @@
     </p:spTree>
     <p:extLst>
       <p:ext uri="{BB962C8B-B14F-4D97-AF65-F5344CB8AC3E}">
-        <p14:creationId xmlns:p14="http://schemas.microsoft.com/office/powerpoint/2010/main" val="890370876"/>
+        <p14:creationId xmlns:p14="http://schemas.microsoft.com/office/powerpoint/2010/main" val="521183825"/>
       </p:ext>
     </p:extLst>
   </p:cSld>
@@ -1913,9 +2614,9 @@
           <a:bodyPr/>
           <a:lstStyle/>
           <a:p>
-            <a:fld id="{D26AADD2-272F-3D4C-AA72-A10290954507}" type="datetimeFigureOut">
+            <a:fld id="{9BBDA1F1-658A-CF45-A199-426672DF8AC3}" type="datetimeFigureOut">
               <a:rPr lang="en-US" smtClean="0"/>
-              <a:t>9/2/15</a:t>
+              <a:t>10/28/15</a:t>
             </a:fld>
             <a:endParaRPr lang="en-US"/>
           </a:p>
@@ -1955,7 +2656,7 @@
           <a:bodyPr/>
           <a:lstStyle/>
           <a:p>
-            <a:fld id="{92E88903-2715-C94F-A5AD-68AD26D3B7DF}" type="slidenum">
+            <a:fld id="{9C96AFF3-E36F-0646-9D75-216F6B47AE56}" type="slidenum">
               <a:rPr lang="en-US" smtClean="0"/>
               <a:t>‹#›</a:t>
             </a:fld>
@@ -2034,7 +2735,7 @@
     </p:spTree>
     <p:extLst>
       <p:ext uri="{BB962C8B-B14F-4D97-AF65-F5344CB8AC3E}">
-        <p14:creationId xmlns:p14="http://schemas.microsoft.com/office/powerpoint/2010/main" val="797260636"/>
+        <p14:creationId xmlns:p14="http://schemas.microsoft.com/office/powerpoint/2010/main" val="2098234309"/>
       </p:ext>
     </p:extLst>
   </p:cSld>
@@ -2280,9 +2981,9 @@
           <a:bodyPr/>
           <a:lstStyle/>
           <a:p>
-            <a:fld id="{D26AADD2-272F-3D4C-AA72-A10290954507}" type="datetimeFigureOut">
+            <a:fld id="{9BBDA1F1-658A-CF45-A199-426672DF8AC3}" type="datetimeFigureOut">
               <a:rPr lang="en-US" smtClean="0"/>
-              <a:t>9/2/15</a:t>
+              <a:t>10/28/15</a:t>
             </a:fld>
             <a:endParaRPr lang="en-US"/>
           </a:p>
@@ -2322,7 +3023,7 @@
           <a:bodyPr/>
           <a:lstStyle/>
           <a:p>
-            <a:fld id="{92E88903-2715-C94F-A5AD-68AD26D3B7DF}" type="slidenum">
+            <a:fld id="{9C96AFF3-E36F-0646-9D75-216F6B47AE56}" type="slidenum">
               <a:rPr lang="en-US" smtClean="0"/>
               <a:t>‹#›</a:t>
             </a:fld>
@@ -2333,7 +3034,7 @@
     </p:spTree>
     <p:extLst>
       <p:ext uri="{BB962C8B-B14F-4D97-AF65-F5344CB8AC3E}">
-        <p14:creationId xmlns:p14="http://schemas.microsoft.com/office/powerpoint/2010/main" val="1409035619"/>
+        <p14:creationId xmlns:p14="http://schemas.microsoft.com/office/powerpoint/2010/main" val="1195063976"/>
       </p:ext>
     </p:extLst>
   </p:cSld>
@@ -2454,9 +3155,9 @@
           <a:bodyPr/>
           <a:lstStyle/>
           <a:p>
-            <a:fld id="{D26AADD2-272F-3D4C-AA72-A10290954507}" type="datetimeFigureOut">
+            <a:fld id="{9BBDA1F1-658A-CF45-A199-426672DF8AC3}" type="datetimeFigureOut">
               <a:rPr lang="en-US" smtClean="0"/>
-              <a:t>9/2/15</a:t>
+              <a:t>10/28/15</a:t>
             </a:fld>
             <a:endParaRPr lang="en-US"/>
           </a:p>
@@ -2496,7 +3197,7 @@
           <a:bodyPr/>
           <a:lstStyle/>
           <a:p>
-            <a:fld id="{92E88903-2715-C94F-A5AD-68AD26D3B7DF}" type="slidenum">
+            <a:fld id="{9C96AFF3-E36F-0646-9D75-216F6B47AE56}" type="slidenum">
               <a:rPr lang="en-US" smtClean="0"/>
               <a:t>‹#›</a:t>
             </a:fld>
@@ -2507,7 +3208,7 @@
     </p:spTree>
     <p:extLst>
       <p:ext uri="{BB962C8B-B14F-4D97-AF65-F5344CB8AC3E}">
-        <p14:creationId xmlns:p14="http://schemas.microsoft.com/office/powerpoint/2010/main" val="1359473064"/>
+        <p14:creationId xmlns:p14="http://schemas.microsoft.com/office/powerpoint/2010/main" val="25694241"/>
       </p:ext>
     </p:extLst>
   </p:cSld>
@@ -2634,9 +3335,9 @@
           <a:bodyPr/>
           <a:lstStyle/>
           <a:p>
-            <a:fld id="{D26AADD2-272F-3D4C-AA72-A10290954507}" type="datetimeFigureOut">
+            <a:fld id="{9BBDA1F1-658A-CF45-A199-426672DF8AC3}" type="datetimeFigureOut">
               <a:rPr lang="en-US" smtClean="0"/>
-              <a:t>9/2/15</a:t>
+              <a:t>10/28/15</a:t>
             </a:fld>
             <a:endParaRPr lang="en-US"/>
           </a:p>
@@ -2676,7 +3377,7 @@
           <a:bodyPr/>
           <a:lstStyle/>
           <a:p>
-            <a:fld id="{92E88903-2715-C94F-A5AD-68AD26D3B7DF}" type="slidenum">
+            <a:fld id="{9C96AFF3-E36F-0646-9D75-216F6B47AE56}" type="slidenum">
               <a:rPr lang="en-US" smtClean="0"/>
               <a:t>‹#›</a:t>
             </a:fld>
@@ -2687,7 +3388,7 @@
     </p:spTree>
     <p:extLst>
       <p:ext uri="{BB962C8B-B14F-4D97-AF65-F5344CB8AC3E}">
-        <p14:creationId xmlns:p14="http://schemas.microsoft.com/office/powerpoint/2010/main" val="1585266215"/>
+        <p14:creationId xmlns:p14="http://schemas.microsoft.com/office/powerpoint/2010/main" val="198895440"/>
       </p:ext>
     </p:extLst>
   </p:cSld>
@@ -2804,9 +3505,9 @@
           <a:bodyPr/>
           <a:lstStyle/>
           <a:p>
-            <a:fld id="{D26AADD2-272F-3D4C-AA72-A10290954507}" type="datetimeFigureOut">
+            <a:fld id="{9BBDA1F1-658A-CF45-A199-426672DF8AC3}" type="datetimeFigureOut">
               <a:rPr lang="en-US" smtClean="0"/>
-              <a:t>9/2/15</a:t>
+              <a:t>10/28/15</a:t>
             </a:fld>
             <a:endParaRPr lang="en-US"/>
           </a:p>
@@ -2846,7 +3547,7 @@
           <a:bodyPr/>
           <a:lstStyle/>
           <a:p>
-            <a:fld id="{92E88903-2715-C94F-A5AD-68AD26D3B7DF}" type="slidenum">
+            <a:fld id="{9C96AFF3-E36F-0646-9D75-216F6B47AE56}" type="slidenum">
               <a:rPr lang="en-US" smtClean="0"/>
               <a:t>‹#›</a:t>
             </a:fld>
@@ -2857,7 +3558,7 @@
     </p:spTree>
     <p:extLst>
       <p:ext uri="{BB962C8B-B14F-4D97-AF65-F5344CB8AC3E}">
-        <p14:creationId xmlns:p14="http://schemas.microsoft.com/office/powerpoint/2010/main" val="1207308955"/>
+        <p14:creationId xmlns:p14="http://schemas.microsoft.com/office/powerpoint/2010/main" val="2042949416"/>
       </p:ext>
     </p:extLst>
   </p:cSld>
@@ -3054,9 +3755,9 @@
           <a:bodyPr/>
           <a:lstStyle/>
           <a:p>
-            <a:fld id="{D26AADD2-272F-3D4C-AA72-A10290954507}" type="datetimeFigureOut">
+            <a:fld id="{9BBDA1F1-658A-CF45-A199-426672DF8AC3}" type="datetimeFigureOut">
               <a:rPr lang="en-US" smtClean="0"/>
-              <a:t>9/2/15</a:t>
+              <a:t>10/28/15</a:t>
             </a:fld>
             <a:endParaRPr lang="en-US"/>
           </a:p>
@@ -3096,7 +3797,7 @@
           <a:bodyPr/>
           <a:lstStyle/>
           <a:p>
-            <a:fld id="{92E88903-2715-C94F-A5AD-68AD26D3B7DF}" type="slidenum">
+            <a:fld id="{9C96AFF3-E36F-0646-9D75-216F6B47AE56}" type="slidenum">
               <a:rPr lang="en-US" smtClean="0"/>
               <a:t>‹#›</a:t>
             </a:fld>
@@ -3107,7 +3808,7 @@
     </p:spTree>
     <p:extLst>
       <p:ext uri="{BB962C8B-B14F-4D97-AF65-F5344CB8AC3E}">
-        <p14:creationId xmlns:p14="http://schemas.microsoft.com/office/powerpoint/2010/main" val="1816109829"/>
+        <p14:creationId xmlns:p14="http://schemas.microsoft.com/office/powerpoint/2010/main" val="1882286476"/>
       </p:ext>
     </p:extLst>
   </p:cSld>
@@ -3290,9 +3991,9 @@
           <a:bodyPr/>
           <a:lstStyle/>
           <a:p>
-            <a:fld id="{D26AADD2-272F-3D4C-AA72-A10290954507}" type="datetimeFigureOut">
+            <a:fld id="{9BBDA1F1-658A-CF45-A199-426672DF8AC3}" type="datetimeFigureOut">
               <a:rPr lang="en-US" smtClean="0"/>
-              <a:t>9/2/15</a:t>
+              <a:t>10/28/15</a:t>
             </a:fld>
             <a:endParaRPr lang="en-US"/>
           </a:p>
@@ -3332,7 +4033,7 @@
           <a:bodyPr/>
           <a:lstStyle/>
           <a:p>
-            <a:fld id="{92E88903-2715-C94F-A5AD-68AD26D3B7DF}" type="slidenum">
+            <a:fld id="{9C96AFF3-E36F-0646-9D75-216F6B47AE56}" type="slidenum">
               <a:rPr lang="en-US" smtClean="0"/>
               <a:t>‹#›</a:t>
             </a:fld>
@@ -3343,7 +4044,7 @@
     </p:spTree>
     <p:extLst>
       <p:ext uri="{BB962C8B-B14F-4D97-AF65-F5344CB8AC3E}">
-        <p14:creationId xmlns:p14="http://schemas.microsoft.com/office/powerpoint/2010/main" val="1172821192"/>
+        <p14:creationId xmlns:p14="http://schemas.microsoft.com/office/powerpoint/2010/main" val="1007198175"/>
       </p:ext>
     </p:extLst>
   </p:cSld>
@@ -3672,9 +4373,9 @@
           <a:bodyPr/>
           <a:lstStyle/>
           <a:p>
-            <a:fld id="{D26AADD2-272F-3D4C-AA72-A10290954507}" type="datetimeFigureOut">
+            <a:fld id="{9BBDA1F1-658A-CF45-A199-426672DF8AC3}" type="datetimeFigureOut">
               <a:rPr lang="en-US" smtClean="0"/>
-              <a:t>9/2/15</a:t>
+              <a:t>10/28/15</a:t>
             </a:fld>
             <a:endParaRPr lang="en-US"/>
           </a:p>
@@ -3714,7 +4415,7 @@
           <a:bodyPr/>
           <a:lstStyle/>
           <a:p>
-            <a:fld id="{92E88903-2715-C94F-A5AD-68AD26D3B7DF}" type="slidenum">
+            <a:fld id="{9C96AFF3-E36F-0646-9D75-216F6B47AE56}" type="slidenum">
               <a:rPr lang="en-US" smtClean="0"/>
               <a:t>‹#›</a:t>
             </a:fld>
@@ -3725,7 +4426,7 @@
     </p:spTree>
     <p:extLst>
       <p:ext uri="{BB962C8B-B14F-4D97-AF65-F5344CB8AC3E}">
-        <p14:creationId xmlns:p14="http://schemas.microsoft.com/office/powerpoint/2010/main" val="2000861778"/>
+        <p14:creationId xmlns:p14="http://schemas.microsoft.com/office/powerpoint/2010/main" val="1513621571"/>
       </p:ext>
     </p:extLst>
   </p:cSld>
@@ -3790,9 +4491,9 @@
           <a:bodyPr/>
           <a:lstStyle/>
           <a:p>
-            <a:fld id="{D26AADD2-272F-3D4C-AA72-A10290954507}" type="datetimeFigureOut">
+            <a:fld id="{9BBDA1F1-658A-CF45-A199-426672DF8AC3}" type="datetimeFigureOut">
               <a:rPr lang="en-US" smtClean="0"/>
-              <a:t>9/2/15</a:t>
+              <a:t>10/28/15</a:t>
             </a:fld>
             <a:endParaRPr lang="en-US"/>
           </a:p>
@@ -3832,7 +4533,7 @@
           <a:bodyPr/>
           <a:lstStyle/>
           <a:p>
-            <a:fld id="{92E88903-2715-C94F-A5AD-68AD26D3B7DF}" type="slidenum">
+            <a:fld id="{9C96AFF3-E36F-0646-9D75-216F6B47AE56}" type="slidenum">
               <a:rPr lang="en-US" smtClean="0"/>
               <a:t>‹#›</a:t>
             </a:fld>
@@ -3843,7 +4544,7 @@
     </p:spTree>
     <p:extLst>
       <p:ext uri="{BB962C8B-B14F-4D97-AF65-F5344CB8AC3E}">
-        <p14:creationId xmlns:p14="http://schemas.microsoft.com/office/powerpoint/2010/main" val="1037474473"/>
+        <p14:creationId xmlns:p14="http://schemas.microsoft.com/office/powerpoint/2010/main" val="346461435"/>
       </p:ext>
     </p:extLst>
   </p:cSld>
@@ -3885,9 +4586,9 @@
           <a:bodyPr/>
           <a:lstStyle/>
           <a:p>
-            <a:fld id="{D26AADD2-272F-3D4C-AA72-A10290954507}" type="datetimeFigureOut">
+            <a:fld id="{9BBDA1F1-658A-CF45-A199-426672DF8AC3}" type="datetimeFigureOut">
               <a:rPr lang="en-US" smtClean="0"/>
-              <a:t>9/2/15</a:t>
+              <a:t>10/28/15</a:t>
             </a:fld>
             <a:endParaRPr lang="en-US"/>
           </a:p>
@@ -3927,7 +4628,7 @@
           <a:bodyPr/>
           <a:lstStyle/>
           <a:p>
-            <a:fld id="{92E88903-2715-C94F-A5AD-68AD26D3B7DF}" type="slidenum">
+            <a:fld id="{9C96AFF3-E36F-0646-9D75-216F6B47AE56}" type="slidenum">
               <a:rPr lang="en-US" smtClean="0"/>
               <a:t>‹#›</a:t>
             </a:fld>
@@ -3938,7 +4639,7 @@
     </p:spTree>
     <p:extLst>
       <p:ext uri="{BB962C8B-B14F-4D97-AF65-F5344CB8AC3E}">
-        <p14:creationId xmlns:p14="http://schemas.microsoft.com/office/powerpoint/2010/main" val="1413737718"/>
+        <p14:creationId xmlns:p14="http://schemas.microsoft.com/office/powerpoint/2010/main" val="1149171028"/>
       </p:ext>
     </p:extLst>
   </p:cSld>
@@ -4140,9 +4841,9 @@
           <a:bodyPr/>
           <a:lstStyle/>
           <a:p>
-            <a:fld id="{D26AADD2-272F-3D4C-AA72-A10290954507}" type="datetimeFigureOut">
+            <a:fld id="{9BBDA1F1-658A-CF45-A199-426672DF8AC3}" type="datetimeFigureOut">
               <a:rPr lang="en-US" smtClean="0"/>
-              <a:t>9/2/15</a:t>
+              <a:t>10/28/15</a:t>
             </a:fld>
             <a:endParaRPr lang="en-US"/>
           </a:p>
@@ -4182,7 +4883,7 @@
           <a:bodyPr/>
           <a:lstStyle/>
           <a:p>
-            <a:fld id="{92E88903-2715-C94F-A5AD-68AD26D3B7DF}" type="slidenum">
+            <a:fld id="{9C96AFF3-E36F-0646-9D75-216F6B47AE56}" type="slidenum">
               <a:rPr lang="en-US" smtClean="0"/>
               <a:t>‹#›</a:t>
             </a:fld>
@@ -4193,7 +4894,7 @@
     </p:spTree>
     <p:extLst>
       <p:ext uri="{BB962C8B-B14F-4D97-AF65-F5344CB8AC3E}">
-        <p14:creationId xmlns:p14="http://schemas.microsoft.com/office/powerpoint/2010/main" val="930756018"/>
+        <p14:creationId xmlns:p14="http://schemas.microsoft.com/office/powerpoint/2010/main" val="1797030125"/>
       </p:ext>
     </p:extLst>
   </p:cSld>
@@ -4423,9 +5124,9 @@
           <a:bodyPr/>
           <a:lstStyle/>
           <a:p>
-            <a:fld id="{D26AADD2-272F-3D4C-AA72-A10290954507}" type="datetimeFigureOut">
+            <a:fld id="{9BBDA1F1-658A-CF45-A199-426672DF8AC3}" type="datetimeFigureOut">
               <a:rPr lang="en-US" smtClean="0"/>
-              <a:t>9/2/15</a:t>
+              <a:t>10/28/15</a:t>
             </a:fld>
             <a:endParaRPr lang="en-US"/>
           </a:p>
@@ -4465,7 +5166,7 @@
           <a:bodyPr/>
           <a:lstStyle/>
           <a:p>
-            <a:fld id="{92E88903-2715-C94F-A5AD-68AD26D3B7DF}" type="slidenum">
+            <a:fld id="{9C96AFF3-E36F-0646-9D75-216F6B47AE56}" type="slidenum">
               <a:rPr lang="en-US" smtClean="0"/>
               <a:t>‹#›</a:t>
             </a:fld>
@@ -4476,7 +5177,7 @@
     </p:spTree>
     <p:extLst>
       <p:ext uri="{BB962C8B-B14F-4D97-AF65-F5344CB8AC3E}">
-        <p14:creationId xmlns:p14="http://schemas.microsoft.com/office/powerpoint/2010/main" val="945509778"/>
+        <p14:creationId xmlns:p14="http://schemas.microsoft.com/office/powerpoint/2010/main" val="475299467"/>
       </p:ext>
     </p:extLst>
   </p:cSld>
@@ -4829,9 +5530,9 @@
             </a:lvl1pPr>
           </a:lstStyle>
           <a:p>
-            <a:fld id="{D26AADD2-272F-3D4C-AA72-A10290954507}" type="datetimeFigureOut">
+            <a:fld id="{9BBDA1F1-658A-CF45-A199-426672DF8AC3}" type="datetimeFigureOut">
               <a:rPr lang="en-US" smtClean="0"/>
-              <a:t>9/2/15</a:t>
+              <a:t>10/28/15</a:t>
             </a:fld>
             <a:endParaRPr lang="en-US"/>
           </a:p>
@@ -4911,7 +5612,7 @@
             </a:lvl1pPr>
           </a:lstStyle>
           <a:p>
-            <a:fld id="{92E88903-2715-C94F-A5AD-68AD26D3B7DF}" type="slidenum">
+            <a:fld id="{9C96AFF3-E36F-0646-9D75-216F6B47AE56}" type="slidenum">
               <a:rPr lang="en-US" smtClean="0"/>
               <a:t>‹#›</a:t>
             </a:fld>
@@ -4922,7 +5623,7 @@
     </p:spTree>
     <p:extLst>
       <p:ext uri="{BB962C8B-B14F-4D97-AF65-F5344CB8AC3E}">
-        <p14:creationId xmlns:p14="http://schemas.microsoft.com/office/powerpoint/2010/main" val="1150481118"/>
+        <p14:creationId xmlns:p14="http://schemas.microsoft.com/office/powerpoint/2010/main" val="1671535382"/>
       </p:ext>
     </p:extLst>
   </p:cSld>
@@ -5412,7 +6113,11 @@
           <a:p>
             <a:r>
               <a:rPr lang="en-US" dirty="0" smtClean="0"/>
-              <a:t>Databases</a:t>
+              <a:t>Object </a:t>
+            </a:r>
+            <a:r>
+              <a:rPr lang="en-US" dirty="0" smtClean="0"/>
+              <a:t>Oriented Python</a:t>
             </a:r>
             <a:endParaRPr lang="en-US" dirty="0"/>
           </a:p>
@@ -5421,13 +6126,435 @@
     </p:spTree>
     <p:extLst>
       <p:ext uri="{BB962C8B-B14F-4D97-AF65-F5344CB8AC3E}">
-        <p14:creationId xmlns:p14="http://schemas.microsoft.com/office/powerpoint/2010/main" val="403964996"/>
+        <p14:creationId xmlns:p14="http://schemas.microsoft.com/office/powerpoint/2010/main" val="1259119269"/>
       </p:ext>
     </p:extLst>
   </p:cSld>
   <p:clrMapOvr>
     <a:masterClrMapping/>
   </p:clrMapOvr>
+  <p:timing>
+    <p:tnLst>
+      <p:par>
+        <p:cTn id="1" dur="indefinite" restart="never" nodeType="tmRoot"/>
+      </p:par>
+    </p:tnLst>
+  </p:timing>
+</p:sld>
+</file>
+
+<file path=ppt/slides/slide10.xml><?xml version="1.0" encoding="utf-8"?>
+<p:sld xmlns:a="http://schemas.openxmlformats.org/drawingml/2006/main" xmlns:r="http://schemas.openxmlformats.org/officeDocument/2006/relationships" xmlns:p="http://schemas.openxmlformats.org/presentationml/2006/main">
+  <p:cSld>
+    <p:spTree>
+      <p:nvGrpSpPr>
+        <p:cNvPr id="1" name=""/>
+        <p:cNvGrpSpPr/>
+        <p:nvPr/>
+      </p:nvGrpSpPr>
+      <p:grpSpPr>
+        <a:xfrm>
+          <a:off x="0" y="0"/>
+          <a:ext cx="0" cy="0"/>
+          <a:chOff x="0" y="0"/>
+          <a:chExt cx="0" cy="0"/>
+        </a:xfrm>
+      </p:grpSpPr>
+      <p:sp>
+        <p:nvSpPr>
+          <p:cNvPr id="2" name="Title 1"/>
+          <p:cNvSpPr>
+            <a:spLocks noGrp="1"/>
+          </p:cNvSpPr>
+          <p:nvPr>
+            <p:ph type="title"/>
+          </p:nvPr>
+        </p:nvSpPr>
+        <p:spPr/>
+        <p:txBody>
+          <a:bodyPr/>
+          <a:lstStyle/>
+          <a:p>
+            <a:r>
+              <a:rPr lang="en-US" dirty="0" smtClean="0"/>
+              <a:t>Instance attributes</a:t>
+            </a:r>
+            <a:endParaRPr lang="en-US" dirty="0"/>
+          </a:p>
+        </p:txBody>
+      </p:sp>
+      <p:sp>
+        <p:nvSpPr>
+          <p:cNvPr id="3" name="Content Placeholder 2"/>
+          <p:cNvSpPr>
+            <a:spLocks noGrp="1"/>
+          </p:cNvSpPr>
+          <p:nvPr>
+            <p:ph idx="1"/>
+          </p:nvPr>
+        </p:nvSpPr>
+        <p:spPr/>
+        <p:txBody>
+          <a:bodyPr>
+            <a:normAutofit lnSpcReduction="10000"/>
+          </a:bodyPr>
+          <a:lstStyle/>
+          <a:p>
+            <a:r>
+              <a:rPr lang="en-US" dirty="0" smtClean="0"/>
+              <a:t>Can be defined by using the self reference to the class followed by the attribute name: (i.e. </a:t>
+            </a:r>
+            <a:r>
+              <a:rPr lang="en-US" i="1" dirty="0" err="1" smtClean="0"/>
+              <a:t>self.firstName</a:t>
+            </a:r>
+            <a:r>
+              <a:rPr lang="en-US" i="1" dirty="0" smtClean="0"/>
+              <a:t> </a:t>
+            </a:r>
+            <a:r>
+              <a:rPr lang="en-US" dirty="0" smtClean="0"/>
+              <a:t>)</a:t>
+            </a:r>
+          </a:p>
+          <a:p>
+            <a:r>
+              <a:rPr lang="en-US" dirty="0" smtClean="0"/>
+              <a:t>Can be calculated attributes which are defined using the </a:t>
+            </a:r>
+            <a:r>
+              <a:rPr lang="en-US" b="1" i="1" dirty="0" smtClean="0"/>
+              <a:t>@property </a:t>
+            </a:r>
+            <a:r>
+              <a:rPr lang="en-US" dirty="0" smtClean="0"/>
+              <a:t>decorator</a:t>
+            </a:r>
+          </a:p>
+          <a:p>
+            <a:r>
+              <a:rPr lang="en-US" dirty="0" smtClean="0"/>
+              <a:t>Can be set either by:</a:t>
+            </a:r>
+          </a:p>
+          <a:p>
+            <a:pPr lvl="1"/>
+            <a:r>
+              <a:rPr lang="en-US" dirty="0" smtClean="0"/>
+              <a:t>Accessing the attribute directly</a:t>
+            </a:r>
+          </a:p>
+          <a:p>
+            <a:pPr lvl="1"/>
+            <a:r>
+              <a:rPr lang="en-US" dirty="0" smtClean="0"/>
+              <a:t>Using an attribute setter with the decorator </a:t>
+            </a:r>
+            <a:r>
+              <a:rPr lang="en-US" b="1" i="1" dirty="0" smtClean="0"/>
+              <a:t>@</a:t>
+            </a:r>
+            <a:r>
+              <a:rPr lang="en-US" b="1" i="1" dirty="0" err="1" smtClean="0"/>
+              <a:t>attname.setter</a:t>
+            </a:r>
+            <a:r>
+              <a:rPr lang="en-US" i="1" dirty="0" smtClean="0"/>
+              <a:t> </a:t>
+            </a:r>
+            <a:r>
+              <a:rPr lang="en-US" dirty="0" smtClean="0"/>
+              <a:t>where </a:t>
+            </a:r>
+            <a:r>
+              <a:rPr lang="en-US" i="1" dirty="0" err="1" smtClean="0"/>
+              <a:t>attname</a:t>
+            </a:r>
+            <a:r>
+              <a:rPr lang="en-US" dirty="0" smtClean="0"/>
+              <a:t> is the actual attribute name (</a:t>
+            </a:r>
+            <a:r>
+              <a:rPr lang="en-US" sz="1400" b="1" dirty="0" smtClean="0">
+                <a:solidFill>
+                  <a:srgbClr val="FF0000"/>
+                </a:solidFill>
+              </a:rPr>
+              <a:t>beware of classic classes in python 2.x – see code sample cs_8_3_classic.py</a:t>
+            </a:r>
+            <a:r>
+              <a:rPr lang="en-US" dirty="0" smtClean="0"/>
+              <a:t>) </a:t>
+            </a:r>
+            <a:endParaRPr lang="en-US" b="1" dirty="0" smtClean="0"/>
+          </a:p>
+          <a:p>
+            <a:r>
+              <a:rPr lang="en-US" dirty="0" smtClean="0"/>
+              <a:t>Can be obfuscated by using trailing double underscore</a:t>
+            </a:r>
+          </a:p>
+          <a:p>
+            <a:pPr marL="457200" lvl="1" indent="0">
+              <a:buNone/>
+            </a:pPr>
+            <a:endParaRPr lang="en-US" dirty="0" smtClean="0"/>
+          </a:p>
+        </p:txBody>
+      </p:sp>
+    </p:spTree>
+    <p:extLst>
+      <p:ext uri="{BB962C8B-B14F-4D97-AF65-F5344CB8AC3E}">
+        <p14:creationId xmlns:p14="http://schemas.microsoft.com/office/powerpoint/2010/main" val="144708782"/>
+      </p:ext>
+    </p:extLst>
+  </p:cSld>
+  <p:clrMapOvr>
+    <a:masterClrMapping/>
+  </p:clrMapOvr>
+  <p:timing>
+    <p:tnLst>
+      <p:par>
+        <p:cTn id="1" dur="indefinite" restart="never" nodeType="tmRoot"/>
+      </p:par>
+    </p:tnLst>
+  </p:timing>
+</p:sld>
+</file>
+
+<file path=ppt/slides/slide11.xml><?xml version="1.0" encoding="utf-8"?>
+<p:sld xmlns:a="http://schemas.openxmlformats.org/drawingml/2006/main" xmlns:r="http://schemas.openxmlformats.org/officeDocument/2006/relationships" xmlns:p="http://schemas.openxmlformats.org/presentationml/2006/main">
+  <p:cSld>
+    <p:spTree>
+      <p:nvGrpSpPr>
+        <p:cNvPr id="1" name=""/>
+        <p:cNvGrpSpPr/>
+        <p:nvPr/>
+      </p:nvGrpSpPr>
+      <p:grpSpPr>
+        <a:xfrm>
+          <a:off x="0" y="0"/>
+          <a:ext cx="0" cy="0"/>
+          <a:chOff x="0" y="0"/>
+          <a:chExt cx="0" cy="0"/>
+        </a:xfrm>
+      </p:grpSpPr>
+      <p:sp>
+        <p:nvSpPr>
+          <p:cNvPr id="2" name="Title 1"/>
+          <p:cNvSpPr>
+            <a:spLocks noGrp="1"/>
+          </p:cNvSpPr>
+          <p:nvPr>
+            <p:ph type="title"/>
+          </p:nvPr>
+        </p:nvSpPr>
+        <p:spPr/>
+        <p:txBody>
+          <a:bodyPr/>
+          <a:lstStyle/>
+          <a:p>
+            <a:r>
+              <a:rPr lang="en-US" dirty="0" smtClean="0"/>
+              <a:t>Exercises</a:t>
+            </a:r>
+            <a:endParaRPr lang="en-US" dirty="0"/>
+          </a:p>
+        </p:txBody>
+      </p:sp>
+      <p:sp>
+        <p:nvSpPr>
+          <p:cNvPr id="3" name="Content Placeholder 2"/>
+          <p:cNvSpPr>
+            <a:spLocks noGrp="1"/>
+          </p:cNvSpPr>
+          <p:nvPr>
+            <p:ph idx="1"/>
+          </p:nvPr>
+        </p:nvSpPr>
+        <p:spPr>
+          <a:xfrm>
+            <a:off x="684212" y="685800"/>
+            <a:ext cx="8534400" cy="4222102"/>
+          </a:xfrm>
+        </p:spPr>
+        <p:txBody>
+          <a:bodyPr>
+            <a:normAutofit fontScale="85000" lnSpcReduction="20000"/>
+          </a:bodyPr>
+          <a:lstStyle/>
+          <a:p>
+            <a:pPr marL="457200" indent="-457200">
+              <a:buFont typeface="+mj-lt"/>
+              <a:buAutoNum type="arabicPeriod"/>
+            </a:pPr>
+            <a:r>
+              <a:rPr lang="en-US" dirty="0" smtClean="0"/>
+              <a:t>Create a class named Car that holds the following attributes for a car (use a class initiator and </a:t>
+            </a:r>
+            <a:r>
+              <a:rPr lang="en-US" smtClean="0"/>
+              <a:t>variable obfuscation):</a:t>
+            </a:r>
+            <a:endParaRPr lang="en-US" dirty="0" smtClean="0"/>
+          </a:p>
+          <a:p>
+            <a:pPr marL="914400" lvl="1" indent="-457200">
+              <a:buFont typeface="+mj-lt"/>
+              <a:buAutoNum type="arabicPeriod"/>
+            </a:pPr>
+            <a:r>
+              <a:rPr lang="en-US" dirty="0" smtClean="0"/>
+              <a:t>Brand</a:t>
+            </a:r>
+          </a:p>
+          <a:p>
+            <a:pPr marL="914400" lvl="1" indent="-457200">
+              <a:buFont typeface="+mj-lt"/>
+              <a:buAutoNum type="arabicPeriod"/>
+            </a:pPr>
+            <a:r>
+              <a:rPr lang="en-US" dirty="0" err="1" smtClean="0"/>
+              <a:t>Colour</a:t>
+            </a:r>
+            <a:endParaRPr lang="en-US" dirty="0" smtClean="0"/>
+          </a:p>
+          <a:p>
+            <a:pPr marL="914400" lvl="1" indent="-457200">
+              <a:buFont typeface="+mj-lt"/>
+              <a:buAutoNum type="arabicPeriod"/>
+            </a:pPr>
+            <a:r>
+              <a:rPr lang="en-US" dirty="0" smtClean="0"/>
+              <a:t>Total number of gears</a:t>
+            </a:r>
+          </a:p>
+          <a:p>
+            <a:pPr marL="457200" indent="-457200">
+              <a:buFont typeface="+mj-lt"/>
+              <a:buAutoNum type="arabicPeriod"/>
+            </a:pPr>
+            <a:r>
+              <a:rPr lang="en-US" dirty="0" smtClean="0"/>
+              <a:t>Define and implement the following methods for the Car class:</a:t>
+            </a:r>
+          </a:p>
+          <a:p>
+            <a:pPr marL="914400" lvl="1" indent="-457200">
+              <a:buFont typeface="+mj-lt"/>
+              <a:buAutoNum type="arabicPeriod"/>
+            </a:pPr>
+            <a:r>
+              <a:rPr lang="en-US" dirty="0" smtClean="0"/>
+              <a:t>A method to shift-up a gear</a:t>
+            </a:r>
+          </a:p>
+          <a:p>
+            <a:pPr marL="914400" lvl="1" indent="-457200">
+              <a:buFont typeface="+mj-lt"/>
+              <a:buAutoNum type="arabicPeriod"/>
+            </a:pPr>
+            <a:r>
+              <a:rPr lang="en-US" dirty="0" smtClean="0"/>
+              <a:t>A method to shift-down a gear</a:t>
+            </a:r>
+          </a:p>
+          <a:p>
+            <a:pPr marL="914400" lvl="1" indent="-457200">
+              <a:buFont typeface="+mj-lt"/>
+              <a:buAutoNum type="arabicPeriod"/>
+            </a:pPr>
+            <a:r>
+              <a:rPr lang="en-US" dirty="0" smtClean="0"/>
+              <a:t>A method to print the current gear</a:t>
+            </a:r>
+          </a:p>
+          <a:p>
+            <a:pPr marL="914400" lvl="1" indent="-457200">
+              <a:buFont typeface="+mj-lt"/>
+              <a:buAutoNum type="arabicPeriod"/>
+            </a:pPr>
+            <a:r>
+              <a:rPr lang="en-US" dirty="0" smtClean="0"/>
+              <a:t>A method to return the brand of the car</a:t>
+            </a:r>
+          </a:p>
+          <a:p>
+            <a:pPr marL="914400" lvl="1" indent="-457200">
+              <a:buFont typeface="+mj-lt"/>
+              <a:buAutoNum type="arabicPeriod"/>
+            </a:pPr>
+            <a:r>
+              <a:rPr lang="en-US" dirty="0" smtClean="0"/>
+              <a:t>A method to return the </a:t>
+            </a:r>
+            <a:r>
+              <a:rPr lang="en-US" dirty="0" err="1"/>
+              <a:t>c</a:t>
+            </a:r>
+            <a:r>
+              <a:rPr lang="en-US" dirty="0" err="1" smtClean="0"/>
+              <a:t>olour</a:t>
+            </a:r>
+            <a:r>
+              <a:rPr lang="en-US" dirty="0" smtClean="0"/>
+              <a:t> of the car</a:t>
+            </a:r>
+          </a:p>
+          <a:p>
+            <a:pPr marL="914400" lvl="1" indent="-457200">
+              <a:buFont typeface="+mj-lt"/>
+              <a:buAutoNum type="arabicPeriod"/>
+            </a:pPr>
+            <a:r>
+              <a:rPr lang="en-US" dirty="0" smtClean="0"/>
+              <a:t>A method that states how many cars there are defined</a:t>
+            </a:r>
+          </a:p>
+          <a:p>
+            <a:pPr marL="457200" indent="-457200">
+              <a:buFont typeface="+mj-lt"/>
+              <a:buAutoNum type="arabicPeriod"/>
+            </a:pPr>
+            <a:r>
+              <a:rPr lang="en-US" dirty="0" smtClean="0"/>
+              <a:t>The class </a:t>
+            </a:r>
+            <a:r>
+              <a:rPr lang="en-US" b="1" u="sng" dirty="0" smtClean="0"/>
+              <a:t>must</a:t>
+            </a:r>
+            <a:r>
+              <a:rPr lang="en-US" dirty="0" smtClean="0"/>
+              <a:t> control all corner cases</a:t>
+            </a:r>
+          </a:p>
+          <a:p>
+            <a:pPr marL="914400" lvl="1" indent="-457200">
+              <a:buFont typeface="+mj-lt"/>
+              <a:buAutoNum type="arabicPeriod"/>
+            </a:pPr>
+            <a:endParaRPr lang="en-US" dirty="0"/>
+          </a:p>
+        </p:txBody>
+      </p:sp>
+    </p:spTree>
+    <p:extLst>
+      <p:ext uri="{BB962C8B-B14F-4D97-AF65-F5344CB8AC3E}">
+        <p14:creationId xmlns:p14="http://schemas.microsoft.com/office/powerpoint/2010/main" val="1545752540"/>
+      </p:ext>
+    </p:extLst>
+  </p:cSld>
+  <p:clrMapOvr>
+    <a:masterClrMapping/>
+  </p:clrMapOvr>
+  <p:timing>
+    <p:tnLst>
+      <p:par>
+        <p:cTn id="1" dur="indefinite" restart="never" nodeType="tmRoot"/>
+      </p:par>
+    </p:tnLst>
+  </p:timing>
 </p:sld>
 </file>
 
@@ -5465,7 +6592,7 @@
           <a:p>
             <a:r>
               <a:rPr lang="en-US" dirty="0" smtClean="0"/>
-              <a:t>Databases supported</a:t>
+              <a:t>A python package</a:t>
             </a:r>
             <a:endParaRPr lang="en-US" dirty="0"/>
           </a:p>
@@ -5481,369 +6608,348 @@
             <p:ph idx="1"/>
           </p:nvPr>
         </p:nvSpPr>
-        <p:spPr>
-          <a:xfrm>
-            <a:off x="684212" y="685800"/>
-            <a:ext cx="9944204" cy="3615267"/>
-          </a:xfrm>
-        </p:spPr>
-        <p:txBody>
-          <a:bodyPr numCol="3">
-            <a:normAutofit fontScale="92500" lnSpcReduction="10000"/>
-          </a:bodyPr>
+        <p:spPr/>
+        <p:txBody>
+          <a:bodyPr/>
           <a:lstStyle/>
           <a:p>
             <a:r>
               <a:rPr lang="en-US" dirty="0" smtClean="0"/>
-              <a:t>Python supports </a:t>
-            </a:r>
-            <a:r>
-              <a:rPr lang="en-US" dirty="0"/>
-              <a:t>built-in sqlite3 (</a:t>
-            </a:r>
-            <a:r>
-              <a:rPr lang="en-US" dirty="0">
-                <a:hlinkClick r:id="rId2"/>
-              </a:rPr>
-              <a:t>https://www.sqlite.org</a:t>
-            </a:r>
-            <a:r>
-              <a:rPr lang="en-US" dirty="0" smtClean="0">
-                <a:hlinkClick r:id="rId2"/>
-              </a:rPr>
-              <a:t>/)</a:t>
-            </a:r>
-            <a:endParaRPr lang="en-US" dirty="0" smtClean="0"/>
+              <a:t>Packages are a way of structuring Python’s module namespace using dotted module names</a:t>
+            </a:r>
           </a:p>
           <a:p>
             <a:r>
               <a:rPr lang="en-US" dirty="0" smtClean="0"/>
-              <a:t>The following libraries are available:</a:t>
-            </a:r>
-          </a:p>
-          <a:p>
-            <a:pPr lvl="1"/>
-            <a:r>
-              <a:rPr lang="en-US" dirty="0" smtClean="0">
-                <a:hlinkClick r:id="rId3"/>
-              </a:rPr>
-              <a:t>ODBC</a:t>
-            </a:r>
+              <a:t>Python treats folders as packages</a:t>
+            </a:r>
+          </a:p>
+          <a:p>
             <a:r>
               <a:rPr lang="en-US" dirty="0" smtClean="0"/>
-              <a:t> and </a:t>
-            </a:r>
-            <a:r>
-              <a:rPr lang="en-US" dirty="0" smtClean="0">
-                <a:hlinkClick r:id="rId4"/>
-              </a:rPr>
-              <a:t>ADO</a:t>
+              <a:t>Packages are a collection of .</a:t>
+            </a:r>
+            <a:r>
+              <a:rPr lang="en-US" dirty="0" err="1" smtClean="0"/>
+              <a:t>py</a:t>
             </a:r>
             <a:r>
               <a:rPr lang="en-US" dirty="0" smtClean="0"/>
-              <a:t> generic connectivity</a:t>
-            </a:r>
-          </a:p>
-          <a:p>
-            <a:pPr lvl="1"/>
-            <a:r>
-              <a:rPr lang="en-US" dirty="0" smtClean="0">
-                <a:hlinkClick r:id="rId5"/>
-              </a:rPr>
-              <a:t>DB2</a:t>
-            </a:r>
-            <a:endParaRPr lang="en-US" dirty="0" smtClean="0"/>
-          </a:p>
-          <a:p>
-            <a:pPr lvl="1"/>
-            <a:r>
-              <a:rPr lang="en-US" dirty="0" smtClean="0">
-                <a:hlinkClick r:id="rId6"/>
-              </a:rPr>
-              <a:t>Firebird </a:t>
-            </a:r>
+              <a:t> files which can be modules or classes</a:t>
+            </a:r>
+          </a:p>
+          <a:p>
             <a:r>
               <a:rPr lang="en-US" dirty="0" smtClean="0"/>
-              <a:t>and </a:t>
+              <a:t>Package folders require a __</a:t>
             </a:r>
             <a:r>
               <a:rPr lang="en-US" dirty="0" err="1" smtClean="0"/>
-              <a:t>Interbase</a:t>
-            </a:r>
-            <a:endParaRPr lang="en-US" dirty="0" smtClean="0"/>
-          </a:p>
-          <a:p>
-            <a:pPr lvl="1"/>
-            <a:r>
-              <a:rPr lang="en-US" dirty="0" smtClean="0">
-                <a:hlinkClick r:id="rId7"/>
-              </a:rPr>
-              <a:t>Informix</a:t>
-            </a:r>
-            <a:endParaRPr lang="en-US" dirty="0" smtClean="0"/>
-          </a:p>
-          <a:p>
-            <a:pPr lvl="1"/>
-            <a:r>
-              <a:rPr lang="en-US" dirty="0" smtClean="0">
-                <a:hlinkClick r:id="rId8"/>
-              </a:rPr>
-              <a:t>Ingres</a:t>
-            </a:r>
-            <a:endParaRPr lang="en-US" dirty="0" smtClean="0"/>
-          </a:p>
-          <a:p>
-            <a:pPr lvl="1"/>
-            <a:r>
-              <a:rPr lang="en-US" dirty="0" smtClean="0">
-                <a:hlinkClick r:id="rId9"/>
-              </a:rPr>
-              <a:t>MySQL</a:t>
-            </a:r>
-            <a:endParaRPr lang="en-US" dirty="0" smtClean="0"/>
-          </a:p>
-          <a:p>
-            <a:pPr lvl="1"/>
-            <a:r>
-              <a:rPr lang="en-US" dirty="0" smtClean="0">
-                <a:hlinkClick r:id="rId10"/>
-              </a:rPr>
-              <a:t>Oracle</a:t>
-            </a:r>
-            <a:endParaRPr lang="en-US" dirty="0" smtClean="0"/>
-          </a:p>
-          <a:p>
-            <a:pPr lvl="1"/>
-            <a:r>
-              <a:rPr lang="en-US" dirty="0" smtClean="0">
-                <a:hlinkClick r:id="rId11"/>
-              </a:rPr>
-              <a:t>PostgreSQL</a:t>
-            </a:r>
-            <a:endParaRPr lang="en-US" dirty="0" smtClean="0"/>
-          </a:p>
-          <a:p>
-            <a:pPr lvl="1"/>
-            <a:r>
-              <a:rPr lang="en-US" dirty="0" smtClean="0">
-                <a:hlinkClick r:id="rId12"/>
-              </a:rPr>
-              <a:t>SAP DB </a:t>
+              <a:t>init</a:t>
             </a:r>
             <a:r>
               <a:rPr lang="en-US" dirty="0" smtClean="0"/>
-              <a:t>(</a:t>
+              <a:t>__.</a:t>
             </a:r>
             <a:r>
               <a:rPr lang="en-US" dirty="0" err="1" smtClean="0"/>
-              <a:t>MaxDB</a:t>
+              <a:t>py</a:t>
             </a:r>
             <a:r>
               <a:rPr lang="en-US" dirty="0" smtClean="0"/>
-              <a:t>)</a:t>
-            </a:r>
-          </a:p>
-          <a:p>
-            <a:pPr lvl="1"/>
-            <a:r>
-              <a:rPr lang="en-US" dirty="0" smtClean="0">
-                <a:hlinkClick r:id="rId13"/>
-              </a:rPr>
-              <a:t>Microsoft SQL Server</a:t>
-            </a:r>
-            <a:endParaRPr lang="en-US" dirty="0" smtClean="0"/>
-          </a:p>
-          <a:p>
-            <a:pPr lvl="1"/>
-            <a:r>
-              <a:rPr lang="en-US" dirty="0" smtClean="0">
-                <a:hlinkClick r:id="rId14"/>
-              </a:rPr>
-              <a:t>Microsoft Access</a:t>
-            </a:r>
-            <a:endParaRPr lang="en-US" dirty="0" smtClean="0"/>
-          </a:p>
-          <a:p>
-            <a:pPr lvl="1"/>
-            <a:r>
-              <a:rPr lang="en-US" dirty="0" smtClean="0">
-                <a:hlinkClick r:id="rId15"/>
-              </a:rPr>
-              <a:t>Sybase</a:t>
-            </a:r>
-            <a:endParaRPr lang="en-US" dirty="0" smtClean="0"/>
-          </a:p>
-          <a:p>
-            <a:pPr lvl="1"/>
-            <a:r>
-              <a:rPr lang="en-US" dirty="0" smtClean="0"/>
-              <a:t>Teradata</a:t>
-            </a:r>
-          </a:p>
-          <a:p>
-            <a:pPr lvl="1"/>
-            <a:r>
-              <a:rPr lang="en-US" dirty="0" smtClean="0"/>
-              <a:t>IBM </a:t>
-            </a:r>
-            <a:r>
-              <a:rPr lang="en-US" dirty="0" err="1" smtClean="0"/>
-              <a:t>Netezza</a:t>
-            </a:r>
-            <a:endParaRPr lang="en-US" dirty="0" smtClean="0"/>
-          </a:p>
-          <a:p>
-            <a:pPr lvl="1"/>
-            <a:r>
-              <a:rPr lang="en-US" dirty="0" err="1" smtClean="0">
-                <a:hlinkClick r:id="rId16"/>
-              </a:rPr>
-              <a:t>ThinkSQL</a:t>
-            </a:r>
-            <a:endParaRPr lang="en-US" dirty="0" smtClean="0"/>
-          </a:p>
-          <a:p>
-            <a:pPr lvl="1"/>
-            <a:r>
-              <a:rPr lang="en-US" dirty="0" err="1" smtClean="0">
-                <a:hlinkClick r:id="rId17"/>
-              </a:rPr>
-              <a:t>Asql</a:t>
-            </a:r>
-            <a:endParaRPr lang="en-US" dirty="0" smtClean="0"/>
-          </a:p>
-          <a:p>
-            <a:pPr lvl="1"/>
-            <a:r>
-              <a:rPr lang="en-US" dirty="0" err="1" smtClean="0">
-                <a:hlinkClick r:id="rId18"/>
-              </a:rPr>
-              <a:t>Metakit</a:t>
-            </a:r>
-            <a:endParaRPr lang="en-US" dirty="0" smtClean="0"/>
-          </a:p>
-          <a:p>
-            <a:pPr lvl="1"/>
-            <a:r>
-              <a:rPr lang="en-US" dirty="0" smtClean="0">
-                <a:hlinkClick r:id="rId19"/>
-              </a:rPr>
-              <a:t>ZODB</a:t>
-            </a:r>
-            <a:endParaRPr lang="en-US" dirty="0" smtClean="0"/>
-          </a:p>
-          <a:p>
-            <a:pPr lvl="1"/>
-            <a:r>
-              <a:rPr lang="en-US" dirty="0" err="1" smtClean="0">
-                <a:hlinkClick r:id="rId20"/>
-              </a:rPr>
-              <a:t>BerkeleyDB</a:t>
-            </a:r>
-            <a:endParaRPr lang="en-US" dirty="0" smtClean="0"/>
-          </a:p>
-          <a:p>
-            <a:pPr lvl="1"/>
-            <a:r>
-              <a:rPr lang="en-US" dirty="0" err="1" smtClean="0">
-                <a:hlinkClick r:id="rId21"/>
-              </a:rPr>
-              <a:t>KirbyBase</a:t>
-            </a:r>
-            <a:endParaRPr lang="en-US" dirty="0" smtClean="0"/>
-          </a:p>
-          <a:p>
-            <a:pPr lvl="1"/>
-            <a:r>
-              <a:rPr lang="en-US" dirty="0" err="1" smtClean="0">
-                <a:hlinkClick r:id="rId22"/>
-              </a:rPr>
-              <a:t>Dorus</a:t>
-            </a:r>
-            <a:endParaRPr lang="en-US" dirty="0" smtClean="0"/>
-          </a:p>
-          <a:p>
-            <a:pPr lvl="1"/>
-            <a:r>
-              <a:rPr lang="en-US" dirty="0" err="1" smtClean="0">
-                <a:hlinkClick r:id="rId23"/>
-              </a:rPr>
-              <a:t>Buzhug</a:t>
-            </a:r>
-            <a:endParaRPr lang="en-US" dirty="0" smtClean="0"/>
-          </a:p>
-          <a:p>
-            <a:pPr lvl="1"/>
-            <a:r>
-              <a:rPr lang="en-US" dirty="0" err="1" smtClean="0">
-                <a:hlinkClick r:id="rId24"/>
-              </a:rPr>
-              <a:t>SnakeSQL</a:t>
+              <a:t> file</a:t>
             </a:r>
             <a:endParaRPr lang="en-US" dirty="0"/>
-          </a:p>
-        </p:txBody>
-      </p:sp>
-      <p:sp>
-        <p:nvSpPr>
-          <p:cNvPr id="4" name="TextBox 3"/>
-          <p:cNvSpPr txBox="1"/>
-          <p:nvPr/>
-        </p:nvSpPr>
-        <p:spPr>
-          <a:xfrm>
-            <a:off x="7700103" y="6507678"/>
-            <a:ext cx="4373313" cy="246221"/>
-          </a:xfrm>
-          <a:prstGeom prst="rect">
-            <a:avLst/>
-          </a:prstGeom>
-          <a:noFill/>
-        </p:spPr>
-        <p:txBody>
-          <a:bodyPr wrap="none" rtlCol="0">
-            <a:spAutoFit/>
-          </a:bodyPr>
-          <a:lstStyle/>
-          <a:p>
-            <a:r>
-              <a:rPr lang="en-US" sz="1000" dirty="0" smtClean="0"/>
-              <a:t>More information: https://</a:t>
-            </a:r>
-            <a:r>
-              <a:rPr lang="en-US" sz="1000" dirty="0" err="1" smtClean="0"/>
-              <a:t>wiki.python.org</a:t>
-            </a:r>
-            <a:r>
-              <a:rPr lang="en-US" sz="1000" dirty="0" smtClean="0"/>
-              <a:t>/</a:t>
-            </a:r>
-            <a:r>
-              <a:rPr lang="en-US" sz="1000" dirty="0" err="1" smtClean="0"/>
-              <a:t>moin</a:t>
-            </a:r>
-            <a:r>
-              <a:rPr lang="en-US" sz="1000" dirty="0" smtClean="0"/>
-              <a:t>/</a:t>
-            </a:r>
-            <a:r>
-              <a:rPr lang="en-US" sz="1000" dirty="0" err="1" smtClean="0"/>
-              <a:t>DatabaseInterfaces</a:t>
-            </a:r>
-            <a:endParaRPr lang="en-US" sz="1000" dirty="0"/>
           </a:p>
         </p:txBody>
       </p:sp>
     </p:spTree>
     <p:extLst>
       <p:ext uri="{BB962C8B-B14F-4D97-AF65-F5344CB8AC3E}">
-        <p14:creationId xmlns:p14="http://schemas.microsoft.com/office/powerpoint/2010/main" val="59516797"/>
+        <p14:creationId xmlns:p14="http://schemas.microsoft.com/office/powerpoint/2010/main" val="2131014888"/>
       </p:ext>
     </p:extLst>
   </p:cSld>
   <p:clrMapOvr>
     <a:masterClrMapping/>
   </p:clrMapOvr>
+  <p:timing>
+    <p:tnLst>
+      <p:par>
+        <p:cTn id="1" dur="indefinite" restart="never" nodeType="tmRoot">
+          <p:childTnLst>
+            <p:seq concurrent="1" nextAc="seek">
+              <p:cTn id="2" dur="indefinite" nodeType="mainSeq">
+                <p:childTnLst>
+                  <p:par>
+                    <p:cTn id="3" fill="hold">
+                      <p:stCondLst>
+                        <p:cond delay="indefinite"/>
+                      </p:stCondLst>
+                      <p:childTnLst>
+                        <p:par>
+                          <p:cTn id="4" fill="hold">
+                            <p:stCondLst>
+                              <p:cond delay="0"/>
+                            </p:stCondLst>
+                            <p:childTnLst>
+                              <p:par>
+                                <p:cTn id="5" presetID="3" presetClass="entr" presetSubtype="10" fill="hold" grpId="0" nodeType="clickEffect">
+                                  <p:stCondLst>
+                                    <p:cond delay="0"/>
+                                  </p:stCondLst>
+                                  <p:childTnLst>
+                                    <p:set>
+                                      <p:cBhvr>
+                                        <p:cTn id="6" dur="1" fill="hold">
+                                          <p:stCondLst>
+                                            <p:cond delay="0"/>
+                                          </p:stCondLst>
+                                        </p:cTn>
+                                        <p:tgtEl>
+                                          <p:spTgt spid="3">
+                                            <p:txEl>
+                                              <p:pRg st="0" end="0"/>
+                                            </p:txEl>
+                                          </p:spTgt>
+                                        </p:tgtEl>
+                                        <p:attrNameLst>
+                                          <p:attrName>style.visibility</p:attrName>
+                                        </p:attrNameLst>
+                                      </p:cBhvr>
+                                      <p:to>
+                                        <p:strVal val="visible"/>
+                                      </p:to>
+                                    </p:set>
+                                    <p:animEffect transition="in" filter="blinds(horizontal)">
+                                      <p:cBhvr>
+                                        <p:cTn id="7" dur="500"/>
+                                        <p:tgtEl>
+                                          <p:spTgt spid="3">
+                                            <p:txEl>
+                                              <p:pRg st="0" end="0"/>
+                                            </p:txEl>
+                                          </p:spTgt>
+                                        </p:tgtEl>
+                                      </p:cBhvr>
+                                    </p:animEffect>
+                                  </p:childTnLst>
+                                </p:cTn>
+                              </p:par>
+                            </p:childTnLst>
+                          </p:cTn>
+                        </p:par>
+                      </p:childTnLst>
+                    </p:cTn>
+                  </p:par>
+                  <p:par>
+                    <p:cTn id="8" fill="hold">
+                      <p:stCondLst>
+                        <p:cond delay="indefinite"/>
+                      </p:stCondLst>
+                      <p:childTnLst>
+                        <p:par>
+                          <p:cTn id="9" fill="hold">
+                            <p:stCondLst>
+                              <p:cond delay="0"/>
+                            </p:stCondLst>
+                            <p:childTnLst>
+                              <p:par>
+                                <p:cTn id="10" presetID="3" presetClass="entr" presetSubtype="10" fill="hold" grpId="0" nodeType="clickEffect">
+                                  <p:stCondLst>
+                                    <p:cond delay="0"/>
+                                  </p:stCondLst>
+                                  <p:childTnLst>
+                                    <p:set>
+                                      <p:cBhvr>
+                                        <p:cTn id="11" dur="1" fill="hold">
+                                          <p:stCondLst>
+                                            <p:cond delay="0"/>
+                                          </p:stCondLst>
+                                        </p:cTn>
+                                        <p:tgtEl>
+                                          <p:spTgt spid="3">
+                                            <p:txEl>
+                                              <p:pRg st="1" end="1"/>
+                                            </p:txEl>
+                                          </p:spTgt>
+                                        </p:tgtEl>
+                                        <p:attrNameLst>
+                                          <p:attrName>style.visibility</p:attrName>
+                                        </p:attrNameLst>
+                                      </p:cBhvr>
+                                      <p:to>
+                                        <p:strVal val="visible"/>
+                                      </p:to>
+                                    </p:set>
+                                    <p:animEffect transition="in" filter="blinds(horizontal)">
+                                      <p:cBhvr>
+                                        <p:cTn id="12" dur="500"/>
+                                        <p:tgtEl>
+                                          <p:spTgt spid="3">
+                                            <p:txEl>
+                                              <p:pRg st="1" end="1"/>
+                                            </p:txEl>
+                                          </p:spTgt>
+                                        </p:tgtEl>
+                                      </p:cBhvr>
+                                    </p:animEffect>
+                                  </p:childTnLst>
+                                </p:cTn>
+                              </p:par>
+                            </p:childTnLst>
+                          </p:cTn>
+                        </p:par>
+                      </p:childTnLst>
+                    </p:cTn>
+                  </p:par>
+                  <p:par>
+                    <p:cTn id="13" fill="hold">
+                      <p:stCondLst>
+                        <p:cond delay="indefinite"/>
+                      </p:stCondLst>
+                      <p:childTnLst>
+                        <p:par>
+                          <p:cTn id="14" fill="hold">
+                            <p:stCondLst>
+                              <p:cond delay="0"/>
+                            </p:stCondLst>
+                            <p:childTnLst>
+                              <p:par>
+                                <p:cTn id="15" presetID="3" presetClass="entr" presetSubtype="10" fill="hold" grpId="0" nodeType="clickEffect">
+                                  <p:stCondLst>
+                                    <p:cond delay="0"/>
+                                  </p:stCondLst>
+                                  <p:childTnLst>
+                                    <p:set>
+                                      <p:cBhvr>
+                                        <p:cTn id="16" dur="1" fill="hold">
+                                          <p:stCondLst>
+                                            <p:cond delay="0"/>
+                                          </p:stCondLst>
+                                        </p:cTn>
+                                        <p:tgtEl>
+                                          <p:spTgt spid="3">
+                                            <p:txEl>
+                                              <p:pRg st="2" end="2"/>
+                                            </p:txEl>
+                                          </p:spTgt>
+                                        </p:tgtEl>
+                                        <p:attrNameLst>
+                                          <p:attrName>style.visibility</p:attrName>
+                                        </p:attrNameLst>
+                                      </p:cBhvr>
+                                      <p:to>
+                                        <p:strVal val="visible"/>
+                                      </p:to>
+                                    </p:set>
+                                    <p:animEffect transition="in" filter="blinds(horizontal)">
+                                      <p:cBhvr>
+                                        <p:cTn id="17" dur="500"/>
+                                        <p:tgtEl>
+                                          <p:spTgt spid="3">
+                                            <p:txEl>
+                                              <p:pRg st="2" end="2"/>
+                                            </p:txEl>
+                                          </p:spTgt>
+                                        </p:tgtEl>
+                                      </p:cBhvr>
+                                    </p:animEffect>
+                                  </p:childTnLst>
+                                </p:cTn>
+                              </p:par>
+                            </p:childTnLst>
+                          </p:cTn>
+                        </p:par>
+                      </p:childTnLst>
+                    </p:cTn>
+                  </p:par>
+                  <p:par>
+                    <p:cTn id="18" fill="hold">
+                      <p:stCondLst>
+                        <p:cond delay="indefinite"/>
+                      </p:stCondLst>
+                      <p:childTnLst>
+                        <p:par>
+                          <p:cTn id="19" fill="hold">
+                            <p:stCondLst>
+                              <p:cond delay="0"/>
+                            </p:stCondLst>
+                            <p:childTnLst>
+                              <p:par>
+                                <p:cTn id="20" presetID="3" presetClass="entr" presetSubtype="10" fill="hold" grpId="0" nodeType="clickEffect">
+                                  <p:stCondLst>
+                                    <p:cond delay="0"/>
+                                  </p:stCondLst>
+                                  <p:childTnLst>
+                                    <p:set>
+                                      <p:cBhvr>
+                                        <p:cTn id="21" dur="1" fill="hold">
+                                          <p:stCondLst>
+                                            <p:cond delay="0"/>
+                                          </p:stCondLst>
+                                        </p:cTn>
+                                        <p:tgtEl>
+                                          <p:spTgt spid="3">
+                                            <p:txEl>
+                                              <p:pRg st="3" end="3"/>
+                                            </p:txEl>
+                                          </p:spTgt>
+                                        </p:tgtEl>
+                                        <p:attrNameLst>
+                                          <p:attrName>style.visibility</p:attrName>
+                                        </p:attrNameLst>
+                                      </p:cBhvr>
+                                      <p:to>
+                                        <p:strVal val="visible"/>
+                                      </p:to>
+                                    </p:set>
+                                    <p:animEffect transition="in" filter="blinds(horizontal)">
+                                      <p:cBhvr>
+                                        <p:cTn id="22" dur="500"/>
+                                        <p:tgtEl>
+                                          <p:spTgt spid="3">
+                                            <p:txEl>
+                                              <p:pRg st="3" end="3"/>
+                                            </p:txEl>
+                                          </p:spTgt>
+                                        </p:tgtEl>
+                                      </p:cBhvr>
+                                    </p:animEffect>
+                                  </p:childTnLst>
+                                </p:cTn>
+                              </p:par>
+                            </p:childTnLst>
+                          </p:cTn>
+                        </p:par>
+                      </p:childTnLst>
+                    </p:cTn>
+                  </p:par>
+                </p:childTnLst>
+              </p:cTn>
+              <p:prevCondLst>
+                <p:cond evt="onPrev" delay="0">
+                  <p:tgtEl>
+                    <p:sldTgt/>
+                  </p:tgtEl>
+                </p:cond>
+              </p:prevCondLst>
+              <p:nextCondLst>
+                <p:cond evt="onNext" delay="0">
+                  <p:tgtEl>
+                    <p:sldTgt/>
+                  </p:tgtEl>
+                </p:cond>
+              </p:nextCondLst>
+            </p:seq>
+          </p:childTnLst>
+        </p:cTn>
+      </p:par>
+    </p:tnLst>
+    <p:bldLst>
+      <p:bldP spid="3" grpId="0" build="p"/>
+    </p:bldLst>
+  </p:timing>
 </p:sld>
 </file>
 
@@ -5880,13 +6986,41 @@
           <a:lstStyle/>
           <a:p>
             <a:r>
-              <a:rPr lang="en-US" dirty="0" smtClean="0"/>
-              <a:t>SQLite3</a:t>
-            </a:r>
-            <a:endParaRPr lang="en-US" dirty="0"/>
-          </a:p>
-        </p:txBody>
-      </p:sp>
+              <a:rPr lang="en-US" dirty="0"/>
+              <a:t>Importing a module from a package</a:t>
+            </a:r>
+          </a:p>
+        </p:txBody>
+      </p:sp>
+      <p:pic>
+        <p:nvPicPr>
+          <p:cNvPr id="5" name="Content Placeholder 4"/>
+          <p:cNvPicPr>
+            <a:picLocks noGrp="1" noChangeAspect="1"/>
+          </p:cNvPicPr>
+          <p:nvPr>
+            <p:ph sz="half" idx="1"/>
+          </p:nvPr>
+        </p:nvPicPr>
+        <p:blipFill>
+          <a:blip r:embed="rId3">
+            <a:extLst>
+              <a:ext uri="{28A0092B-C50C-407E-A947-70E740481C1C}">
+                <a14:useLocalDpi xmlns:a14="http://schemas.microsoft.com/office/drawing/2010/main" val="0"/>
+              </a:ext>
+            </a:extLst>
+          </a:blip>
+          <a:stretch>
+            <a:fillRect/>
+          </a:stretch>
+        </p:blipFill>
+        <p:spPr>
+          <a:xfrm>
+            <a:off x="684212" y="685801"/>
+            <a:ext cx="2202295" cy="3614738"/>
+          </a:xfrm>
+        </p:spPr>
+      </p:pic>
       <p:sp>
         <p:nvSpPr>
           <p:cNvPr id="4" name="Content Placeholder 3"/>
@@ -5894,205 +7028,819 @@
             <a:spLocks noGrp="1"/>
           </p:cNvSpPr>
           <p:nvPr>
-            <p:ph sz="half" idx="1"/>
-          </p:nvPr>
-        </p:nvSpPr>
-        <p:spPr/>
+            <p:ph sz="half" idx="2"/>
+          </p:nvPr>
+        </p:nvSpPr>
+        <p:spPr>
+          <a:xfrm>
+            <a:off x="3313217" y="1508165"/>
+            <a:ext cx="7429396" cy="2792901"/>
+          </a:xfrm>
+        </p:spPr>
         <p:txBody>
           <a:bodyPr>
-            <a:normAutofit lnSpcReduction="10000"/>
+            <a:normAutofit fontScale="92500"/>
           </a:bodyPr>
           <a:lstStyle/>
           <a:p>
-            <a:pPr marL="0" indent="0">
-              <a:buNone/>
-            </a:pPr>
-            <a:r>
-              <a:rPr lang="en-US" b="1" dirty="0"/>
-              <a:t>import </a:t>
+            <a:r>
+              <a:rPr lang="en-US" b="1" i="1" dirty="0"/>
+              <a:t>i</a:t>
+            </a:r>
+            <a:r>
+              <a:rPr lang="en-US" b="1" i="1" dirty="0" smtClean="0"/>
+              <a:t>mport</a:t>
+            </a:r>
+            <a:r>
+              <a:rPr lang="en-US" i="1" dirty="0" smtClean="0"/>
+              <a:t> </a:t>
+            </a:r>
+            <a:r>
+              <a:rPr lang="en-US" i="1" dirty="0" err="1" smtClean="0"/>
+              <a:t>sound.effects.echo</a:t>
+            </a:r>
+            <a:endParaRPr lang="en-US" i="1" dirty="0" smtClean="0"/>
+          </a:p>
+          <a:p>
+            <a:pPr lvl="1"/>
+            <a:r>
+              <a:rPr lang="en-US" dirty="0" smtClean="0"/>
+              <a:t>The fully qualified name must be used: </a:t>
+            </a:r>
+            <a:r>
+              <a:rPr lang="en-US" b="1" i="1" dirty="0" err="1" smtClean="0"/>
+              <a:t>sound.effects.echo.echoFilter</a:t>
+            </a:r>
+            <a:r>
+              <a:rPr lang="en-US" b="1" i="1" dirty="0" smtClean="0"/>
+              <a:t>()</a:t>
+            </a:r>
+          </a:p>
+          <a:p>
+            <a:r>
+              <a:rPr lang="en-US" b="1" i="1" dirty="0"/>
+              <a:t>f</a:t>
+            </a:r>
+            <a:r>
+              <a:rPr lang="en-US" b="1" i="1" dirty="0" smtClean="0"/>
+              <a:t>rom</a:t>
+            </a:r>
+            <a:r>
+              <a:rPr lang="en-US" i="1" dirty="0" smtClean="0"/>
+              <a:t> </a:t>
+            </a:r>
+            <a:r>
+              <a:rPr lang="en-US" i="1" dirty="0" err="1" smtClean="0"/>
+              <a:t>sound.effects</a:t>
+            </a:r>
+            <a:r>
+              <a:rPr lang="en-US" i="1" dirty="0" smtClean="0"/>
+              <a:t> </a:t>
+            </a:r>
+            <a:r>
+              <a:rPr lang="en-US" b="1" i="1" dirty="0" smtClean="0"/>
+              <a:t>import</a:t>
+            </a:r>
+            <a:r>
+              <a:rPr lang="en-US" i="1" dirty="0" smtClean="0"/>
+              <a:t> echo</a:t>
+            </a:r>
+          </a:p>
+          <a:p>
+            <a:pPr lvl="1"/>
+            <a:r>
+              <a:rPr lang="en-US" dirty="0" smtClean="0"/>
+              <a:t>The </a:t>
+            </a:r>
+            <a:r>
+              <a:rPr lang="en-US" dirty="0" err="1" smtClean="0"/>
+              <a:t>submodule</a:t>
             </a:r>
             <a:r>
               <a:rPr lang="en-US" dirty="0"/>
-              <a:t>sqlite3</a:t>
-            </a:r>
-            <a:br>
-              <a:rPr lang="en-US" dirty="0"/>
-            </a:br>
-            <a:r>
-              <a:rPr lang="en-US" dirty="0"/>
-              <a:t/>
-            </a:r>
-            <a:br>
-              <a:rPr lang="en-US" dirty="0"/>
-            </a:br>
-            <a:r>
-              <a:rPr lang="en-US" dirty="0"/>
-              <a:t>conn = sqlite3.connect(</a:t>
-            </a:r>
-            <a:r>
-              <a:rPr lang="en-US" dirty="0"/>
-              <a:t>"dbfile.sqlite3"</a:t>
-            </a:r>
-            <a:r>
-              <a:rPr lang="en-US" dirty="0"/>
-              <a:t>)</a:t>
-            </a:r>
-            <a:br>
-              <a:rPr lang="en-US" dirty="0"/>
-            </a:br>
-            <a:r>
-              <a:rPr lang="en-US" dirty="0"/>
-              <a:t>cursor = </a:t>
-            </a:r>
-            <a:r>
-              <a:rPr lang="en-US" dirty="0" err="1"/>
-              <a:t>conn.cursor</a:t>
-            </a:r>
-            <a:r>
-              <a:rPr lang="en-US" dirty="0"/>
+              <a:t> </a:t>
+            </a:r>
+            <a:r>
+              <a:rPr lang="en-US" dirty="0" smtClean="0"/>
+              <a:t>and function must be used: </a:t>
+            </a:r>
+            <a:r>
+              <a:rPr lang="en-US" b="1" i="1" dirty="0" err="1" smtClean="0"/>
+              <a:t>echo.echoFilter</a:t>
+            </a:r>
+            <a:r>
+              <a:rPr lang="en-US" b="1" i="1" dirty="0" smtClean="0"/>
               <a:t>()</a:t>
             </a:r>
-            <a:br>
-              <a:rPr lang="en-US" dirty="0"/>
-            </a:br>
-            <a:r>
-              <a:rPr lang="en-US" dirty="0"/>
-              <a:t/>
-            </a:r>
-            <a:br>
-              <a:rPr lang="en-US" dirty="0"/>
-            </a:br>
-            <a:r>
-              <a:rPr lang="en-US" dirty="0" err="1"/>
-              <a:t>sqlstmt</a:t>
-            </a:r>
-            <a:r>
-              <a:rPr lang="en-US" dirty="0"/>
-              <a:t> = </a:t>
-            </a:r>
-            <a:r>
-              <a:rPr lang="en-US" dirty="0"/>
-              <a:t>"Some SQL Statement"</a:t>
-            </a:r>
-            <a:br>
-              <a:rPr lang="en-US" dirty="0"/>
-            </a:br>
-            <a:r>
-              <a:rPr lang="en-US" dirty="0" err="1"/>
-              <a:t>cursor.execute</a:t>
-            </a:r>
-            <a:r>
-              <a:rPr lang="en-US" dirty="0"/>
-              <a:t>(</a:t>
-            </a:r>
-            <a:r>
-              <a:rPr lang="en-US" dirty="0" err="1"/>
-              <a:t>sqlstmt</a:t>
-            </a:r>
+          </a:p>
+          <a:p>
+            <a:r>
+              <a:rPr lang="en-US" b="1" i="1" dirty="0"/>
+              <a:t>f</a:t>
+            </a:r>
+            <a:r>
+              <a:rPr lang="en-US" b="1" i="1" dirty="0" smtClean="0"/>
+              <a:t>rom</a:t>
+            </a:r>
+            <a:r>
+              <a:rPr lang="en-US" i="1" dirty="0" smtClean="0"/>
+              <a:t> </a:t>
+            </a:r>
+            <a:r>
+              <a:rPr lang="en-US" i="1" dirty="0" err="1" smtClean="0"/>
+              <a:t>sound.effects.echo</a:t>
+            </a:r>
+            <a:r>
+              <a:rPr lang="en-US" i="1" dirty="0" smtClean="0"/>
+              <a:t> </a:t>
+            </a:r>
+            <a:r>
+              <a:rPr lang="en-US" b="1" i="1" dirty="0" smtClean="0"/>
+              <a:t>import</a:t>
+            </a:r>
+            <a:r>
+              <a:rPr lang="en-US" i="1" dirty="0" smtClean="0"/>
+              <a:t> </a:t>
+            </a:r>
+            <a:r>
+              <a:rPr lang="en-US" i="1" dirty="0" err="1" smtClean="0"/>
+              <a:t>echoFilter</a:t>
+            </a:r>
+            <a:endParaRPr lang="en-US" i="1" dirty="0" smtClean="0"/>
+          </a:p>
+          <a:p>
+            <a:pPr lvl="1"/>
             <a:r>
               <a:rPr lang="en-US" dirty="0" smtClean="0"/>
-              <a:t>)</a:t>
-            </a:r>
-          </a:p>
-          <a:p>
-            <a:pPr marL="0" indent="0">
-              <a:buNone/>
-            </a:pPr>
-            <a:r>
-              <a:rPr lang="en-US" dirty="0" err="1" smtClean="0"/>
-              <a:t>conn.commit</a:t>
-            </a:r>
-            <a:r>
-              <a:rPr lang="en-US" dirty="0" smtClean="0"/>
+              <a:t>The function is readily available: </a:t>
+            </a:r>
+            <a:r>
+              <a:rPr lang="en-US" b="1" i="1" dirty="0" err="1" smtClean="0"/>
+              <a:t>echoFilter</a:t>
+            </a:r>
+            <a:r>
+              <a:rPr lang="en-US" b="1" i="1" dirty="0" smtClean="0"/>
               <a:t>()</a:t>
             </a:r>
-            <a:r>
-              <a:rPr lang="en-US" dirty="0"/>
-              <a:t/>
-            </a:r>
-            <a:br>
-              <a:rPr lang="en-US" dirty="0"/>
-            </a:br>
-            <a:r>
-              <a:rPr lang="en-US" dirty="0" err="1"/>
-              <a:t>conn.close</a:t>
-            </a:r>
-            <a:r>
-              <a:rPr lang="en-US" dirty="0"/>
-              <a:t>()</a:t>
-            </a:r>
-          </a:p>
-        </p:txBody>
-      </p:sp>
-      <p:sp>
-        <p:nvSpPr>
-          <p:cNvPr id="5" name="Content Placeholder 4"/>
-          <p:cNvSpPr>
-            <a:spLocks noGrp="1"/>
-          </p:cNvSpPr>
-          <p:nvPr>
-            <p:ph sz="half" idx="2"/>
-          </p:nvPr>
+            <a:endParaRPr lang="en-US" b="1" i="1" dirty="0"/>
+          </a:p>
+        </p:txBody>
+      </p:sp>
+      <p:sp>
+        <p:nvSpPr>
+          <p:cNvPr id="6" name="TextBox 5"/>
+          <p:cNvSpPr txBox="1"/>
+          <p:nvPr/>
         </p:nvSpPr>
         <p:spPr>
           <a:xfrm>
-            <a:off x="5808133" y="1235033"/>
-            <a:ext cx="4934479" cy="3066033"/>
+            <a:off x="3455719" y="861834"/>
+            <a:ext cx="8134598" cy="646331"/>
           </a:xfrm>
+          <a:prstGeom prst="rect">
+            <a:avLst/>
+          </a:prstGeom>
+          <a:noFill/>
         </p:spPr>
         <p:txBody>
-          <a:bodyPr anchor="t">
-            <a:normAutofit lnSpcReduction="10000"/>
+          <a:bodyPr wrap="square" rtlCol="0">
+            <a:spAutoFit/>
           </a:bodyPr>
           <a:lstStyle/>
           <a:p>
             <a:r>
+              <a:rPr lang="en-US" b="1" dirty="0" smtClean="0"/>
+              <a:t>Problem:</a:t>
+            </a:r>
+            <a:r>
               <a:rPr lang="en-US" dirty="0" smtClean="0"/>
-              <a:t>Import the sqlite3 module</a:t>
+              <a:t> </a:t>
             </a:r>
           </a:p>
           <a:p>
             <a:r>
               <a:rPr lang="en-US" dirty="0" smtClean="0"/>
-              <a:t>Open a connection to a database file.</a:t>
-            </a:r>
-          </a:p>
-          <a:p>
+              <a:t>You want to use the function </a:t>
+            </a:r>
+            <a:r>
+              <a:rPr lang="en-US" dirty="0" err="1" smtClean="0"/>
+              <a:t>echoFilter</a:t>
+            </a:r>
             <a:r>
               <a:rPr lang="en-US" dirty="0" smtClean="0"/>
-              <a:t>Create a cursor to handle the execution of statements.</a:t>
-            </a:r>
-          </a:p>
-          <a:p>
-            <a:r>
-              <a:rPr lang="en-US" dirty="0" smtClean="0"/>
-              <a:t>Execute required SQL code</a:t>
-            </a:r>
-          </a:p>
-          <a:p>
-            <a:r>
-              <a:rPr lang="en-US" dirty="0" smtClean="0"/>
-              <a:t>Commit changes to the database</a:t>
-            </a:r>
-          </a:p>
-          <a:p>
-            <a:r>
-              <a:rPr lang="en-US" dirty="0" smtClean="0"/>
-              <a:t>Close the connection</a:t>
-            </a:r>
+              <a:t> from the echo module</a:t>
+            </a:r>
+            <a:endParaRPr lang="en-US" dirty="0"/>
           </a:p>
         </p:txBody>
       </p:sp>
     </p:spTree>
     <p:extLst>
       <p:ext uri="{BB962C8B-B14F-4D97-AF65-F5344CB8AC3E}">
-        <p14:creationId xmlns:p14="http://schemas.microsoft.com/office/powerpoint/2010/main" val="1785888191"/>
+        <p14:creationId xmlns:p14="http://schemas.microsoft.com/office/powerpoint/2010/main" val="236824768"/>
       </p:ext>
     </p:extLst>
   </p:cSld>
   <p:clrMapOvr>
     <a:masterClrMapping/>
   </p:clrMapOvr>
+  <p:timing>
+    <p:tnLst>
+      <p:par>
+        <p:cTn id="1" dur="indefinite" restart="never" nodeType="tmRoot">
+          <p:childTnLst>
+            <p:seq concurrent="1" nextAc="seek">
+              <p:cTn id="2" dur="indefinite" nodeType="mainSeq">
+                <p:childTnLst>
+                  <p:par>
+                    <p:cTn id="3" fill="hold">
+                      <p:stCondLst>
+                        <p:cond delay="indefinite"/>
+                      </p:stCondLst>
+                      <p:childTnLst>
+                        <p:par>
+                          <p:cTn id="4" fill="hold">
+                            <p:stCondLst>
+                              <p:cond delay="0"/>
+                            </p:stCondLst>
+                            <p:childTnLst>
+                              <p:par>
+                                <p:cTn id="5" presetID="2" presetClass="entr" presetSubtype="4" fill="hold" grpId="0" nodeType="clickEffect">
+                                  <p:stCondLst>
+                                    <p:cond delay="0"/>
+                                  </p:stCondLst>
+                                  <p:childTnLst>
+                                    <p:set>
+                                      <p:cBhvr>
+                                        <p:cTn id="6" dur="1" fill="hold">
+                                          <p:stCondLst>
+                                            <p:cond delay="0"/>
+                                          </p:stCondLst>
+                                        </p:cTn>
+                                        <p:tgtEl>
+                                          <p:spTgt spid="4">
+                                            <p:txEl>
+                                              <p:pRg st="0" end="0"/>
+                                            </p:txEl>
+                                          </p:spTgt>
+                                        </p:tgtEl>
+                                        <p:attrNameLst>
+                                          <p:attrName>style.visibility</p:attrName>
+                                        </p:attrNameLst>
+                                      </p:cBhvr>
+                                      <p:to>
+                                        <p:strVal val="visible"/>
+                                      </p:to>
+                                    </p:set>
+                                    <p:anim calcmode="lin" valueType="num">
+                                      <p:cBhvr additive="base">
+                                        <p:cTn id="7" dur="500" fill="hold"/>
+                                        <p:tgtEl>
+                                          <p:spTgt spid="4">
+                                            <p:txEl>
+                                              <p:pRg st="0" end="0"/>
+                                            </p:txEl>
+                                          </p:spTgt>
+                                        </p:tgtEl>
+                                        <p:attrNameLst>
+                                          <p:attrName>ppt_x</p:attrName>
+                                        </p:attrNameLst>
+                                      </p:cBhvr>
+                                      <p:tavLst>
+                                        <p:tav tm="0">
+                                          <p:val>
+                                            <p:strVal val="#ppt_x"/>
+                                          </p:val>
+                                        </p:tav>
+                                        <p:tav tm="100000">
+                                          <p:val>
+                                            <p:strVal val="#ppt_x"/>
+                                          </p:val>
+                                        </p:tav>
+                                      </p:tavLst>
+                                    </p:anim>
+                                    <p:anim calcmode="lin" valueType="num">
+                                      <p:cBhvr additive="base">
+                                        <p:cTn id="8" dur="500" fill="hold"/>
+                                        <p:tgtEl>
+                                          <p:spTgt spid="4">
+                                            <p:txEl>
+                                              <p:pRg st="0" end="0"/>
+                                            </p:txEl>
+                                          </p:spTgt>
+                                        </p:tgtEl>
+                                        <p:attrNameLst>
+                                          <p:attrName>ppt_y</p:attrName>
+                                        </p:attrNameLst>
+                                      </p:cBhvr>
+                                      <p:tavLst>
+                                        <p:tav tm="0">
+                                          <p:val>
+                                            <p:strVal val="1+#ppt_h/2"/>
+                                          </p:val>
+                                        </p:tav>
+                                        <p:tav tm="100000">
+                                          <p:val>
+                                            <p:strVal val="#ppt_y"/>
+                                          </p:val>
+                                        </p:tav>
+                                      </p:tavLst>
+                                    </p:anim>
+                                  </p:childTnLst>
+                                </p:cTn>
+                              </p:par>
+                              <p:par>
+                                <p:cTn id="9" presetID="2" presetClass="entr" presetSubtype="4" fill="hold" grpId="0" nodeType="withEffect">
+                                  <p:stCondLst>
+                                    <p:cond delay="0"/>
+                                  </p:stCondLst>
+                                  <p:childTnLst>
+                                    <p:set>
+                                      <p:cBhvr>
+                                        <p:cTn id="10" dur="1" fill="hold">
+                                          <p:stCondLst>
+                                            <p:cond delay="0"/>
+                                          </p:stCondLst>
+                                        </p:cTn>
+                                        <p:tgtEl>
+                                          <p:spTgt spid="4">
+                                            <p:txEl>
+                                              <p:pRg st="1" end="1"/>
+                                            </p:txEl>
+                                          </p:spTgt>
+                                        </p:tgtEl>
+                                        <p:attrNameLst>
+                                          <p:attrName>style.visibility</p:attrName>
+                                        </p:attrNameLst>
+                                      </p:cBhvr>
+                                      <p:to>
+                                        <p:strVal val="visible"/>
+                                      </p:to>
+                                    </p:set>
+                                    <p:anim calcmode="lin" valueType="num">
+                                      <p:cBhvr additive="base">
+                                        <p:cTn id="11" dur="500" fill="hold"/>
+                                        <p:tgtEl>
+                                          <p:spTgt spid="4">
+                                            <p:txEl>
+                                              <p:pRg st="1" end="1"/>
+                                            </p:txEl>
+                                          </p:spTgt>
+                                        </p:tgtEl>
+                                        <p:attrNameLst>
+                                          <p:attrName>ppt_x</p:attrName>
+                                        </p:attrNameLst>
+                                      </p:cBhvr>
+                                      <p:tavLst>
+                                        <p:tav tm="0">
+                                          <p:val>
+                                            <p:strVal val="#ppt_x"/>
+                                          </p:val>
+                                        </p:tav>
+                                        <p:tav tm="100000">
+                                          <p:val>
+                                            <p:strVal val="#ppt_x"/>
+                                          </p:val>
+                                        </p:tav>
+                                      </p:tavLst>
+                                    </p:anim>
+                                    <p:anim calcmode="lin" valueType="num">
+                                      <p:cBhvr additive="base">
+                                        <p:cTn id="12" dur="500" fill="hold"/>
+                                        <p:tgtEl>
+                                          <p:spTgt spid="4">
+                                            <p:txEl>
+                                              <p:pRg st="1" end="1"/>
+                                            </p:txEl>
+                                          </p:spTgt>
+                                        </p:tgtEl>
+                                        <p:attrNameLst>
+                                          <p:attrName>ppt_y</p:attrName>
+                                        </p:attrNameLst>
+                                      </p:cBhvr>
+                                      <p:tavLst>
+                                        <p:tav tm="0">
+                                          <p:val>
+                                            <p:strVal val="1+#ppt_h/2"/>
+                                          </p:val>
+                                        </p:tav>
+                                        <p:tav tm="100000">
+                                          <p:val>
+                                            <p:strVal val="#ppt_y"/>
+                                          </p:val>
+                                        </p:tav>
+                                      </p:tavLst>
+                                    </p:anim>
+                                  </p:childTnLst>
+                                </p:cTn>
+                              </p:par>
+                            </p:childTnLst>
+                          </p:cTn>
+                        </p:par>
+                      </p:childTnLst>
+                    </p:cTn>
+                  </p:par>
+                  <p:par>
+                    <p:cTn id="13" fill="hold">
+                      <p:stCondLst>
+                        <p:cond delay="indefinite"/>
+                      </p:stCondLst>
+                      <p:childTnLst>
+                        <p:par>
+                          <p:cTn id="14" fill="hold">
+                            <p:stCondLst>
+                              <p:cond delay="0"/>
+                            </p:stCondLst>
+                            <p:childTnLst>
+                              <p:par>
+                                <p:cTn id="15" presetID="2" presetClass="entr" presetSubtype="4" fill="hold" grpId="0" nodeType="clickEffect">
+                                  <p:stCondLst>
+                                    <p:cond delay="0"/>
+                                  </p:stCondLst>
+                                  <p:childTnLst>
+                                    <p:set>
+                                      <p:cBhvr>
+                                        <p:cTn id="16" dur="1" fill="hold">
+                                          <p:stCondLst>
+                                            <p:cond delay="0"/>
+                                          </p:stCondLst>
+                                        </p:cTn>
+                                        <p:tgtEl>
+                                          <p:spTgt spid="4">
+                                            <p:txEl>
+                                              <p:pRg st="2" end="2"/>
+                                            </p:txEl>
+                                          </p:spTgt>
+                                        </p:tgtEl>
+                                        <p:attrNameLst>
+                                          <p:attrName>style.visibility</p:attrName>
+                                        </p:attrNameLst>
+                                      </p:cBhvr>
+                                      <p:to>
+                                        <p:strVal val="visible"/>
+                                      </p:to>
+                                    </p:set>
+                                    <p:anim calcmode="lin" valueType="num">
+                                      <p:cBhvr additive="base">
+                                        <p:cTn id="17" dur="500" fill="hold"/>
+                                        <p:tgtEl>
+                                          <p:spTgt spid="4">
+                                            <p:txEl>
+                                              <p:pRg st="2" end="2"/>
+                                            </p:txEl>
+                                          </p:spTgt>
+                                        </p:tgtEl>
+                                        <p:attrNameLst>
+                                          <p:attrName>ppt_x</p:attrName>
+                                        </p:attrNameLst>
+                                      </p:cBhvr>
+                                      <p:tavLst>
+                                        <p:tav tm="0">
+                                          <p:val>
+                                            <p:strVal val="#ppt_x"/>
+                                          </p:val>
+                                        </p:tav>
+                                        <p:tav tm="100000">
+                                          <p:val>
+                                            <p:strVal val="#ppt_x"/>
+                                          </p:val>
+                                        </p:tav>
+                                      </p:tavLst>
+                                    </p:anim>
+                                    <p:anim calcmode="lin" valueType="num">
+                                      <p:cBhvr additive="base">
+                                        <p:cTn id="18" dur="500" fill="hold"/>
+                                        <p:tgtEl>
+                                          <p:spTgt spid="4">
+                                            <p:txEl>
+                                              <p:pRg st="2" end="2"/>
+                                            </p:txEl>
+                                          </p:spTgt>
+                                        </p:tgtEl>
+                                        <p:attrNameLst>
+                                          <p:attrName>ppt_y</p:attrName>
+                                        </p:attrNameLst>
+                                      </p:cBhvr>
+                                      <p:tavLst>
+                                        <p:tav tm="0">
+                                          <p:val>
+                                            <p:strVal val="1+#ppt_h/2"/>
+                                          </p:val>
+                                        </p:tav>
+                                        <p:tav tm="100000">
+                                          <p:val>
+                                            <p:strVal val="#ppt_y"/>
+                                          </p:val>
+                                        </p:tav>
+                                      </p:tavLst>
+                                    </p:anim>
+                                  </p:childTnLst>
+                                </p:cTn>
+                              </p:par>
+                              <p:par>
+                                <p:cTn id="19" presetID="2" presetClass="entr" presetSubtype="4" fill="hold" grpId="0" nodeType="withEffect">
+                                  <p:stCondLst>
+                                    <p:cond delay="0"/>
+                                  </p:stCondLst>
+                                  <p:childTnLst>
+                                    <p:set>
+                                      <p:cBhvr>
+                                        <p:cTn id="20" dur="1" fill="hold">
+                                          <p:stCondLst>
+                                            <p:cond delay="0"/>
+                                          </p:stCondLst>
+                                        </p:cTn>
+                                        <p:tgtEl>
+                                          <p:spTgt spid="4">
+                                            <p:txEl>
+                                              <p:pRg st="3" end="3"/>
+                                            </p:txEl>
+                                          </p:spTgt>
+                                        </p:tgtEl>
+                                        <p:attrNameLst>
+                                          <p:attrName>style.visibility</p:attrName>
+                                        </p:attrNameLst>
+                                      </p:cBhvr>
+                                      <p:to>
+                                        <p:strVal val="visible"/>
+                                      </p:to>
+                                    </p:set>
+                                    <p:anim calcmode="lin" valueType="num">
+                                      <p:cBhvr additive="base">
+                                        <p:cTn id="21" dur="500" fill="hold"/>
+                                        <p:tgtEl>
+                                          <p:spTgt spid="4">
+                                            <p:txEl>
+                                              <p:pRg st="3" end="3"/>
+                                            </p:txEl>
+                                          </p:spTgt>
+                                        </p:tgtEl>
+                                        <p:attrNameLst>
+                                          <p:attrName>ppt_x</p:attrName>
+                                        </p:attrNameLst>
+                                      </p:cBhvr>
+                                      <p:tavLst>
+                                        <p:tav tm="0">
+                                          <p:val>
+                                            <p:strVal val="#ppt_x"/>
+                                          </p:val>
+                                        </p:tav>
+                                        <p:tav tm="100000">
+                                          <p:val>
+                                            <p:strVal val="#ppt_x"/>
+                                          </p:val>
+                                        </p:tav>
+                                      </p:tavLst>
+                                    </p:anim>
+                                    <p:anim calcmode="lin" valueType="num">
+                                      <p:cBhvr additive="base">
+                                        <p:cTn id="22" dur="500" fill="hold"/>
+                                        <p:tgtEl>
+                                          <p:spTgt spid="4">
+                                            <p:txEl>
+                                              <p:pRg st="3" end="3"/>
+                                            </p:txEl>
+                                          </p:spTgt>
+                                        </p:tgtEl>
+                                        <p:attrNameLst>
+                                          <p:attrName>ppt_y</p:attrName>
+                                        </p:attrNameLst>
+                                      </p:cBhvr>
+                                      <p:tavLst>
+                                        <p:tav tm="0">
+                                          <p:val>
+                                            <p:strVal val="1+#ppt_h/2"/>
+                                          </p:val>
+                                        </p:tav>
+                                        <p:tav tm="100000">
+                                          <p:val>
+                                            <p:strVal val="#ppt_y"/>
+                                          </p:val>
+                                        </p:tav>
+                                      </p:tavLst>
+                                    </p:anim>
+                                  </p:childTnLst>
+                                </p:cTn>
+                              </p:par>
+                            </p:childTnLst>
+                          </p:cTn>
+                        </p:par>
+                      </p:childTnLst>
+                    </p:cTn>
+                  </p:par>
+                  <p:par>
+                    <p:cTn id="23" fill="hold">
+                      <p:stCondLst>
+                        <p:cond delay="indefinite"/>
+                      </p:stCondLst>
+                      <p:childTnLst>
+                        <p:par>
+                          <p:cTn id="24" fill="hold">
+                            <p:stCondLst>
+                              <p:cond delay="0"/>
+                            </p:stCondLst>
+                            <p:childTnLst>
+                              <p:par>
+                                <p:cTn id="25" presetID="2" presetClass="entr" presetSubtype="4" fill="hold" grpId="0" nodeType="clickEffect">
+                                  <p:stCondLst>
+                                    <p:cond delay="0"/>
+                                  </p:stCondLst>
+                                  <p:childTnLst>
+                                    <p:set>
+                                      <p:cBhvr>
+                                        <p:cTn id="26" dur="1" fill="hold">
+                                          <p:stCondLst>
+                                            <p:cond delay="0"/>
+                                          </p:stCondLst>
+                                        </p:cTn>
+                                        <p:tgtEl>
+                                          <p:spTgt spid="4">
+                                            <p:txEl>
+                                              <p:pRg st="4" end="4"/>
+                                            </p:txEl>
+                                          </p:spTgt>
+                                        </p:tgtEl>
+                                        <p:attrNameLst>
+                                          <p:attrName>style.visibility</p:attrName>
+                                        </p:attrNameLst>
+                                      </p:cBhvr>
+                                      <p:to>
+                                        <p:strVal val="visible"/>
+                                      </p:to>
+                                    </p:set>
+                                    <p:anim calcmode="lin" valueType="num">
+                                      <p:cBhvr additive="base">
+                                        <p:cTn id="27" dur="500" fill="hold"/>
+                                        <p:tgtEl>
+                                          <p:spTgt spid="4">
+                                            <p:txEl>
+                                              <p:pRg st="4" end="4"/>
+                                            </p:txEl>
+                                          </p:spTgt>
+                                        </p:tgtEl>
+                                        <p:attrNameLst>
+                                          <p:attrName>ppt_x</p:attrName>
+                                        </p:attrNameLst>
+                                      </p:cBhvr>
+                                      <p:tavLst>
+                                        <p:tav tm="0">
+                                          <p:val>
+                                            <p:strVal val="#ppt_x"/>
+                                          </p:val>
+                                        </p:tav>
+                                        <p:tav tm="100000">
+                                          <p:val>
+                                            <p:strVal val="#ppt_x"/>
+                                          </p:val>
+                                        </p:tav>
+                                      </p:tavLst>
+                                    </p:anim>
+                                    <p:anim calcmode="lin" valueType="num">
+                                      <p:cBhvr additive="base">
+                                        <p:cTn id="28" dur="500" fill="hold"/>
+                                        <p:tgtEl>
+                                          <p:spTgt spid="4">
+                                            <p:txEl>
+                                              <p:pRg st="4" end="4"/>
+                                            </p:txEl>
+                                          </p:spTgt>
+                                        </p:tgtEl>
+                                        <p:attrNameLst>
+                                          <p:attrName>ppt_y</p:attrName>
+                                        </p:attrNameLst>
+                                      </p:cBhvr>
+                                      <p:tavLst>
+                                        <p:tav tm="0">
+                                          <p:val>
+                                            <p:strVal val="1+#ppt_h/2"/>
+                                          </p:val>
+                                        </p:tav>
+                                        <p:tav tm="100000">
+                                          <p:val>
+                                            <p:strVal val="#ppt_y"/>
+                                          </p:val>
+                                        </p:tav>
+                                      </p:tavLst>
+                                    </p:anim>
+                                  </p:childTnLst>
+                                </p:cTn>
+                              </p:par>
+                              <p:par>
+                                <p:cTn id="29" presetID="2" presetClass="entr" presetSubtype="4" fill="hold" grpId="0" nodeType="withEffect">
+                                  <p:stCondLst>
+                                    <p:cond delay="0"/>
+                                  </p:stCondLst>
+                                  <p:childTnLst>
+                                    <p:set>
+                                      <p:cBhvr>
+                                        <p:cTn id="30" dur="1" fill="hold">
+                                          <p:stCondLst>
+                                            <p:cond delay="0"/>
+                                          </p:stCondLst>
+                                        </p:cTn>
+                                        <p:tgtEl>
+                                          <p:spTgt spid="4">
+                                            <p:txEl>
+                                              <p:pRg st="5" end="5"/>
+                                            </p:txEl>
+                                          </p:spTgt>
+                                        </p:tgtEl>
+                                        <p:attrNameLst>
+                                          <p:attrName>style.visibility</p:attrName>
+                                        </p:attrNameLst>
+                                      </p:cBhvr>
+                                      <p:to>
+                                        <p:strVal val="visible"/>
+                                      </p:to>
+                                    </p:set>
+                                    <p:anim calcmode="lin" valueType="num">
+                                      <p:cBhvr additive="base">
+                                        <p:cTn id="31" dur="500" fill="hold"/>
+                                        <p:tgtEl>
+                                          <p:spTgt spid="4">
+                                            <p:txEl>
+                                              <p:pRg st="5" end="5"/>
+                                            </p:txEl>
+                                          </p:spTgt>
+                                        </p:tgtEl>
+                                        <p:attrNameLst>
+                                          <p:attrName>ppt_x</p:attrName>
+                                        </p:attrNameLst>
+                                      </p:cBhvr>
+                                      <p:tavLst>
+                                        <p:tav tm="0">
+                                          <p:val>
+                                            <p:strVal val="#ppt_x"/>
+                                          </p:val>
+                                        </p:tav>
+                                        <p:tav tm="100000">
+                                          <p:val>
+                                            <p:strVal val="#ppt_x"/>
+                                          </p:val>
+                                        </p:tav>
+                                      </p:tavLst>
+                                    </p:anim>
+                                    <p:anim calcmode="lin" valueType="num">
+                                      <p:cBhvr additive="base">
+                                        <p:cTn id="32" dur="500" fill="hold"/>
+                                        <p:tgtEl>
+                                          <p:spTgt spid="4">
+                                            <p:txEl>
+                                              <p:pRg st="5" end="5"/>
+                                            </p:txEl>
+                                          </p:spTgt>
+                                        </p:tgtEl>
+                                        <p:attrNameLst>
+                                          <p:attrName>ppt_y</p:attrName>
+                                        </p:attrNameLst>
+                                      </p:cBhvr>
+                                      <p:tavLst>
+                                        <p:tav tm="0">
+                                          <p:val>
+                                            <p:strVal val="1+#ppt_h/2"/>
+                                          </p:val>
+                                        </p:tav>
+                                        <p:tav tm="100000">
+                                          <p:val>
+                                            <p:strVal val="#ppt_y"/>
+                                          </p:val>
+                                        </p:tav>
+                                      </p:tavLst>
+                                    </p:anim>
+                                  </p:childTnLst>
+                                </p:cTn>
+                              </p:par>
+                            </p:childTnLst>
+                          </p:cTn>
+                        </p:par>
+                      </p:childTnLst>
+                    </p:cTn>
+                  </p:par>
+                </p:childTnLst>
+              </p:cTn>
+              <p:prevCondLst>
+                <p:cond evt="onPrev" delay="0">
+                  <p:tgtEl>
+                    <p:sldTgt/>
+                  </p:tgtEl>
+                </p:cond>
+              </p:prevCondLst>
+              <p:nextCondLst>
+                <p:cond evt="onNext" delay="0">
+                  <p:tgtEl>
+                    <p:sldTgt/>
+                  </p:tgtEl>
+                </p:cond>
+              </p:nextCondLst>
+            </p:seq>
+          </p:childTnLst>
+        </p:cTn>
+      </p:par>
+    </p:tnLst>
+    <p:bldLst>
+      <p:bldP spid="4" grpId="0" build="p"/>
+    </p:bldLst>
+  </p:timing>
 </p:sld>
 </file>
 
@@ -6115,7 +7863,7 @@
       </p:grpSpPr>
       <p:sp>
         <p:nvSpPr>
-          <p:cNvPr id="11" name="Title 10"/>
+          <p:cNvPr id="2" name="Title 1"/>
           <p:cNvSpPr>
             <a:spLocks noGrp="1"/>
           </p:cNvSpPr>
@@ -6129,789 +7877,29 @@
           <a:lstStyle/>
           <a:p>
             <a:r>
+              <a:rPr lang="en-US" dirty="0"/>
+              <a:t>Importing </a:t>
+            </a:r>
+            <a:r>
               <a:rPr lang="en-US" dirty="0" smtClean="0"/>
-              <a:t>SQLite object creation</a:t>
+              <a:t>* from package</a:t>
             </a:r>
             <a:endParaRPr lang="en-US" dirty="0"/>
-          </a:p>
-        </p:txBody>
-      </p:sp>
-      <p:sp>
-        <p:nvSpPr>
-          <p:cNvPr id="6" name="Text Placeholder 5"/>
-          <p:cNvSpPr>
-            <a:spLocks noGrp="1"/>
-          </p:cNvSpPr>
-          <p:nvPr>
-            <p:ph type="body" idx="1"/>
-          </p:nvPr>
-        </p:nvSpPr>
-        <p:spPr/>
-        <p:txBody>
-          <a:bodyPr/>
-          <a:lstStyle/>
-          <a:p>
-            <a:pPr algn="ctr"/>
-            <a:r>
-              <a:rPr lang="en-US" dirty="0" smtClean="0"/>
-              <a:t>Problem</a:t>
-            </a:r>
-            <a:endParaRPr lang="en-US" dirty="0"/>
-          </a:p>
-        </p:txBody>
-      </p:sp>
-      <p:sp>
-        <p:nvSpPr>
-          <p:cNvPr id="7" name="Content Placeholder 6"/>
-          <p:cNvSpPr>
-            <a:spLocks noGrp="1"/>
-          </p:cNvSpPr>
-          <p:nvPr>
-            <p:ph sz="half" idx="2"/>
-          </p:nvPr>
-        </p:nvSpPr>
-        <p:spPr/>
-        <p:txBody>
-          <a:bodyPr/>
-          <a:lstStyle/>
-          <a:p>
-            <a:r>
-              <a:rPr lang="en-US" dirty="0" smtClean="0"/>
-              <a:t>Create a python script to implement the following ER model</a:t>
-            </a:r>
-            <a:endParaRPr lang="en-US" dirty="0"/>
-          </a:p>
-        </p:txBody>
-      </p:sp>
-      <p:sp>
-        <p:nvSpPr>
-          <p:cNvPr id="8" name="Text Placeholder 7"/>
-          <p:cNvSpPr>
-            <a:spLocks noGrp="1"/>
-          </p:cNvSpPr>
-          <p:nvPr>
-            <p:ph type="body" sz="quarter" idx="3"/>
-          </p:nvPr>
-        </p:nvSpPr>
-        <p:spPr/>
-        <p:txBody>
-          <a:bodyPr/>
-          <a:lstStyle/>
-          <a:p>
-            <a:pPr algn="ctr"/>
-            <a:r>
-              <a:rPr lang="en-US" dirty="0" smtClean="0"/>
-              <a:t>Solution</a:t>
-            </a:r>
-            <a:endParaRPr lang="en-US" dirty="0"/>
-          </a:p>
-        </p:txBody>
-      </p:sp>
-      <p:sp>
-        <p:nvSpPr>
-          <p:cNvPr id="12" name="Content Placeholder 11"/>
-          <p:cNvSpPr>
-            <a:spLocks noGrp="1"/>
-          </p:cNvSpPr>
-          <p:nvPr>
-            <p:ph sz="quarter" idx="4"/>
-          </p:nvPr>
-        </p:nvSpPr>
-        <p:spPr>
-          <a:xfrm>
-            <a:off x="5806545" y="1262062"/>
-            <a:ext cx="4929188" cy="3225270"/>
-          </a:xfrm>
-        </p:spPr>
-        <p:txBody>
-          <a:bodyPr>
-            <a:normAutofit fontScale="40000" lnSpcReduction="20000"/>
-          </a:bodyPr>
-          <a:lstStyle/>
-          <a:p>
-            <a:pPr marL="0" indent="0">
-              <a:spcBef>
-                <a:spcPts val="0"/>
-              </a:spcBef>
-              <a:spcAft>
-                <a:spcPts val="0"/>
-              </a:spcAft>
-              <a:buNone/>
-            </a:pPr>
-            <a:r>
-              <a:rPr lang="en-US" b="1" dirty="0"/>
-              <a:t>import </a:t>
-            </a:r>
-            <a:r>
-              <a:rPr lang="en-US" dirty="0"/>
-              <a:t>sqlite3</a:t>
-            </a:r>
-            <a:br>
-              <a:rPr lang="en-US" dirty="0"/>
-            </a:br>
-            <a:r>
-              <a:rPr lang="en-US" dirty="0"/>
-              <a:t/>
-            </a:r>
-            <a:br>
-              <a:rPr lang="en-US" dirty="0"/>
-            </a:br>
-            <a:r>
-              <a:rPr lang="en-US" dirty="0"/>
-              <a:t>conn = sqlite3.connect(</a:t>
-            </a:r>
-            <a:r>
-              <a:rPr lang="en-US" dirty="0"/>
-              <a:t>"phonebook.sqlite3"</a:t>
-            </a:r>
-            <a:r>
-              <a:rPr lang="en-US" dirty="0"/>
-              <a:t>)</a:t>
-            </a:r>
-            <a:br>
-              <a:rPr lang="en-US" dirty="0"/>
-            </a:br>
-            <a:r>
-              <a:rPr lang="en-US" dirty="0"/>
-              <a:t>cursor = </a:t>
-            </a:r>
-            <a:r>
-              <a:rPr lang="en-US" dirty="0" err="1"/>
-              <a:t>conn.cursor</a:t>
-            </a:r>
-            <a:r>
-              <a:rPr lang="en-US" dirty="0"/>
-              <a:t>()</a:t>
-            </a:r>
-            <a:br>
-              <a:rPr lang="en-US" dirty="0"/>
-            </a:br>
-            <a:r>
-              <a:rPr lang="en-US" dirty="0"/>
-              <a:t/>
-            </a:r>
-            <a:br>
-              <a:rPr lang="en-US" dirty="0"/>
-            </a:br>
-            <a:r>
-              <a:rPr lang="en-US" dirty="0" err="1"/>
-              <a:t>cursor.execute</a:t>
-            </a:r>
-            <a:r>
-              <a:rPr lang="en-US" dirty="0"/>
-              <a:t>(</a:t>
-            </a:r>
-            <a:r>
-              <a:rPr lang="en-US" dirty="0"/>
-              <a:t>"DROP TABLE IF EXISTS persons"</a:t>
-            </a:r>
-            <a:r>
-              <a:rPr lang="en-US" dirty="0"/>
-              <a:t>)</a:t>
-            </a:r>
-            <a:br>
-              <a:rPr lang="en-US" dirty="0"/>
-            </a:br>
-            <a:r>
-              <a:rPr lang="en-US" dirty="0" err="1"/>
-              <a:t>cursor.execute</a:t>
-            </a:r>
-            <a:r>
-              <a:rPr lang="en-US" dirty="0"/>
-              <a:t>(</a:t>
-            </a:r>
-            <a:r>
-              <a:rPr lang="en-US" dirty="0"/>
-              <a:t>"DROP TABLE IF EXISTS </a:t>
-            </a:r>
-            <a:r>
-              <a:rPr lang="en-US" dirty="0" err="1"/>
-              <a:t>phone_records</a:t>
-            </a:r>
-            <a:r>
-              <a:rPr lang="en-US" dirty="0"/>
-              <a:t>"</a:t>
-            </a:r>
-            <a:r>
-              <a:rPr lang="en-US" dirty="0"/>
-              <a:t>)</a:t>
-            </a:r>
-            <a:br>
-              <a:rPr lang="en-US" dirty="0"/>
-            </a:br>
-            <a:r>
-              <a:rPr lang="en-US" dirty="0" err="1"/>
-              <a:t>cursor.execute</a:t>
-            </a:r>
-            <a:r>
-              <a:rPr lang="en-US" dirty="0"/>
-              <a:t>(</a:t>
-            </a:r>
-            <a:r>
-              <a:rPr lang="en-US" dirty="0"/>
-              <a:t>"DROP TABLE IF EXISTS </a:t>
-            </a:r>
-            <a:r>
-              <a:rPr lang="en-US" dirty="0" err="1"/>
-              <a:t>phone_types</a:t>
-            </a:r>
-            <a:r>
-              <a:rPr lang="en-US" dirty="0"/>
-              <a:t>"</a:t>
-            </a:r>
-            <a:r>
-              <a:rPr lang="en-US" dirty="0"/>
-              <a:t>)</a:t>
-            </a:r>
-            <a:br>
-              <a:rPr lang="en-US" dirty="0"/>
-            </a:br>
-            <a:r>
-              <a:rPr lang="en-US" dirty="0"/>
-              <a:t/>
-            </a:r>
-            <a:br>
-              <a:rPr lang="en-US" dirty="0"/>
-            </a:br>
-            <a:r>
-              <a:rPr lang="en-US" dirty="0" err="1"/>
-              <a:t>cursor.execute</a:t>
-            </a:r>
-            <a:r>
-              <a:rPr lang="en-US" dirty="0"/>
-              <a:t>(</a:t>
-            </a:r>
-            <a:r>
-              <a:rPr lang="en-US" dirty="0"/>
-              <a:t>"CREATE TABLE IF NOT EXISTS persons ( " </a:t>
-            </a:r>
-            <a:r>
-              <a:rPr lang="en-US" dirty="0"/>
-              <a:t>+</a:t>
-            </a:r>
-            <a:br>
-              <a:rPr lang="en-US" dirty="0"/>
-            </a:br>
-            <a:r>
-              <a:rPr lang="en-US" dirty="0"/>
-              <a:t>               </a:t>
-            </a:r>
-            <a:r>
-              <a:rPr lang="en-US" dirty="0"/>
-              <a:t>"   </a:t>
-            </a:r>
-            <a:r>
-              <a:rPr lang="en-US" dirty="0" err="1"/>
-              <a:t>person_id</a:t>
-            </a:r>
-            <a:r>
-              <a:rPr lang="en-US" dirty="0"/>
-              <a:t>  INT NOT NULL, " </a:t>
-            </a:r>
-            <a:r>
-              <a:rPr lang="en-US" dirty="0"/>
-              <a:t>+</a:t>
-            </a:r>
-            <a:br>
-              <a:rPr lang="en-US" dirty="0"/>
-            </a:br>
-            <a:r>
-              <a:rPr lang="en-US" dirty="0"/>
-              <a:t>               </a:t>
-            </a:r>
-            <a:r>
-              <a:rPr lang="en-US" dirty="0"/>
-              <a:t>"   </a:t>
-            </a:r>
-            <a:r>
-              <a:rPr lang="en-US" dirty="0" err="1"/>
-              <a:t>first_name</a:t>
-            </a:r>
-            <a:r>
-              <a:rPr lang="en-US" dirty="0"/>
-              <a:t> TEXT NOT NULL, " </a:t>
-            </a:r>
-            <a:r>
-              <a:rPr lang="en-US" dirty="0"/>
-              <a:t>+</a:t>
-            </a:r>
-            <a:br>
-              <a:rPr lang="en-US" dirty="0"/>
-            </a:br>
-            <a:r>
-              <a:rPr lang="en-US" dirty="0"/>
-              <a:t>               </a:t>
-            </a:r>
-            <a:r>
-              <a:rPr lang="en-US" dirty="0"/>
-              <a:t>"   </a:t>
-            </a:r>
-            <a:r>
-              <a:rPr lang="en-US" dirty="0" err="1"/>
-              <a:t>last_name</a:t>
-            </a:r>
-            <a:r>
-              <a:rPr lang="en-US" dirty="0"/>
-              <a:t>  TEXT NOT NULL, " </a:t>
-            </a:r>
-            <a:r>
-              <a:rPr lang="en-US" dirty="0"/>
-              <a:t>+</a:t>
-            </a:r>
-            <a:br>
-              <a:rPr lang="en-US" dirty="0"/>
-            </a:br>
-            <a:r>
-              <a:rPr lang="en-US" dirty="0"/>
-              <a:t>               </a:t>
-            </a:r>
-            <a:r>
-              <a:rPr lang="en-US" dirty="0"/>
-              <a:t>"   PRIMARY KEY (</a:t>
-            </a:r>
-            <a:r>
-              <a:rPr lang="en-US" dirty="0" err="1"/>
-              <a:t>person_id</a:t>
-            </a:r>
-            <a:r>
-              <a:rPr lang="en-US" dirty="0"/>
-              <a:t>) )"</a:t>
-            </a:r>
-            <a:r>
-              <a:rPr lang="en-US" dirty="0"/>
-              <a:t>)</a:t>
-            </a:r>
-            <a:br>
-              <a:rPr lang="en-US" dirty="0"/>
-            </a:br>
-            <a:r>
-              <a:rPr lang="en-US" dirty="0"/>
-              <a:t/>
-            </a:r>
-            <a:br>
-              <a:rPr lang="en-US" dirty="0"/>
-            </a:br>
-            <a:r>
-              <a:rPr lang="en-US" dirty="0" err="1"/>
-              <a:t>cursor.execute</a:t>
-            </a:r>
-            <a:r>
-              <a:rPr lang="en-US" dirty="0"/>
-              <a:t>(</a:t>
-            </a:r>
-            <a:r>
-              <a:rPr lang="en-US" dirty="0"/>
-              <a:t>"CREATE TABLE IF NOT EXISTS </a:t>
-            </a:r>
-            <a:r>
-              <a:rPr lang="en-US" dirty="0" err="1"/>
-              <a:t>phone_types</a:t>
-            </a:r>
-            <a:r>
-              <a:rPr lang="en-US" dirty="0"/>
-              <a:t> ( " </a:t>
-            </a:r>
-            <a:r>
-              <a:rPr lang="en-US" dirty="0"/>
-              <a:t>+</a:t>
-            </a:r>
-            <a:br>
-              <a:rPr lang="en-US" dirty="0"/>
-            </a:br>
-            <a:r>
-              <a:rPr lang="en-US" dirty="0"/>
-              <a:t>               </a:t>
-            </a:r>
-            <a:r>
-              <a:rPr lang="en-US" dirty="0"/>
-              <a:t>"    </a:t>
-            </a:r>
-            <a:r>
-              <a:rPr lang="en-US" dirty="0" err="1"/>
-              <a:t>type_id</a:t>
-            </a:r>
-            <a:r>
-              <a:rPr lang="en-US" dirty="0"/>
-              <a:t> INT NOT NULL, " </a:t>
-            </a:r>
-            <a:r>
-              <a:rPr lang="en-US" dirty="0"/>
-              <a:t>+</a:t>
-            </a:r>
-            <a:br>
-              <a:rPr lang="en-US" dirty="0"/>
-            </a:br>
-            <a:r>
-              <a:rPr lang="en-US" dirty="0"/>
-              <a:t>               </a:t>
-            </a:r>
-            <a:r>
-              <a:rPr lang="en-US" dirty="0"/>
-              <a:t>"    </a:t>
-            </a:r>
-            <a:r>
-              <a:rPr lang="en-US" dirty="0" err="1"/>
-              <a:t>type_name</a:t>
-            </a:r>
-            <a:r>
-              <a:rPr lang="en-US" dirty="0"/>
-              <a:t> TEXT NOT NULL, "</a:t>
-            </a:r>
-            <a:r>
-              <a:rPr lang="en-US" dirty="0"/>
-              <a:t>+</a:t>
-            </a:r>
-            <a:br>
-              <a:rPr lang="en-US" dirty="0"/>
-            </a:br>
-            <a:r>
-              <a:rPr lang="en-US" dirty="0"/>
-              <a:t>               </a:t>
-            </a:r>
-            <a:r>
-              <a:rPr lang="en-US" dirty="0"/>
-              <a:t>"    PRIMARY KEY (</a:t>
-            </a:r>
-            <a:r>
-              <a:rPr lang="en-US" dirty="0" err="1"/>
-              <a:t>type_id</a:t>
-            </a:r>
-            <a:r>
-              <a:rPr lang="en-US" dirty="0"/>
-              <a:t>) )"</a:t>
-            </a:r>
-            <a:r>
-              <a:rPr lang="en-US" dirty="0"/>
-              <a:t>)</a:t>
-            </a:r>
-            <a:br>
-              <a:rPr lang="en-US" dirty="0"/>
-            </a:br>
-            <a:r>
-              <a:rPr lang="en-US" dirty="0"/>
-              <a:t/>
-            </a:r>
-            <a:br>
-              <a:rPr lang="en-US" dirty="0"/>
-            </a:br>
-            <a:r>
-              <a:rPr lang="en-US" dirty="0" err="1"/>
-              <a:t>cursor.execute</a:t>
-            </a:r>
-            <a:r>
-              <a:rPr lang="en-US" dirty="0"/>
-              <a:t>(</a:t>
-            </a:r>
-            <a:r>
-              <a:rPr lang="en-US" dirty="0"/>
-              <a:t>"CREATE TABLE IF NOT EXISTS </a:t>
-            </a:r>
-            <a:r>
-              <a:rPr lang="en-US" dirty="0" err="1"/>
-              <a:t>phone_records</a:t>
-            </a:r>
-            <a:r>
-              <a:rPr lang="en-US" dirty="0"/>
-              <a:t> ( " </a:t>
-            </a:r>
-            <a:r>
-              <a:rPr lang="en-US" dirty="0"/>
-              <a:t>+</a:t>
-            </a:r>
-            <a:br>
-              <a:rPr lang="en-US" dirty="0"/>
-            </a:br>
-            <a:r>
-              <a:rPr lang="en-US" dirty="0"/>
-              <a:t>               </a:t>
-            </a:r>
-            <a:r>
-              <a:rPr lang="en-US" dirty="0"/>
-              <a:t>"    </a:t>
-            </a:r>
-            <a:r>
-              <a:rPr lang="en-US" dirty="0" err="1"/>
-              <a:t>person_id</a:t>
-            </a:r>
-            <a:r>
-              <a:rPr lang="en-US" dirty="0"/>
-              <a:t> INT NOT NULL, " </a:t>
-            </a:r>
-            <a:r>
-              <a:rPr lang="en-US" dirty="0"/>
-              <a:t>+</a:t>
-            </a:r>
-            <a:br>
-              <a:rPr lang="en-US" dirty="0"/>
-            </a:br>
-            <a:r>
-              <a:rPr lang="en-US" dirty="0"/>
-              <a:t>               </a:t>
-            </a:r>
-            <a:r>
-              <a:rPr lang="en-US" dirty="0"/>
-              <a:t>"    </a:t>
-            </a:r>
-            <a:r>
-              <a:rPr lang="en-US" dirty="0" err="1"/>
-              <a:t>type_id</a:t>
-            </a:r>
-            <a:r>
-              <a:rPr lang="en-US" dirty="0"/>
-              <a:t> INT NOT NULL, " </a:t>
-            </a:r>
-            <a:r>
-              <a:rPr lang="en-US" dirty="0"/>
-              <a:t>+</a:t>
-            </a:r>
-            <a:br>
-              <a:rPr lang="en-US" dirty="0"/>
-            </a:br>
-            <a:r>
-              <a:rPr lang="en-US" dirty="0"/>
-              <a:t>               </a:t>
-            </a:r>
-            <a:r>
-              <a:rPr lang="en-US" dirty="0"/>
-              <a:t>"    </a:t>
-            </a:r>
-            <a:r>
-              <a:rPr lang="en-US" dirty="0" err="1"/>
-              <a:t>phone_number</a:t>
-            </a:r>
-            <a:r>
-              <a:rPr lang="en-US" dirty="0"/>
-              <a:t> TEXT NOT NULL, " </a:t>
-            </a:r>
-            <a:r>
-              <a:rPr lang="en-US" dirty="0"/>
-              <a:t>+</a:t>
-            </a:r>
-            <a:br>
-              <a:rPr lang="en-US" dirty="0"/>
-            </a:br>
-            <a:r>
-              <a:rPr lang="en-US" dirty="0"/>
-              <a:t>               </a:t>
-            </a:r>
-            <a:r>
-              <a:rPr lang="en-US" dirty="0"/>
-              <a:t>"    PRIMARY KEY (</a:t>
-            </a:r>
-            <a:r>
-              <a:rPr lang="en-US" dirty="0" err="1"/>
-              <a:t>person_id</a:t>
-            </a:r>
-            <a:r>
-              <a:rPr lang="en-US" dirty="0"/>
-              <a:t>, </a:t>
-            </a:r>
-            <a:r>
-              <a:rPr lang="en-US" dirty="0" err="1"/>
-              <a:t>type_id</a:t>
-            </a:r>
-            <a:r>
-              <a:rPr lang="en-US" dirty="0"/>
-              <a:t>), " </a:t>
-            </a:r>
-            <a:r>
-              <a:rPr lang="en-US" dirty="0"/>
-              <a:t>+</a:t>
-            </a:r>
-            <a:br>
-              <a:rPr lang="en-US" dirty="0"/>
-            </a:br>
-            <a:r>
-              <a:rPr lang="en-US" dirty="0"/>
-              <a:t>               </a:t>
-            </a:r>
-            <a:r>
-              <a:rPr lang="en-US" dirty="0"/>
-              <a:t>"    FOREIGN KEY (</a:t>
-            </a:r>
-            <a:r>
-              <a:rPr lang="en-US" dirty="0" err="1"/>
-              <a:t>person_id</a:t>
-            </a:r>
-            <a:r>
-              <a:rPr lang="en-US" dirty="0"/>
-              <a:t>) REFERENCES persons (</a:t>
-            </a:r>
-            <a:r>
-              <a:rPr lang="en-US" dirty="0" err="1"/>
-              <a:t>person_id</a:t>
-            </a:r>
-            <a:r>
-              <a:rPr lang="en-US" dirty="0"/>
-              <a:t>), " </a:t>
-            </a:r>
-            <a:r>
-              <a:rPr lang="en-US" dirty="0"/>
-              <a:t>+</a:t>
-            </a:r>
-            <a:br>
-              <a:rPr lang="en-US" dirty="0"/>
-            </a:br>
-            <a:r>
-              <a:rPr lang="en-US" dirty="0"/>
-              <a:t>               </a:t>
-            </a:r>
-            <a:r>
-              <a:rPr lang="en-US" dirty="0"/>
-              <a:t>"    FOREIGN KEY (</a:t>
-            </a:r>
-            <a:r>
-              <a:rPr lang="en-US" dirty="0" err="1"/>
-              <a:t>type_id</a:t>
-            </a:r>
-            <a:r>
-              <a:rPr lang="en-US" dirty="0"/>
-              <a:t>) REFERENCES </a:t>
-            </a:r>
-            <a:r>
-              <a:rPr lang="en-US" dirty="0" err="1"/>
-              <a:t>phone_types</a:t>
-            </a:r>
-            <a:r>
-              <a:rPr lang="en-US" dirty="0"/>
-              <a:t> (</a:t>
-            </a:r>
-            <a:r>
-              <a:rPr lang="en-US" dirty="0" err="1"/>
-              <a:t>type_id</a:t>
-            </a:r>
-            <a:r>
-              <a:rPr lang="en-US" dirty="0"/>
-              <a:t>) )"</a:t>
-            </a:r>
-            <a:r>
-              <a:rPr lang="en-US" dirty="0"/>
-              <a:t>)</a:t>
-            </a:r>
-            <a:br>
-              <a:rPr lang="en-US" dirty="0"/>
-            </a:br>
-            <a:r>
-              <a:rPr lang="en-US" dirty="0"/>
-              <a:t/>
-            </a:r>
-            <a:br>
-              <a:rPr lang="en-US" dirty="0"/>
-            </a:br>
-            <a:r>
-              <a:rPr lang="en-US" dirty="0" err="1"/>
-              <a:t>cursor.execute</a:t>
-            </a:r>
-            <a:r>
-              <a:rPr lang="en-US" dirty="0"/>
-              <a:t>(</a:t>
-            </a:r>
-            <a:r>
-              <a:rPr lang="en-US" dirty="0"/>
-              <a:t>"CREATE INDEX IF NOT EXISTS </a:t>
-            </a:r>
-            <a:r>
-              <a:rPr lang="en-US" dirty="0" err="1"/>
-              <a:t>fk_phre_pers_idx</a:t>
-            </a:r>
-            <a:r>
-              <a:rPr lang="en-US" dirty="0"/>
-              <a:t> ON </a:t>
-            </a:r>
-            <a:r>
-              <a:rPr lang="en-US" dirty="0" err="1"/>
-              <a:t>phone_records</a:t>
-            </a:r>
-            <a:r>
-              <a:rPr lang="en-US" dirty="0"/>
-              <a:t> (</a:t>
-            </a:r>
-            <a:r>
-              <a:rPr lang="en-US" dirty="0" err="1"/>
-              <a:t>person_id</a:t>
-            </a:r>
-            <a:r>
-              <a:rPr lang="en-US" dirty="0"/>
-              <a:t>)"</a:t>
-            </a:r>
-            <a:r>
-              <a:rPr lang="en-US" dirty="0"/>
-              <a:t>)</a:t>
-            </a:r>
-            <a:br>
-              <a:rPr lang="en-US" dirty="0"/>
-            </a:br>
-            <a:r>
-              <a:rPr lang="en-US" dirty="0" err="1"/>
-              <a:t>cursor.execute</a:t>
-            </a:r>
-            <a:r>
-              <a:rPr lang="en-US" dirty="0"/>
-              <a:t>(</a:t>
-            </a:r>
-            <a:r>
-              <a:rPr lang="en-US" dirty="0"/>
-              <a:t>"CREATE INDEX IF NOT EXISTS </a:t>
-            </a:r>
-            <a:r>
-              <a:rPr lang="en-US" dirty="0" err="1"/>
-              <a:t>fk_phre_type_idx</a:t>
-            </a:r>
-            <a:r>
-              <a:rPr lang="en-US" dirty="0"/>
-              <a:t> ON </a:t>
-            </a:r>
-            <a:r>
-              <a:rPr lang="en-US" dirty="0" err="1"/>
-              <a:t>phone_records</a:t>
-            </a:r>
-            <a:r>
-              <a:rPr lang="en-US" dirty="0"/>
-              <a:t> (</a:t>
-            </a:r>
-            <a:r>
-              <a:rPr lang="en-US" dirty="0" err="1"/>
-              <a:t>type_id</a:t>
-            </a:r>
-            <a:r>
-              <a:rPr lang="en-US" dirty="0"/>
-              <a:t>)"</a:t>
-            </a:r>
-            <a:r>
-              <a:rPr lang="en-US" dirty="0"/>
-              <a:t>)</a:t>
-            </a:r>
-            <a:br>
-              <a:rPr lang="en-US" dirty="0"/>
-            </a:br>
-            <a:r>
-              <a:rPr lang="en-US" dirty="0"/>
-              <a:t/>
-            </a:r>
-            <a:br>
-              <a:rPr lang="en-US" dirty="0"/>
-            </a:br>
-            <a:r>
-              <a:rPr lang="en-US" dirty="0" err="1"/>
-              <a:t>conn.close</a:t>
-            </a:r>
-            <a:r>
-              <a:rPr lang="en-US" dirty="0"/>
-              <a:t>()</a:t>
-            </a:r>
           </a:p>
         </p:txBody>
       </p:sp>
       <p:pic>
         <p:nvPicPr>
-          <p:cNvPr id="13" name="Picture 12"/>
+          <p:cNvPr id="5" name="Content Placeholder 4"/>
           <p:cNvPicPr>
-            <a:picLocks noChangeAspect="1"/>
+            <a:picLocks noGrp="1" noChangeAspect="1"/>
           </p:cNvPicPr>
-          <p:nvPr/>
+          <p:nvPr>
+            <p:ph sz="half" idx="1"/>
+          </p:nvPr>
         </p:nvPicPr>
         <p:blipFill>
-          <a:blip r:embed="rId2">
+          <a:blip r:embed="rId3">
             <a:extLst>
               <a:ext uri="{28A0092B-C50C-407E-A947-70E740481C1C}">
                 <a14:useLocalDpi xmlns:a14="http://schemas.microsoft.com/office/drawing/2010/main" val="0"/>
@@ -6924,24 +7912,3864 @@
         </p:blipFill>
         <p:spPr>
           <a:xfrm>
-            <a:off x="1235572" y="2017986"/>
-            <a:ext cx="3441532" cy="2384582"/>
+            <a:off x="684212" y="685801"/>
+            <a:ext cx="2202295" cy="3614738"/>
+          </a:xfrm>
+        </p:spPr>
+      </p:pic>
+      <p:sp>
+        <p:nvSpPr>
+          <p:cNvPr id="4" name="Content Placeholder 3"/>
+          <p:cNvSpPr>
+            <a:spLocks noGrp="1"/>
+          </p:cNvSpPr>
+          <p:nvPr>
+            <p:ph sz="half" idx="2"/>
+          </p:nvPr>
+        </p:nvSpPr>
+        <p:spPr>
+          <a:xfrm>
+            <a:off x="3313217" y="1508165"/>
+            <a:ext cx="7429396" cy="2792901"/>
+          </a:xfrm>
+        </p:spPr>
+        <p:txBody>
+          <a:bodyPr>
+            <a:normAutofit/>
+          </a:bodyPr>
+          <a:lstStyle/>
+          <a:p>
+            <a:r>
+              <a:rPr lang="en-US" b="1" i="1" dirty="0"/>
+              <a:t>i</a:t>
+            </a:r>
+            <a:r>
+              <a:rPr lang="en-US" b="1" i="1" dirty="0" smtClean="0"/>
+              <a:t>mport</a:t>
+            </a:r>
+            <a:r>
+              <a:rPr lang="en-US" i="1" dirty="0" smtClean="0"/>
+              <a:t> * from </a:t>
+            </a:r>
+            <a:r>
+              <a:rPr lang="en-US" i="1" dirty="0" err="1" smtClean="0"/>
+              <a:t>sound.effects</a:t>
+            </a:r>
+            <a:endParaRPr lang="en-US" i="1" dirty="0" smtClean="0"/>
+          </a:p>
+          <a:p>
+            <a:pPr lvl="1"/>
+            <a:r>
+              <a:rPr lang="en-US" dirty="0" smtClean="0"/>
+              <a:t>Could take a long time</a:t>
+            </a:r>
+          </a:p>
+          <a:p>
+            <a:pPr lvl="1"/>
+            <a:r>
+              <a:rPr lang="en-US" dirty="0" smtClean="0"/>
+              <a:t>Importing </a:t>
+            </a:r>
+            <a:r>
+              <a:rPr lang="en-US" dirty="0" err="1" smtClean="0"/>
+              <a:t>submodules</a:t>
+            </a:r>
+            <a:r>
+              <a:rPr lang="en-US" dirty="0" smtClean="0"/>
+              <a:t> can have unwanted side-effects</a:t>
+            </a:r>
+          </a:p>
+          <a:p>
+            <a:r>
+              <a:rPr lang="en-US" dirty="0" smtClean="0"/>
+              <a:t>Use </a:t>
+            </a:r>
+            <a:r>
+              <a:rPr lang="en-US" b="1" i="1" dirty="0" smtClean="0"/>
+              <a:t>__all__ </a:t>
+            </a:r>
+            <a:r>
+              <a:rPr lang="en-US" i="1" dirty="0" smtClean="0"/>
+              <a:t>= [sub mod1, submod2,…] </a:t>
+            </a:r>
+            <a:r>
+              <a:rPr lang="en-US" dirty="0" smtClean="0"/>
+              <a:t>in </a:t>
+            </a:r>
+            <a:r>
+              <a:rPr lang="en-US" b="1" dirty="0" smtClean="0"/>
+              <a:t>__</a:t>
+            </a:r>
+            <a:r>
+              <a:rPr lang="en-US" b="1" dirty="0" err="1" smtClean="0"/>
+              <a:t>init</a:t>
+            </a:r>
+            <a:r>
+              <a:rPr lang="en-US" b="1" dirty="0" smtClean="0"/>
+              <a:t>__.</a:t>
+            </a:r>
+            <a:r>
+              <a:rPr lang="en-US" b="1" dirty="0" err="1" smtClean="0"/>
+              <a:t>py</a:t>
+            </a:r>
+            <a:r>
+              <a:rPr lang="en-US" dirty="0" smtClean="0"/>
+              <a:t> file to </a:t>
+            </a:r>
+            <a:r>
+              <a:rPr lang="en-US" dirty="0"/>
+              <a:t>select what you want to make available</a:t>
+            </a:r>
+            <a:endParaRPr lang="en-US" dirty="0" smtClean="0"/>
+          </a:p>
+        </p:txBody>
+      </p:sp>
+      <p:sp>
+        <p:nvSpPr>
+          <p:cNvPr id="6" name="TextBox 5"/>
+          <p:cNvSpPr txBox="1"/>
+          <p:nvPr/>
+        </p:nvSpPr>
+        <p:spPr>
+          <a:xfrm>
+            <a:off x="3455719" y="861834"/>
+            <a:ext cx="8134598" cy="646331"/>
           </a:xfrm>
           <a:prstGeom prst="rect">
             <a:avLst/>
           </a:prstGeom>
+          <a:noFill/>
         </p:spPr>
-      </p:pic>
+        <p:txBody>
+          <a:bodyPr wrap="square" rtlCol="0">
+            <a:spAutoFit/>
+          </a:bodyPr>
+          <a:lstStyle/>
+          <a:p>
+            <a:r>
+              <a:rPr lang="en-US" b="1" dirty="0" smtClean="0"/>
+              <a:t>Problem:</a:t>
+            </a:r>
+            <a:r>
+              <a:rPr lang="en-US" dirty="0" smtClean="0"/>
+              <a:t> </a:t>
+            </a:r>
+          </a:p>
+          <a:p>
+            <a:r>
+              <a:rPr lang="en-US" dirty="0" smtClean="0"/>
+              <a:t>You want to import all modules from the effects package</a:t>
+            </a:r>
+            <a:endParaRPr lang="en-US" dirty="0"/>
+          </a:p>
+        </p:txBody>
+      </p:sp>
     </p:spTree>
     <p:extLst>
       <p:ext uri="{BB962C8B-B14F-4D97-AF65-F5344CB8AC3E}">
-        <p14:creationId xmlns:p14="http://schemas.microsoft.com/office/powerpoint/2010/main" val="1494039657"/>
+        <p14:creationId xmlns:p14="http://schemas.microsoft.com/office/powerpoint/2010/main" val="1743914025"/>
       </p:ext>
     </p:extLst>
   </p:cSld>
   <p:clrMapOvr>
     <a:masterClrMapping/>
   </p:clrMapOvr>
+  <p:timing>
+    <p:tnLst>
+      <p:par>
+        <p:cTn id="1" dur="indefinite" restart="never" nodeType="tmRoot">
+          <p:childTnLst>
+            <p:seq concurrent="1" nextAc="seek">
+              <p:cTn id="2" dur="indefinite" nodeType="mainSeq">
+                <p:childTnLst>
+                  <p:par>
+                    <p:cTn id="3" fill="hold">
+                      <p:stCondLst>
+                        <p:cond delay="indefinite"/>
+                      </p:stCondLst>
+                      <p:childTnLst>
+                        <p:par>
+                          <p:cTn id="4" fill="hold">
+                            <p:stCondLst>
+                              <p:cond delay="0"/>
+                            </p:stCondLst>
+                            <p:childTnLst>
+                              <p:par>
+                                <p:cTn id="5" presetID="2" presetClass="entr" presetSubtype="4" fill="hold" grpId="0" nodeType="clickEffect">
+                                  <p:stCondLst>
+                                    <p:cond delay="0"/>
+                                  </p:stCondLst>
+                                  <p:childTnLst>
+                                    <p:set>
+                                      <p:cBhvr>
+                                        <p:cTn id="6" dur="1" fill="hold">
+                                          <p:stCondLst>
+                                            <p:cond delay="0"/>
+                                          </p:stCondLst>
+                                        </p:cTn>
+                                        <p:tgtEl>
+                                          <p:spTgt spid="4">
+                                            <p:txEl>
+                                              <p:pRg st="0" end="0"/>
+                                            </p:txEl>
+                                          </p:spTgt>
+                                        </p:tgtEl>
+                                        <p:attrNameLst>
+                                          <p:attrName>style.visibility</p:attrName>
+                                        </p:attrNameLst>
+                                      </p:cBhvr>
+                                      <p:to>
+                                        <p:strVal val="visible"/>
+                                      </p:to>
+                                    </p:set>
+                                    <p:anim calcmode="lin" valueType="num">
+                                      <p:cBhvr additive="base">
+                                        <p:cTn id="7" dur="500" fill="hold"/>
+                                        <p:tgtEl>
+                                          <p:spTgt spid="4">
+                                            <p:txEl>
+                                              <p:pRg st="0" end="0"/>
+                                            </p:txEl>
+                                          </p:spTgt>
+                                        </p:tgtEl>
+                                        <p:attrNameLst>
+                                          <p:attrName>ppt_x</p:attrName>
+                                        </p:attrNameLst>
+                                      </p:cBhvr>
+                                      <p:tavLst>
+                                        <p:tav tm="0">
+                                          <p:val>
+                                            <p:strVal val="#ppt_x"/>
+                                          </p:val>
+                                        </p:tav>
+                                        <p:tav tm="100000">
+                                          <p:val>
+                                            <p:strVal val="#ppt_x"/>
+                                          </p:val>
+                                        </p:tav>
+                                      </p:tavLst>
+                                    </p:anim>
+                                    <p:anim calcmode="lin" valueType="num">
+                                      <p:cBhvr additive="base">
+                                        <p:cTn id="8" dur="500" fill="hold"/>
+                                        <p:tgtEl>
+                                          <p:spTgt spid="4">
+                                            <p:txEl>
+                                              <p:pRg st="0" end="0"/>
+                                            </p:txEl>
+                                          </p:spTgt>
+                                        </p:tgtEl>
+                                        <p:attrNameLst>
+                                          <p:attrName>ppt_y</p:attrName>
+                                        </p:attrNameLst>
+                                      </p:cBhvr>
+                                      <p:tavLst>
+                                        <p:tav tm="0">
+                                          <p:val>
+                                            <p:strVal val="1+#ppt_h/2"/>
+                                          </p:val>
+                                        </p:tav>
+                                        <p:tav tm="100000">
+                                          <p:val>
+                                            <p:strVal val="#ppt_y"/>
+                                          </p:val>
+                                        </p:tav>
+                                      </p:tavLst>
+                                    </p:anim>
+                                  </p:childTnLst>
+                                </p:cTn>
+                              </p:par>
+                              <p:par>
+                                <p:cTn id="9" presetID="2" presetClass="entr" presetSubtype="4" fill="hold" grpId="0" nodeType="withEffect">
+                                  <p:stCondLst>
+                                    <p:cond delay="0"/>
+                                  </p:stCondLst>
+                                  <p:childTnLst>
+                                    <p:set>
+                                      <p:cBhvr>
+                                        <p:cTn id="10" dur="1" fill="hold">
+                                          <p:stCondLst>
+                                            <p:cond delay="0"/>
+                                          </p:stCondLst>
+                                        </p:cTn>
+                                        <p:tgtEl>
+                                          <p:spTgt spid="4">
+                                            <p:txEl>
+                                              <p:pRg st="1" end="1"/>
+                                            </p:txEl>
+                                          </p:spTgt>
+                                        </p:tgtEl>
+                                        <p:attrNameLst>
+                                          <p:attrName>style.visibility</p:attrName>
+                                        </p:attrNameLst>
+                                      </p:cBhvr>
+                                      <p:to>
+                                        <p:strVal val="visible"/>
+                                      </p:to>
+                                    </p:set>
+                                    <p:anim calcmode="lin" valueType="num">
+                                      <p:cBhvr additive="base">
+                                        <p:cTn id="11" dur="500" fill="hold"/>
+                                        <p:tgtEl>
+                                          <p:spTgt spid="4">
+                                            <p:txEl>
+                                              <p:pRg st="1" end="1"/>
+                                            </p:txEl>
+                                          </p:spTgt>
+                                        </p:tgtEl>
+                                        <p:attrNameLst>
+                                          <p:attrName>ppt_x</p:attrName>
+                                        </p:attrNameLst>
+                                      </p:cBhvr>
+                                      <p:tavLst>
+                                        <p:tav tm="0">
+                                          <p:val>
+                                            <p:strVal val="#ppt_x"/>
+                                          </p:val>
+                                        </p:tav>
+                                        <p:tav tm="100000">
+                                          <p:val>
+                                            <p:strVal val="#ppt_x"/>
+                                          </p:val>
+                                        </p:tav>
+                                      </p:tavLst>
+                                    </p:anim>
+                                    <p:anim calcmode="lin" valueType="num">
+                                      <p:cBhvr additive="base">
+                                        <p:cTn id="12" dur="500" fill="hold"/>
+                                        <p:tgtEl>
+                                          <p:spTgt spid="4">
+                                            <p:txEl>
+                                              <p:pRg st="1" end="1"/>
+                                            </p:txEl>
+                                          </p:spTgt>
+                                        </p:tgtEl>
+                                        <p:attrNameLst>
+                                          <p:attrName>ppt_y</p:attrName>
+                                        </p:attrNameLst>
+                                      </p:cBhvr>
+                                      <p:tavLst>
+                                        <p:tav tm="0">
+                                          <p:val>
+                                            <p:strVal val="1+#ppt_h/2"/>
+                                          </p:val>
+                                        </p:tav>
+                                        <p:tav tm="100000">
+                                          <p:val>
+                                            <p:strVal val="#ppt_y"/>
+                                          </p:val>
+                                        </p:tav>
+                                      </p:tavLst>
+                                    </p:anim>
+                                  </p:childTnLst>
+                                </p:cTn>
+                              </p:par>
+                              <p:par>
+                                <p:cTn id="13" presetID="2" presetClass="entr" presetSubtype="4" fill="hold" grpId="0" nodeType="withEffect">
+                                  <p:stCondLst>
+                                    <p:cond delay="0"/>
+                                  </p:stCondLst>
+                                  <p:childTnLst>
+                                    <p:set>
+                                      <p:cBhvr>
+                                        <p:cTn id="14" dur="1" fill="hold">
+                                          <p:stCondLst>
+                                            <p:cond delay="0"/>
+                                          </p:stCondLst>
+                                        </p:cTn>
+                                        <p:tgtEl>
+                                          <p:spTgt spid="4">
+                                            <p:txEl>
+                                              <p:pRg st="2" end="2"/>
+                                            </p:txEl>
+                                          </p:spTgt>
+                                        </p:tgtEl>
+                                        <p:attrNameLst>
+                                          <p:attrName>style.visibility</p:attrName>
+                                        </p:attrNameLst>
+                                      </p:cBhvr>
+                                      <p:to>
+                                        <p:strVal val="visible"/>
+                                      </p:to>
+                                    </p:set>
+                                    <p:anim calcmode="lin" valueType="num">
+                                      <p:cBhvr additive="base">
+                                        <p:cTn id="15" dur="500" fill="hold"/>
+                                        <p:tgtEl>
+                                          <p:spTgt spid="4">
+                                            <p:txEl>
+                                              <p:pRg st="2" end="2"/>
+                                            </p:txEl>
+                                          </p:spTgt>
+                                        </p:tgtEl>
+                                        <p:attrNameLst>
+                                          <p:attrName>ppt_x</p:attrName>
+                                        </p:attrNameLst>
+                                      </p:cBhvr>
+                                      <p:tavLst>
+                                        <p:tav tm="0">
+                                          <p:val>
+                                            <p:strVal val="#ppt_x"/>
+                                          </p:val>
+                                        </p:tav>
+                                        <p:tav tm="100000">
+                                          <p:val>
+                                            <p:strVal val="#ppt_x"/>
+                                          </p:val>
+                                        </p:tav>
+                                      </p:tavLst>
+                                    </p:anim>
+                                    <p:anim calcmode="lin" valueType="num">
+                                      <p:cBhvr additive="base">
+                                        <p:cTn id="16" dur="500" fill="hold"/>
+                                        <p:tgtEl>
+                                          <p:spTgt spid="4">
+                                            <p:txEl>
+                                              <p:pRg st="2" end="2"/>
+                                            </p:txEl>
+                                          </p:spTgt>
+                                        </p:tgtEl>
+                                        <p:attrNameLst>
+                                          <p:attrName>ppt_y</p:attrName>
+                                        </p:attrNameLst>
+                                      </p:cBhvr>
+                                      <p:tavLst>
+                                        <p:tav tm="0">
+                                          <p:val>
+                                            <p:strVal val="1+#ppt_h/2"/>
+                                          </p:val>
+                                        </p:tav>
+                                        <p:tav tm="100000">
+                                          <p:val>
+                                            <p:strVal val="#ppt_y"/>
+                                          </p:val>
+                                        </p:tav>
+                                      </p:tavLst>
+                                    </p:anim>
+                                  </p:childTnLst>
+                                </p:cTn>
+                              </p:par>
+                            </p:childTnLst>
+                          </p:cTn>
+                        </p:par>
+                      </p:childTnLst>
+                    </p:cTn>
+                  </p:par>
+                  <p:par>
+                    <p:cTn id="17" fill="hold">
+                      <p:stCondLst>
+                        <p:cond delay="indefinite"/>
+                      </p:stCondLst>
+                      <p:childTnLst>
+                        <p:par>
+                          <p:cTn id="18" fill="hold">
+                            <p:stCondLst>
+                              <p:cond delay="0"/>
+                            </p:stCondLst>
+                            <p:childTnLst>
+                              <p:par>
+                                <p:cTn id="19" presetID="2" presetClass="entr" presetSubtype="4" fill="hold" grpId="0" nodeType="clickEffect">
+                                  <p:stCondLst>
+                                    <p:cond delay="0"/>
+                                  </p:stCondLst>
+                                  <p:childTnLst>
+                                    <p:set>
+                                      <p:cBhvr>
+                                        <p:cTn id="20" dur="1" fill="hold">
+                                          <p:stCondLst>
+                                            <p:cond delay="0"/>
+                                          </p:stCondLst>
+                                        </p:cTn>
+                                        <p:tgtEl>
+                                          <p:spTgt spid="4">
+                                            <p:txEl>
+                                              <p:pRg st="3" end="3"/>
+                                            </p:txEl>
+                                          </p:spTgt>
+                                        </p:tgtEl>
+                                        <p:attrNameLst>
+                                          <p:attrName>style.visibility</p:attrName>
+                                        </p:attrNameLst>
+                                      </p:cBhvr>
+                                      <p:to>
+                                        <p:strVal val="visible"/>
+                                      </p:to>
+                                    </p:set>
+                                    <p:anim calcmode="lin" valueType="num">
+                                      <p:cBhvr additive="base">
+                                        <p:cTn id="21" dur="500" fill="hold"/>
+                                        <p:tgtEl>
+                                          <p:spTgt spid="4">
+                                            <p:txEl>
+                                              <p:pRg st="3" end="3"/>
+                                            </p:txEl>
+                                          </p:spTgt>
+                                        </p:tgtEl>
+                                        <p:attrNameLst>
+                                          <p:attrName>ppt_x</p:attrName>
+                                        </p:attrNameLst>
+                                      </p:cBhvr>
+                                      <p:tavLst>
+                                        <p:tav tm="0">
+                                          <p:val>
+                                            <p:strVal val="#ppt_x"/>
+                                          </p:val>
+                                        </p:tav>
+                                        <p:tav tm="100000">
+                                          <p:val>
+                                            <p:strVal val="#ppt_x"/>
+                                          </p:val>
+                                        </p:tav>
+                                      </p:tavLst>
+                                    </p:anim>
+                                    <p:anim calcmode="lin" valueType="num">
+                                      <p:cBhvr additive="base">
+                                        <p:cTn id="22" dur="500" fill="hold"/>
+                                        <p:tgtEl>
+                                          <p:spTgt spid="4">
+                                            <p:txEl>
+                                              <p:pRg st="3" end="3"/>
+                                            </p:txEl>
+                                          </p:spTgt>
+                                        </p:tgtEl>
+                                        <p:attrNameLst>
+                                          <p:attrName>ppt_y</p:attrName>
+                                        </p:attrNameLst>
+                                      </p:cBhvr>
+                                      <p:tavLst>
+                                        <p:tav tm="0">
+                                          <p:val>
+                                            <p:strVal val="1+#ppt_h/2"/>
+                                          </p:val>
+                                        </p:tav>
+                                        <p:tav tm="100000">
+                                          <p:val>
+                                            <p:strVal val="#ppt_y"/>
+                                          </p:val>
+                                        </p:tav>
+                                      </p:tavLst>
+                                    </p:anim>
+                                  </p:childTnLst>
+                                </p:cTn>
+                              </p:par>
+                            </p:childTnLst>
+                          </p:cTn>
+                        </p:par>
+                      </p:childTnLst>
+                    </p:cTn>
+                  </p:par>
+                </p:childTnLst>
+              </p:cTn>
+              <p:prevCondLst>
+                <p:cond evt="onPrev" delay="0">
+                  <p:tgtEl>
+                    <p:sldTgt/>
+                  </p:tgtEl>
+                </p:cond>
+              </p:prevCondLst>
+              <p:nextCondLst>
+                <p:cond evt="onNext" delay="0">
+                  <p:tgtEl>
+                    <p:sldTgt/>
+                  </p:tgtEl>
+                </p:cond>
+              </p:nextCondLst>
+            </p:seq>
+          </p:childTnLst>
+        </p:cTn>
+      </p:par>
+    </p:tnLst>
+    <p:bldLst>
+      <p:bldP spid="4" grpId="0" build="p"/>
+    </p:bldLst>
+  </p:timing>
+</p:sld>
+</file>
+
+<file path=ppt/slides/slide5.xml><?xml version="1.0" encoding="utf-8"?>
+<p:sld xmlns:a="http://schemas.openxmlformats.org/drawingml/2006/main" xmlns:r="http://schemas.openxmlformats.org/officeDocument/2006/relationships" xmlns:p="http://schemas.openxmlformats.org/presentationml/2006/main">
+  <p:cSld>
+    <p:spTree>
+      <p:nvGrpSpPr>
+        <p:cNvPr id="1" name=""/>
+        <p:cNvGrpSpPr/>
+        <p:nvPr/>
+      </p:nvGrpSpPr>
+      <p:grpSpPr>
+        <a:xfrm>
+          <a:off x="0" y="0"/>
+          <a:ext cx="0" cy="0"/>
+          <a:chOff x="0" y="0"/>
+          <a:chExt cx="0" cy="0"/>
+        </a:xfrm>
+      </p:grpSpPr>
+      <p:sp>
+        <p:nvSpPr>
+          <p:cNvPr id="2" name="Title 1"/>
+          <p:cNvSpPr>
+            <a:spLocks noGrp="1"/>
+          </p:cNvSpPr>
+          <p:nvPr>
+            <p:ph type="title"/>
+          </p:nvPr>
+        </p:nvSpPr>
+        <p:spPr/>
+        <p:txBody>
+          <a:bodyPr/>
+          <a:lstStyle/>
+          <a:p>
+            <a:r>
+              <a:rPr lang="en-US" dirty="0"/>
+              <a:t>Importing a module from a </a:t>
+            </a:r>
+            <a:r>
+              <a:rPr lang="en-US" dirty="0" smtClean="0"/>
+              <a:t>module</a:t>
+            </a:r>
+            <a:endParaRPr lang="en-US" dirty="0"/>
+          </a:p>
+        </p:txBody>
+      </p:sp>
+      <p:pic>
+        <p:nvPicPr>
+          <p:cNvPr id="5" name="Content Placeholder 4"/>
+          <p:cNvPicPr>
+            <a:picLocks noGrp="1" noChangeAspect="1"/>
+          </p:cNvPicPr>
+          <p:nvPr>
+            <p:ph sz="half" idx="1"/>
+          </p:nvPr>
+        </p:nvPicPr>
+        <p:blipFill>
+          <a:blip r:embed="rId3">
+            <a:extLst>
+              <a:ext uri="{28A0092B-C50C-407E-A947-70E740481C1C}">
+                <a14:useLocalDpi xmlns:a14="http://schemas.microsoft.com/office/drawing/2010/main" val="0"/>
+              </a:ext>
+            </a:extLst>
+          </a:blip>
+          <a:stretch>
+            <a:fillRect/>
+          </a:stretch>
+        </p:blipFill>
+        <p:spPr>
+          <a:xfrm>
+            <a:off x="684212" y="685801"/>
+            <a:ext cx="2202295" cy="3614738"/>
+          </a:xfrm>
+        </p:spPr>
+      </p:pic>
+      <p:sp>
+        <p:nvSpPr>
+          <p:cNvPr id="4" name="Content Placeholder 3"/>
+          <p:cNvSpPr>
+            <a:spLocks noGrp="1"/>
+          </p:cNvSpPr>
+          <p:nvPr>
+            <p:ph sz="half" idx="2"/>
+          </p:nvPr>
+        </p:nvSpPr>
+        <p:spPr>
+          <a:xfrm>
+            <a:off x="3313217" y="1508165"/>
+            <a:ext cx="7429396" cy="2792901"/>
+          </a:xfrm>
+        </p:spPr>
+        <p:txBody>
+          <a:bodyPr>
+            <a:normAutofit/>
+          </a:bodyPr>
+          <a:lstStyle/>
+          <a:p>
+            <a:r>
+              <a:rPr lang="en-US" b="1" i="1" dirty="0" smtClean="0"/>
+              <a:t>from</a:t>
+            </a:r>
+            <a:r>
+              <a:rPr lang="en-US" i="1" dirty="0" smtClean="0"/>
+              <a:t> </a:t>
+            </a:r>
+            <a:r>
+              <a:rPr lang="en-US" i="1" dirty="0" err="1" smtClean="0"/>
+              <a:t>sound.effects</a:t>
+            </a:r>
+            <a:r>
+              <a:rPr lang="en-US" i="1" dirty="0" smtClean="0"/>
+              <a:t> </a:t>
+            </a:r>
+            <a:r>
+              <a:rPr lang="en-US" b="1" i="1" dirty="0" smtClean="0"/>
+              <a:t>import</a:t>
+            </a:r>
+            <a:r>
+              <a:rPr lang="en-US" i="1" dirty="0" smtClean="0"/>
+              <a:t> echo</a:t>
+            </a:r>
+          </a:p>
+          <a:p>
+            <a:pPr lvl="1"/>
+            <a:r>
+              <a:rPr lang="en-US" dirty="0" smtClean="0"/>
+              <a:t>It’s possible to use the absolute import within the package</a:t>
+            </a:r>
+            <a:endParaRPr lang="en-US" b="1" i="1" dirty="0" smtClean="0"/>
+          </a:p>
+          <a:p>
+            <a:r>
+              <a:rPr lang="en-US" b="1" i="1" dirty="0"/>
+              <a:t>f</a:t>
+            </a:r>
+            <a:r>
+              <a:rPr lang="en-US" b="1" i="1" dirty="0" smtClean="0"/>
+              <a:t>rom</a:t>
+            </a:r>
+            <a:r>
+              <a:rPr lang="en-US" i="1" dirty="0" smtClean="0"/>
+              <a:t> ..effects </a:t>
+            </a:r>
+            <a:r>
+              <a:rPr lang="en-US" b="1" i="1" dirty="0" smtClean="0"/>
+              <a:t>import</a:t>
+            </a:r>
+            <a:r>
+              <a:rPr lang="en-US" i="1" dirty="0" smtClean="0"/>
+              <a:t> echo</a:t>
+            </a:r>
+          </a:p>
+          <a:p>
+            <a:pPr lvl="1"/>
+            <a:r>
+              <a:rPr lang="en-US" dirty="0" smtClean="0"/>
+              <a:t>It’s also possible to use relative imports</a:t>
+            </a:r>
+            <a:endParaRPr lang="en-US" b="1" i="1" dirty="0"/>
+          </a:p>
+        </p:txBody>
+      </p:sp>
+      <p:sp>
+        <p:nvSpPr>
+          <p:cNvPr id="6" name="TextBox 5"/>
+          <p:cNvSpPr txBox="1"/>
+          <p:nvPr/>
+        </p:nvSpPr>
+        <p:spPr>
+          <a:xfrm>
+            <a:off x="3455719" y="861834"/>
+            <a:ext cx="8134598" cy="646331"/>
+          </a:xfrm>
+          <a:prstGeom prst="rect">
+            <a:avLst/>
+          </a:prstGeom>
+          <a:noFill/>
+        </p:spPr>
+        <p:txBody>
+          <a:bodyPr wrap="square" rtlCol="0">
+            <a:spAutoFit/>
+          </a:bodyPr>
+          <a:lstStyle/>
+          <a:p>
+            <a:r>
+              <a:rPr lang="en-US" b="1" dirty="0" smtClean="0"/>
+              <a:t>Problem:</a:t>
+            </a:r>
+            <a:r>
+              <a:rPr lang="en-US" dirty="0" smtClean="0"/>
+              <a:t> </a:t>
+            </a:r>
+          </a:p>
+          <a:p>
+            <a:r>
+              <a:rPr lang="en-US" dirty="0" smtClean="0"/>
+              <a:t>You need to use the functions in </a:t>
+            </a:r>
+            <a:r>
+              <a:rPr lang="en-US" dirty="0" err="1" smtClean="0"/>
+              <a:t>effects.echo</a:t>
+            </a:r>
+            <a:r>
+              <a:rPr lang="en-US" dirty="0" smtClean="0"/>
+              <a:t> in the </a:t>
+            </a:r>
+            <a:r>
+              <a:rPr lang="en-US" dirty="0" err="1" smtClean="0"/>
+              <a:t>vocoder</a:t>
+            </a:r>
+            <a:r>
+              <a:rPr lang="en-US" dirty="0" smtClean="0"/>
+              <a:t> module</a:t>
+            </a:r>
+            <a:endParaRPr lang="en-US" dirty="0"/>
+          </a:p>
+        </p:txBody>
+      </p:sp>
+    </p:spTree>
+    <p:extLst>
+      <p:ext uri="{BB962C8B-B14F-4D97-AF65-F5344CB8AC3E}">
+        <p14:creationId xmlns:p14="http://schemas.microsoft.com/office/powerpoint/2010/main" val="2128937825"/>
+      </p:ext>
+    </p:extLst>
+  </p:cSld>
+  <p:clrMapOvr>
+    <a:masterClrMapping/>
+  </p:clrMapOvr>
+  <p:timing>
+    <p:tnLst>
+      <p:par>
+        <p:cTn id="1" dur="indefinite" restart="never" nodeType="tmRoot">
+          <p:childTnLst>
+            <p:seq concurrent="1" nextAc="seek">
+              <p:cTn id="2" dur="indefinite" nodeType="mainSeq">
+                <p:childTnLst>
+                  <p:par>
+                    <p:cTn id="3" fill="hold">
+                      <p:stCondLst>
+                        <p:cond delay="indefinite"/>
+                      </p:stCondLst>
+                      <p:childTnLst>
+                        <p:par>
+                          <p:cTn id="4" fill="hold">
+                            <p:stCondLst>
+                              <p:cond delay="0"/>
+                            </p:stCondLst>
+                            <p:childTnLst>
+                              <p:par>
+                                <p:cTn id="5" presetID="2" presetClass="entr" presetSubtype="4" fill="hold" grpId="0" nodeType="clickEffect">
+                                  <p:stCondLst>
+                                    <p:cond delay="0"/>
+                                  </p:stCondLst>
+                                  <p:childTnLst>
+                                    <p:set>
+                                      <p:cBhvr>
+                                        <p:cTn id="6" dur="1" fill="hold">
+                                          <p:stCondLst>
+                                            <p:cond delay="0"/>
+                                          </p:stCondLst>
+                                        </p:cTn>
+                                        <p:tgtEl>
+                                          <p:spTgt spid="4">
+                                            <p:txEl>
+                                              <p:pRg st="0" end="0"/>
+                                            </p:txEl>
+                                          </p:spTgt>
+                                        </p:tgtEl>
+                                        <p:attrNameLst>
+                                          <p:attrName>style.visibility</p:attrName>
+                                        </p:attrNameLst>
+                                      </p:cBhvr>
+                                      <p:to>
+                                        <p:strVal val="visible"/>
+                                      </p:to>
+                                    </p:set>
+                                    <p:anim calcmode="lin" valueType="num">
+                                      <p:cBhvr additive="base">
+                                        <p:cTn id="7" dur="500" fill="hold"/>
+                                        <p:tgtEl>
+                                          <p:spTgt spid="4">
+                                            <p:txEl>
+                                              <p:pRg st="0" end="0"/>
+                                            </p:txEl>
+                                          </p:spTgt>
+                                        </p:tgtEl>
+                                        <p:attrNameLst>
+                                          <p:attrName>ppt_x</p:attrName>
+                                        </p:attrNameLst>
+                                      </p:cBhvr>
+                                      <p:tavLst>
+                                        <p:tav tm="0">
+                                          <p:val>
+                                            <p:strVal val="#ppt_x"/>
+                                          </p:val>
+                                        </p:tav>
+                                        <p:tav tm="100000">
+                                          <p:val>
+                                            <p:strVal val="#ppt_x"/>
+                                          </p:val>
+                                        </p:tav>
+                                      </p:tavLst>
+                                    </p:anim>
+                                    <p:anim calcmode="lin" valueType="num">
+                                      <p:cBhvr additive="base">
+                                        <p:cTn id="8" dur="500" fill="hold"/>
+                                        <p:tgtEl>
+                                          <p:spTgt spid="4">
+                                            <p:txEl>
+                                              <p:pRg st="0" end="0"/>
+                                            </p:txEl>
+                                          </p:spTgt>
+                                        </p:tgtEl>
+                                        <p:attrNameLst>
+                                          <p:attrName>ppt_y</p:attrName>
+                                        </p:attrNameLst>
+                                      </p:cBhvr>
+                                      <p:tavLst>
+                                        <p:tav tm="0">
+                                          <p:val>
+                                            <p:strVal val="1+#ppt_h/2"/>
+                                          </p:val>
+                                        </p:tav>
+                                        <p:tav tm="100000">
+                                          <p:val>
+                                            <p:strVal val="#ppt_y"/>
+                                          </p:val>
+                                        </p:tav>
+                                      </p:tavLst>
+                                    </p:anim>
+                                  </p:childTnLst>
+                                </p:cTn>
+                              </p:par>
+                              <p:par>
+                                <p:cTn id="9" presetID="2" presetClass="entr" presetSubtype="4" fill="hold" grpId="0" nodeType="withEffect">
+                                  <p:stCondLst>
+                                    <p:cond delay="0"/>
+                                  </p:stCondLst>
+                                  <p:childTnLst>
+                                    <p:set>
+                                      <p:cBhvr>
+                                        <p:cTn id="10" dur="1" fill="hold">
+                                          <p:stCondLst>
+                                            <p:cond delay="0"/>
+                                          </p:stCondLst>
+                                        </p:cTn>
+                                        <p:tgtEl>
+                                          <p:spTgt spid="4">
+                                            <p:txEl>
+                                              <p:pRg st="1" end="1"/>
+                                            </p:txEl>
+                                          </p:spTgt>
+                                        </p:tgtEl>
+                                        <p:attrNameLst>
+                                          <p:attrName>style.visibility</p:attrName>
+                                        </p:attrNameLst>
+                                      </p:cBhvr>
+                                      <p:to>
+                                        <p:strVal val="visible"/>
+                                      </p:to>
+                                    </p:set>
+                                    <p:anim calcmode="lin" valueType="num">
+                                      <p:cBhvr additive="base">
+                                        <p:cTn id="11" dur="500" fill="hold"/>
+                                        <p:tgtEl>
+                                          <p:spTgt spid="4">
+                                            <p:txEl>
+                                              <p:pRg st="1" end="1"/>
+                                            </p:txEl>
+                                          </p:spTgt>
+                                        </p:tgtEl>
+                                        <p:attrNameLst>
+                                          <p:attrName>ppt_x</p:attrName>
+                                        </p:attrNameLst>
+                                      </p:cBhvr>
+                                      <p:tavLst>
+                                        <p:tav tm="0">
+                                          <p:val>
+                                            <p:strVal val="#ppt_x"/>
+                                          </p:val>
+                                        </p:tav>
+                                        <p:tav tm="100000">
+                                          <p:val>
+                                            <p:strVal val="#ppt_x"/>
+                                          </p:val>
+                                        </p:tav>
+                                      </p:tavLst>
+                                    </p:anim>
+                                    <p:anim calcmode="lin" valueType="num">
+                                      <p:cBhvr additive="base">
+                                        <p:cTn id="12" dur="500" fill="hold"/>
+                                        <p:tgtEl>
+                                          <p:spTgt spid="4">
+                                            <p:txEl>
+                                              <p:pRg st="1" end="1"/>
+                                            </p:txEl>
+                                          </p:spTgt>
+                                        </p:tgtEl>
+                                        <p:attrNameLst>
+                                          <p:attrName>ppt_y</p:attrName>
+                                        </p:attrNameLst>
+                                      </p:cBhvr>
+                                      <p:tavLst>
+                                        <p:tav tm="0">
+                                          <p:val>
+                                            <p:strVal val="1+#ppt_h/2"/>
+                                          </p:val>
+                                        </p:tav>
+                                        <p:tav tm="100000">
+                                          <p:val>
+                                            <p:strVal val="#ppt_y"/>
+                                          </p:val>
+                                        </p:tav>
+                                      </p:tavLst>
+                                    </p:anim>
+                                  </p:childTnLst>
+                                </p:cTn>
+                              </p:par>
+                            </p:childTnLst>
+                          </p:cTn>
+                        </p:par>
+                      </p:childTnLst>
+                    </p:cTn>
+                  </p:par>
+                  <p:par>
+                    <p:cTn id="13" fill="hold">
+                      <p:stCondLst>
+                        <p:cond delay="indefinite"/>
+                      </p:stCondLst>
+                      <p:childTnLst>
+                        <p:par>
+                          <p:cTn id="14" fill="hold">
+                            <p:stCondLst>
+                              <p:cond delay="0"/>
+                            </p:stCondLst>
+                            <p:childTnLst>
+                              <p:par>
+                                <p:cTn id="15" presetID="2" presetClass="entr" presetSubtype="4" fill="hold" grpId="0" nodeType="clickEffect">
+                                  <p:stCondLst>
+                                    <p:cond delay="0"/>
+                                  </p:stCondLst>
+                                  <p:childTnLst>
+                                    <p:set>
+                                      <p:cBhvr>
+                                        <p:cTn id="16" dur="1" fill="hold">
+                                          <p:stCondLst>
+                                            <p:cond delay="0"/>
+                                          </p:stCondLst>
+                                        </p:cTn>
+                                        <p:tgtEl>
+                                          <p:spTgt spid="4">
+                                            <p:txEl>
+                                              <p:pRg st="2" end="2"/>
+                                            </p:txEl>
+                                          </p:spTgt>
+                                        </p:tgtEl>
+                                        <p:attrNameLst>
+                                          <p:attrName>style.visibility</p:attrName>
+                                        </p:attrNameLst>
+                                      </p:cBhvr>
+                                      <p:to>
+                                        <p:strVal val="visible"/>
+                                      </p:to>
+                                    </p:set>
+                                    <p:anim calcmode="lin" valueType="num">
+                                      <p:cBhvr additive="base">
+                                        <p:cTn id="17" dur="500" fill="hold"/>
+                                        <p:tgtEl>
+                                          <p:spTgt spid="4">
+                                            <p:txEl>
+                                              <p:pRg st="2" end="2"/>
+                                            </p:txEl>
+                                          </p:spTgt>
+                                        </p:tgtEl>
+                                        <p:attrNameLst>
+                                          <p:attrName>ppt_x</p:attrName>
+                                        </p:attrNameLst>
+                                      </p:cBhvr>
+                                      <p:tavLst>
+                                        <p:tav tm="0">
+                                          <p:val>
+                                            <p:strVal val="#ppt_x"/>
+                                          </p:val>
+                                        </p:tav>
+                                        <p:tav tm="100000">
+                                          <p:val>
+                                            <p:strVal val="#ppt_x"/>
+                                          </p:val>
+                                        </p:tav>
+                                      </p:tavLst>
+                                    </p:anim>
+                                    <p:anim calcmode="lin" valueType="num">
+                                      <p:cBhvr additive="base">
+                                        <p:cTn id="18" dur="500" fill="hold"/>
+                                        <p:tgtEl>
+                                          <p:spTgt spid="4">
+                                            <p:txEl>
+                                              <p:pRg st="2" end="2"/>
+                                            </p:txEl>
+                                          </p:spTgt>
+                                        </p:tgtEl>
+                                        <p:attrNameLst>
+                                          <p:attrName>ppt_y</p:attrName>
+                                        </p:attrNameLst>
+                                      </p:cBhvr>
+                                      <p:tavLst>
+                                        <p:tav tm="0">
+                                          <p:val>
+                                            <p:strVal val="1+#ppt_h/2"/>
+                                          </p:val>
+                                        </p:tav>
+                                        <p:tav tm="100000">
+                                          <p:val>
+                                            <p:strVal val="#ppt_y"/>
+                                          </p:val>
+                                        </p:tav>
+                                      </p:tavLst>
+                                    </p:anim>
+                                  </p:childTnLst>
+                                </p:cTn>
+                              </p:par>
+                              <p:par>
+                                <p:cTn id="19" presetID="2" presetClass="entr" presetSubtype="4" fill="hold" grpId="0" nodeType="withEffect">
+                                  <p:stCondLst>
+                                    <p:cond delay="0"/>
+                                  </p:stCondLst>
+                                  <p:childTnLst>
+                                    <p:set>
+                                      <p:cBhvr>
+                                        <p:cTn id="20" dur="1" fill="hold">
+                                          <p:stCondLst>
+                                            <p:cond delay="0"/>
+                                          </p:stCondLst>
+                                        </p:cTn>
+                                        <p:tgtEl>
+                                          <p:spTgt spid="4">
+                                            <p:txEl>
+                                              <p:pRg st="3" end="3"/>
+                                            </p:txEl>
+                                          </p:spTgt>
+                                        </p:tgtEl>
+                                        <p:attrNameLst>
+                                          <p:attrName>style.visibility</p:attrName>
+                                        </p:attrNameLst>
+                                      </p:cBhvr>
+                                      <p:to>
+                                        <p:strVal val="visible"/>
+                                      </p:to>
+                                    </p:set>
+                                    <p:anim calcmode="lin" valueType="num">
+                                      <p:cBhvr additive="base">
+                                        <p:cTn id="21" dur="500" fill="hold"/>
+                                        <p:tgtEl>
+                                          <p:spTgt spid="4">
+                                            <p:txEl>
+                                              <p:pRg st="3" end="3"/>
+                                            </p:txEl>
+                                          </p:spTgt>
+                                        </p:tgtEl>
+                                        <p:attrNameLst>
+                                          <p:attrName>ppt_x</p:attrName>
+                                        </p:attrNameLst>
+                                      </p:cBhvr>
+                                      <p:tavLst>
+                                        <p:tav tm="0">
+                                          <p:val>
+                                            <p:strVal val="#ppt_x"/>
+                                          </p:val>
+                                        </p:tav>
+                                        <p:tav tm="100000">
+                                          <p:val>
+                                            <p:strVal val="#ppt_x"/>
+                                          </p:val>
+                                        </p:tav>
+                                      </p:tavLst>
+                                    </p:anim>
+                                    <p:anim calcmode="lin" valueType="num">
+                                      <p:cBhvr additive="base">
+                                        <p:cTn id="22" dur="500" fill="hold"/>
+                                        <p:tgtEl>
+                                          <p:spTgt spid="4">
+                                            <p:txEl>
+                                              <p:pRg st="3" end="3"/>
+                                            </p:txEl>
+                                          </p:spTgt>
+                                        </p:tgtEl>
+                                        <p:attrNameLst>
+                                          <p:attrName>ppt_y</p:attrName>
+                                        </p:attrNameLst>
+                                      </p:cBhvr>
+                                      <p:tavLst>
+                                        <p:tav tm="0">
+                                          <p:val>
+                                            <p:strVal val="1+#ppt_h/2"/>
+                                          </p:val>
+                                        </p:tav>
+                                        <p:tav tm="100000">
+                                          <p:val>
+                                            <p:strVal val="#ppt_y"/>
+                                          </p:val>
+                                        </p:tav>
+                                      </p:tavLst>
+                                    </p:anim>
+                                  </p:childTnLst>
+                                </p:cTn>
+                              </p:par>
+                            </p:childTnLst>
+                          </p:cTn>
+                        </p:par>
+                      </p:childTnLst>
+                    </p:cTn>
+                  </p:par>
+                </p:childTnLst>
+              </p:cTn>
+              <p:prevCondLst>
+                <p:cond evt="onPrev" delay="0">
+                  <p:tgtEl>
+                    <p:sldTgt/>
+                  </p:tgtEl>
+                </p:cond>
+              </p:prevCondLst>
+              <p:nextCondLst>
+                <p:cond evt="onNext" delay="0">
+                  <p:tgtEl>
+                    <p:sldTgt/>
+                  </p:tgtEl>
+                </p:cond>
+              </p:nextCondLst>
+            </p:seq>
+          </p:childTnLst>
+        </p:cTn>
+      </p:par>
+    </p:tnLst>
+    <p:bldLst>
+      <p:bldP spid="4" grpId="0" build="p"/>
+    </p:bldLst>
+  </p:timing>
+</p:sld>
+</file>
+
+<file path=ppt/slides/slide6.xml><?xml version="1.0" encoding="utf-8"?>
+<p:sld xmlns:a="http://schemas.openxmlformats.org/drawingml/2006/main" xmlns:r="http://schemas.openxmlformats.org/officeDocument/2006/relationships" xmlns:p="http://schemas.openxmlformats.org/presentationml/2006/main">
+  <p:cSld>
+    <p:spTree>
+      <p:nvGrpSpPr>
+        <p:cNvPr id="1" name=""/>
+        <p:cNvGrpSpPr/>
+        <p:nvPr/>
+      </p:nvGrpSpPr>
+      <p:grpSpPr>
+        <a:xfrm>
+          <a:off x="0" y="0"/>
+          <a:ext cx="0" cy="0"/>
+          <a:chOff x="0" y="0"/>
+          <a:chExt cx="0" cy="0"/>
+        </a:xfrm>
+      </p:grpSpPr>
+      <p:sp>
+        <p:nvSpPr>
+          <p:cNvPr id="5" name="Title 4"/>
+          <p:cNvSpPr>
+            <a:spLocks noGrp="1"/>
+          </p:cNvSpPr>
+          <p:nvPr>
+            <p:ph type="title"/>
+          </p:nvPr>
+        </p:nvSpPr>
+        <p:spPr/>
+        <p:txBody>
+          <a:bodyPr/>
+          <a:lstStyle/>
+          <a:p>
+            <a:r>
+              <a:rPr lang="en-US" dirty="0" smtClean="0"/>
+              <a:t>OOO terminology</a:t>
+            </a:r>
+            <a:endParaRPr lang="en-US" dirty="0"/>
+          </a:p>
+        </p:txBody>
+      </p:sp>
+      <p:sp>
+        <p:nvSpPr>
+          <p:cNvPr id="6" name="Content Placeholder 5"/>
+          <p:cNvSpPr>
+            <a:spLocks noGrp="1"/>
+          </p:cNvSpPr>
+          <p:nvPr>
+            <p:ph idx="1"/>
+          </p:nvPr>
+        </p:nvSpPr>
+        <p:spPr/>
+        <p:txBody>
+          <a:bodyPr>
+            <a:normAutofit fontScale="92500" lnSpcReduction="20000"/>
+          </a:bodyPr>
+          <a:lstStyle/>
+          <a:p>
+            <a:r>
+              <a:rPr lang="en-US" b="1" dirty="0" smtClean="0"/>
+              <a:t>Class</a:t>
+            </a:r>
+            <a:r>
+              <a:rPr lang="en-US" dirty="0" smtClean="0"/>
+              <a:t>: A prototype for an object that defines a set off attributes and behaviors that characterize any object of the class.</a:t>
+            </a:r>
+          </a:p>
+          <a:p>
+            <a:r>
+              <a:rPr lang="en-US" b="1" dirty="0" smtClean="0"/>
+              <a:t>Class variable</a:t>
+            </a:r>
+            <a:r>
+              <a:rPr lang="en-US" dirty="0" smtClean="0"/>
+              <a:t>: A variable that’s available to all instances of the class.</a:t>
+            </a:r>
+          </a:p>
+          <a:p>
+            <a:r>
+              <a:rPr lang="en-US" b="1" dirty="0" smtClean="0"/>
+              <a:t>Instance</a:t>
+            </a:r>
+            <a:r>
+              <a:rPr lang="en-US" dirty="0" smtClean="0"/>
+              <a:t>: A particular object of an specific class.</a:t>
+            </a:r>
+          </a:p>
+          <a:p>
+            <a:r>
+              <a:rPr lang="en-US" b="1" dirty="0" smtClean="0"/>
+              <a:t>Instance variable</a:t>
+            </a:r>
+            <a:r>
+              <a:rPr lang="en-US" dirty="0" smtClean="0"/>
+              <a:t>: A variable defined inside a method and that belongs only to the particular instance of the class.</a:t>
+            </a:r>
+          </a:p>
+          <a:p>
+            <a:r>
+              <a:rPr lang="en-US" b="1" dirty="0" smtClean="0"/>
+              <a:t>Inheritance</a:t>
+            </a:r>
+            <a:r>
+              <a:rPr lang="en-US" dirty="0" smtClean="0"/>
+              <a:t>: The transfer of characteristics from one class to other classes that derive from it.</a:t>
+            </a:r>
+          </a:p>
+          <a:p>
+            <a:r>
+              <a:rPr lang="en-US" b="1" dirty="0" smtClean="0"/>
+              <a:t>Overloading</a:t>
+            </a:r>
+            <a:r>
+              <a:rPr lang="en-US" dirty="0" smtClean="0"/>
+              <a:t>: Assigning a particular behavior to a common function shared by sub-classes of a class</a:t>
+            </a:r>
+            <a:endParaRPr lang="en-US" dirty="0"/>
+          </a:p>
+        </p:txBody>
+      </p:sp>
+    </p:spTree>
+    <p:extLst>
+      <p:ext uri="{BB962C8B-B14F-4D97-AF65-F5344CB8AC3E}">
+        <p14:creationId xmlns:p14="http://schemas.microsoft.com/office/powerpoint/2010/main" val="926180298"/>
+      </p:ext>
+    </p:extLst>
+  </p:cSld>
+  <p:clrMapOvr>
+    <a:masterClrMapping/>
+  </p:clrMapOvr>
+  <p:timing>
+    <p:tnLst>
+      <p:par>
+        <p:cTn id="1" dur="indefinite" restart="never" nodeType="tmRoot">
+          <p:childTnLst>
+            <p:seq concurrent="1" nextAc="seek">
+              <p:cTn id="2" dur="indefinite" nodeType="mainSeq">
+                <p:childTnLst>
+                  <p:par>
+                    <p:cTn id="3" fill="hold">
+                      <p:stCondLst>
+                        <p:cond delay="indefinite"/>
+                      </p:stCondLst>
+                      <p:childTnLst>
+                        <p:par>
+                          <p:cTn id="4" fill="hold">
+                            <p:stCondLst>
+                              <p:cond delay="0"/>
+                            </p:stCondLst>
+                            <p:childTnLst>
+                              <p:par>
+                                <p:cTn id="5" presetID="2" presetClass="entr" presetSubtype="4" fill="hold" grpId="0" nodeType="clickEffect">
+                                  <p:stCondLst>
+                                    <p:cond delay="0"/>
+                                  </p:stCondLst>
+                                  <p:childTnLst>
+                                    <p:set>
+                                      <p:cBhvr>
+                                        <p:cTn id="6" dur="1" fill="hold">
+                                          <p:stCondLst>
+                                            <p:cond delay="0"/>
+                                          </p:stCondLst>
+                                        </p:cTn>
+                                        <p:tgtEl>
+                                          <p:spTgt spid="6">
+                                            <p:txEl>
+                                              <p:pRg st="0" end="0"/>
+                                            </p:txEl>
+                                          </p:spTgt>
+                                        </p:tgtEl>
+                                        <p:attrNameLst>
+                                          <p:attrName>style.visibility</p:attrName>
+                                        </p:attrNameLst>
+                                      </p:cBhvr>
+                                      <p:to>
+                                        <p:strVal val="visible"/>
+                                      </p:to>
+                                    </p:set>
+                                    <p:anim calcmode="lin" valueType="num">
+                                      <p:cBhvr additive="base">
+                                        <p:cTn id="7" dur="500" fill="hold"/>
+                                        <p:tgtEl>
+                                          <p:spTgt spid="6">
+                                            <p:txEl>
+                                              <p:pRg st="0" end="0"/>
+                                            </p:txEl>
+                                          </p:spTgt>
+                                        </p:tgtEl>
+                                        <p:attrNameLst>
+                                          <p:attrName>ppt_x</p:attrName>
+                                        </p:attrNameLst>
+                                      </p:cBhvr>
+                                      <p:tavLst>
+                                        <p:tav tm="0">
+                                          <p:val>
+                                            <p:strVal val="#ppt_x"/>
+                                          </p:val>
+                                        </p:tav>
+                                        <p:tav tm="100000">
+                                          <p:val>
+                                            <p:strVal val="#ppt_x"/>
+                                          </p:val>
+                                        </p:tav>
+                                      </p:tavLst>
+                                    </p:anim>
+                                    <p:anim calcmode="lin" valueType="num">
+                                      <p:cBhvr additive="base">
+                                        <p:cTn id="8" dur="500" fill="hold"/>
+                                        <p:tgtEl>
+                                          <p:spTgt spid="6">
+                                            <p:txEl>
+                                              <p:pRg st="0" end="0"/>
+                                            </p:txEl>
+                                          </p:spTgt>
+                                        </p:tgtEl>
+                                        <p:attrNameLst>
+                                          <p:attrName>ppt_y</p:attrName>
+                                        </p:attrNameLst>
+                                      </p:cBhvr>
+                                      <p:tavLst>
+                                        <p:tav tm="0">
+                                          <p:val>
+                                            <p:strVal val="1+#ppt_h/2"/>
+                                          </p:val>
+                                        </p:tav>
+                                        <p:tav tm="100000">
+                                          <p:val>
+                                            <p:strVal val="#ppt_y"/>
+                                          </p:val>
+                                        </p:tav>
+                                      </p:tavLst>
+                                    </p:anim>
+                                  </p:childTnLst>
+                                </p:cTn>
+                              </p:par>
+                            </p:childTnLst>
+                          </p:cTn>
+                        </p:par>
+                      </p:childTnLst>
+                    </p:cTn>
+                  </p:par>
+                  <p:par>
+                    <p:cTn id="9" fill="hold">
+                      <p:stCondLst>
+                        <p:cond delay="indefinite"/>
+                      </p:stCondLst>
+                      <p:childTnLst>
+                        <p:par>
+                          <p:cTn id="10" fill="hold">
+                            <p:stCondLst>
+                              <p:cond delay="0"/>
+                            </p:stCondLst>
+                            <p:childTnLst>
+                              <p:par>
+                                <p:cTn id="11" presetID="2" presetClass="entr" presetSubtype="4" fill="hold" grpId="0" nodeType="clickEffect">
+                                  <p:stCondLst>
+                                    <p:cond delay="0"/>
+                                  </p:stCondLst>
+                                  <p:childTnLst>
+                                    <p:set>
+                                      <p:cBhvr>
+                                        <p:cTn id="12" dur="1" fill="hold">
+                                          <p:stCondLst>
+                                            <p:cond delay="0"/>
+                                          </p:stCondLst>
+                                        </p:cTn>
+                                        <p:tgtEl>
+                                          <p:spTgt spid="6">
+                                            <p:txEl>
+                                              <p:pRg st="1" end="1"/>
+                                            </p:txEl>
+                                          </p:spTgt>
+                                        </p:tgtEl>
+                                        <p:attrNameLst>
+                                          <p:attrName>style.visibility</p:attrName>
+                                        </p:attrNameLst>
+                                      </p:cBhvr>
+                                      <p:to>
+                                        <p:strVal val="visible"/>
+                                      </p:to>
+                                    </p:set>
+                                    <p:anim calcmode="lin" valueType="num">
+                                      <p:cBhvr additive="base">
+                                        <p:cTn id="13" dur="500" fill="hold"/>
+                                        <p:tgtEl>
+                                          <p:spTgt spid="6">
+                                            <p:txEl>
+                                              <p:pRg st="1" end="1"/>
+                                            </p:txEl>
+                                          </p:spTgt>
+                                        </p:tgtEl>
+                                        <p:attrNameLst>
+                                          <p:attrName>ppt_x</p:attrName>
+                                        </p:attrNameLst>
+                                      </p:cBhvr>
+                                      <p:tavLst>
+                                        <p:tav tm="0">
+                                          <p:val>
+                                            <p:strVal val="#ppt_x"/>
+                                          </p:val>
+                                        </p:tav>
+                                        <p:tav tm="100000">
+                                          <p:val>
+                                            <p:strVal val="#ppt_x"/>
+                                          </p:val>
+                                        </p:tav>
+                                      </p:tavLst>
+                                    </p:anim>
+                                    <p:anim calcmode="lin" valueType="num">
+                                      <p:cBhvr additive="base">
+                                        <p:cTn id="14" dur="500" fill="hold"/>
+                                        <p:tgtEl>
+                                          <p:spTgt spid="6">
+                                            <p:txEl>
+                                              <p:pRg st="1" end="1"/>
+                                            </p:txEl>
+                                          </p:spTgt>
+                                        </p:tgtEl>
+                                        <p:attrNameLst>
+                                          <p:attrName>ppt_y</p:attrName>
+                                        </p:attrNameLst>
+                                      </p:cBhvr>
+                                      <p:tavLst>
+                                        <p:tav tm="0">
+                                          <p:val>
+                                            <p:strVal val="1+#ppt_h/2"/>
+                                          </p:val>
+                                        </p:tav>
+                                        <p:tav tm="100000">
+                                          <p:val>
+                                            <p:strVal val="#ppt_y"/>
+                                          </p:val>
+                                        </p:tav>
+                                      </p:tavLst>
+                                    </p:anim>
+                                  </p:childTnLst>
+                                </p:cTn>
+                              </p:par>
+                            </p:childTnLst>
+                          </p:cTn>
+                        </p:par>
+                      </p:childTnLst>
+                    </p:cTn>
+                  </p:par>
+                  <p:par>
+                    <p:cTn id="15" fill="hold">
+                      <p:stCondLst>
+                        <p:cond delay="indefinite"/>
+                      </p:stCondLst>
+                      <p:childTnLst>
+                        <p:par>
+                          <p:cTn id="16" fill="hold">
+                            <p:stCondLst>
+                              <p:cond delay="0"/>
+                            </p:stCondLst>
+                            <p:childTnLst>
+                              <p:par>
+                                <p:cTn id="17" presetID="2" presetClass="entr" presetSubtype="4" fill="hold" grpId="0" nodeType="clickEffect">
+                                  <p:stCondLst>
+                                    <p:cond delay="0"/>
+                                  </p:stCondLst>
+                                  <p:childTnLst>
+                                    <p:set>
+                                      <p:cBhvr>
+                                        <p:cTn id="18" dur="1" fill="hold">
+                                          <p:stCondLst>
+                                            <p:cond delay="0"/>
+                                          </p:stCondLst>
+                                        </p:cTn>
+                                        <p:tgtEl>
+                                          <p:spTgt spid="6">
+                                            <p:txEl>
+                                              <p:pRg st="2" end="2"/>
+                                            </p:txEl>
+                                          </p:spTgt>
+                                        </p:tgtEl>
+                                        <p:attrNameLst>
+                                          <p:attrName>style.visibility</p:attrName>
+                                        </p:attrNameLst>
+                                      </p:cBhvr>
+                                      <p:to>
+                                        <p:strVal val="visible"/>
+                                      </p:to>
+                                    </p:set>
+                                    <p:anim calcmode="lin" valueType="num">
+                                      <p:cBhvr additive="base">
+                                        <p:cTn id="19" dur="500" fill="hold"/>
+                                        <p:tgtEl>
+                                          <p:spTgt spid="6">
+                                            <p:txEl>
+                                              <p:pRg st="2" end="2"/>
+                                            </p:txEl>
+                                          </p:spTgt>
+                                        </p:tgtEl>
+                                        <p:attrNameLst>
+                                          <p:attrName>ppt_x</p:attrName>
+                                        </p:attrNameLst>
+                                      </p:cBhvr>
+                                      <p:tavLst>
+                                        <p:tav tm="0">
+                                          <p:val>
+                                            <p:strVal val="#ppt_x"/>
+                                          </p:val>
+                                        </p:tav>
+                                        <p:tav tm="100000">
+                                          <p:val>
+                                            <p:strVal val="#ppt_x"/>
+                                          </p:val>
+                                        </p:tav>
+                                      </p:tavLst>
+                                    </p:anim>
+                                    <p:anim calcmode="lin" valueType="num">
+                                      <p:cBhvr additive="base">
+                                        <p:cTn id="20" dur="500" fill="hold"/>
+                                        <p:tgtEl>
+                                          <p:spTgt spid="6">
+                                            <p:txEl>
+                                              <p:pRg st="2" end="2"/>
+                                            </p:txEl>
+                                          </p:spTgt>
+                                        </p:tgtEl>
+                                        <p:attrNameLst>
+                                          <p:attrName>ppt_y</p:attrName>
+                                        </p:attrNameLst>
+                                      </p:cBhvr>
+                                      <p:tavLst>
+                                        <p:tav tm="0">
+                                          <p:val>
+                                            <p:strVal val="1+#ppt_h/2"/>
+                                          </p:val>
+                                        </p:tav>
+                                        <p:tav tm="100000">
+                                          <p:val>
+                                            <p:strVal val="#ppt_y"/>
+                                          </p:val>
+                                        </p:tav>
+                                      </p:tavLst>
+                                    </p:anim>
+                                  </p:childTnLst>
+                                </p:cTn>
+                              </p:par>
+                            </p:childTnLst>
+                          </p:cTn>
+                        </p:par>
+                      </p:childTnLst>
+                    </p:cTn>
+                  </p:par>
+                  <p:par>
+                    <p:cTn id="21" fill="hold">
+                      <p:stCondLst>
+                        <p:cond delay="indefinite"/>
+                      </p:stCondLst>
+                      <p:childTnLst>
+                        <p:par>
+                          <p:cTn id="22" fill="hold">
+                            <p:stCondLst>
+                              <p:cond delay="0"/>
+                            </p:stCondLst>
+                            <p:childTnLst>
+                              <p:par>
+                                <p:cTn id="23" presetID="2" presetClass="entr" presetSubtype="4" fill="hold" grpId="0" nodeType="clickEffect">
+                                  <p:stCondLst>
+                                    <p:cond delay="0"/>
+                                  </p:stCondLst>
+                                  <p:childTnLst>
+                                    <p:set>
+                                      <p:cBhvr>
+                                        <p:cTn id="24" dur="1" fill="hold">
+                                          <p:stCondLst>
+                                            <p:cond delay="0"/>
+                                          </p:stCondLst>
+                                        </p:cTn>
+                                        <p:tgtEl>
+                                          <p:spTgt spid="6">
+                                            <p:txEl>
+                                              <p:pRg st="3" end="3"/>
+                                            </p:txEl>
+                                          </p:spTgt>
+                                        </p:tgtEl>
+                                        <p:attrNameLst>
+                                          <p:attrName>style.visibility</p:attrName>
+                                        </p:attrNameLst>
+                                      </p:cBhvr>
+                                      <p:to>
+                                        <p:strVal val="visible"/>
+                                      </p:to>
+                                    </p:set>
+                                    <p:anim calcmode="lin" valueType="num">
+                                      <p:cBhvr additive="base">
+                                        <p:cTn id="25" dur="500" fill="hold"/>
+                                        <p:tgtEl>
+                                          <p:spTgt spid="6">
+                                            <p:txEl>
+                                              <p:pRg st="3" end="3"/>
+                                            </p:txEl>
+                                          </p:spTgt>
+                                        </p:tgtEl>
+                                        <p:attrNameLst>
+                                          <p:attrName>ppt_x</p:attrName>
+                                        </p:attrNameLst>
+                                      </p:cBhvr>
+                                      <p:tavLst>
+                                        <p:tav tm="0">
+                                          <p:val>
+                                            <p:strVal val="#ppt_x"/>
+                                          </p:val>
+                                        </p:tav>
+                                        <p:tav tm="100000">
+                                          <p:val>
+                                            <p:strVal val="#ppt_x"/>
+                                          </p:val>
+                                        </p:tav>
+                                      </p:tavLst>
+                                    </p:anim>
+                                    <p:anim calcmode="lin" valueType="num">
+                                      <p:cBhvr additive="base">
+                                        <p:cTn id="26" dur="500" fill="hold"/>
+                                        <p:tgtEl>
+                                          <p:spTgt spid="6">
+                                            <p:txEl>
+                                              <p:pRg st="3" end="3"/>
+                                            </p:txEl>
+                                          </p:spTgt>
+                                        </p:tgtEl>
+                                        <p:attrNameLst>
+                                          <p:attrName>ppt_y</p:attrName>
+                                        </p:attrNameLst>
+                                      </p:cBhvr>
+                                      <p:tavLst>
+                                        <p:tav tm="0">
+                                          <p:val>
+                                            <p:strVal val="1+#ppt_h/2"/>
+                                          </p:val>
+                                        </p:tav>
+                                        <p:tav tm="100000">
+                                          <p:val>
+                                            <p:strVal val="#ppt_y"/>
+                                          </p:val>
+                                        </p:tav>
+                                      </p:tavLst>
+                                    </p:anim>
+                                  </p:childTnLst>
+                                </p:cTn>
+                              </p:par>
+                            </p:childTnLst>
+                          </p:cTn>
+                        </p:par>
+                      </p:childTnLst>
+                    </p:cTn>
+                  </p:par>
+                  <p:par>
+                    <p:cTn id="27" fill="hold">
+                      <p:stCondLst>
+                        <p:cond delay="indefinite"/>
+                      </p:stCondLst>
+                      <p:childTnLst>
+                        <p:par>
+                          <p:cTn id="28" fill="hold">
+                            <p:stCondLst>
+                              <p:cond delay="0"/>
+                            </p:stCondLst>
+                            <p:childTnLst>
+                              <p:par>
+                                <p:cTn id="29" presetID="2" presetClass="entr" presetSubtype="4" fill="hold" grpId="0" nodeType="clickEffect">
+                                  <p:stCondLst>
+                                    <p:cond delay="0"/>
+                                  </p:stCondLst>
+                                  <p:childTnLst>
+                                    <p:set>
+                                      <p:cBhvr>
+                                        <p:cTn id="30" dur="1" fill="hold">
+                                          <p:stCondLst>
+                                            <p:cond delay="0"/>
+                                          </p:stCondLst>
+                                        </p:cTn>
+                                        <p:tgtEl>
+                                          <p:spTgt spid="6">
+                                            <p:txEl>
+                                              <p:pRg st="4" end="4"/>
+                                            </p:txEl>
+                                          </p:spTgt>
+                                        </p:tgtEl>
+                                        <p:attrNameLst>
+                                          <p:attrName>style.visibility</p:attrName>
+                                        </p:attrNameLst>
+                                      </p:cBhvr>
+                                      <p:to>
+                                        <p:strVal val="visible"/>
+                                      </p:to>
+                                    </p:set>
+                                    <p:anim calcmode="lin" valueType="num">
+                                      <p:cBhvr additive="base">
+                                        <p:cTn id="31" dur="500" fill="hold"/>
+                                        <p:tgtEl>
+                                          <p:spTgt spid="6">
+                                            <p:txEl>
+                                              <p:pRg st="4" end="4"/>
+                                            </p:txEl>
+                                          </p:spTgt>
+                                        </p:tgtEl>
+                                        <p:attrNameLst>
+                                          <p:attrName>ppt_x</p:attrName>
+                                        </p:attrNameLst>
+                                      </p:cBhvr>
+                                      <p:tavLst>
+                                        <p:tav tm="0">
+                                          <p:val>
+                                            <p:strVal val="#ppt_x"/>
+                                          </p:val>
+                                        </p:tav>
+                                        <p:tav tm="100000">
+                                          <p:val>
+                                            <p:strVal val="#ppt_x"/>
+                                          </p:val>
+                                        </p:tav>
+                                      </p:tavLst>
+                                    </p:anim>
+                                    <p:anim calcmode="lin" valueType="num">
+                                      <p:cBhvr additive="base">
+                                        <p:cTn id="32" dur="500" fill="hold"/>
+                                        <p:tgtEl>
+                                          <p:spTgt spid="6">
+                                            <p:txEl>
+                                              <p:pRg st="4" end="4"/>
+                                            </p:txEl>
+                                          </p:spTgt>
+                                        </p:tgtEl>
+                                        <p:attrNameLst>
+                                          <p:attrName>ppt_y</p:attrName>
+                                        </p:attrNameLst>
+                                      </p:cBhvr>
+                                      <p:tavLst>
+                                        <p:tav tm="0">
+                                          <p:val>
+                                            <p:strVal val="1+#ppt_h/2"/>
+                                          </p:val>
+                                        </p:tav>
+                                        <p:tav tm="100000">
+                                          <p:val>
+                                            <p:strVal val="#ppt_y"/>
+                                          </p:val>
+                                        </p:tav>
+                                      </p:tavLst>
+                                    </p:anim>
+                                  </p:childTnLst>
+                                </p:cTn>
+                              </p:par>
+                            </p:childTnLst>
+                          </p:cTn>
+                        </p:par>
+                      </p:childTnLst>
+                    </p:cTn>
+                  </p:par>
+                  <p:par>
+                    <p:cTn id="33" fill="hold">
+                      <p:stCondLst>
+                        <p:cond delay="indefinite"/>
+                      </p:stCondLst>
+                      <p:childTnLst>
+                        <p:par>
+                          <p:cTn id="34" fill="hold">
+                            <p:stCondLst>
+                              <p:cond delay="0"/>
+                            </p:stCondLst>
+                            <p:childTnLst>
+                              <p:par>
+                                <p:cTn id="35" presetID="2" presetClass="entr" presetSubtype="4" fill="hold" grpId="0" nodeType="clickEffect">
+                                  <p:stCondLst>
+                                    <p:cond delay="0"/>
+                                  </p:stCondLst>
+                                  <p:childTnLst>
+                                    <p:set>
+                                      <p:cBhvr>
+                                        <p:cTn id="36" dur="1" fill="hold">
+                                          <p:stCondLst>
+                                            <p:cond delay="0"/>
+                                          </p:stCondLst>
+                                        </p:cTn>
+                                        <p:tgtEl>
+                                          <p:spTgt spid="6">
+                                            <p:txEl>
+                                              <p:pRg st="5" end="5"/>
+                                            </p:txEl>
+                                          </p:spTgt>
+                                        </p:tgtEl>
+                                        <p:attrNameLst>
+                                          <p:attrName>style.visibility</p:attrName>
+                                        </p:attrNameLst>
+                                      </p:cBhvr>
+                                      <p:to>
+                                        <p:strVal val="visible"/>
+                                      </p:to>
+                                    </p:set>
+                                    <p:anim calcmode="lin" valueType="num">
+                                      <p:cBhvr additive="base">
+                                        <p:cTn id="37" dur="500" fill="hold"/>
+                                        <p:tgtEl>
+                                          <p:spTgt spid="6">
+                                            <p:txEl>
+                                              <p:pRg st="5" end="5"/>
+                                            </p:txEl>
+                                          </p:spTgt>
+                                        </p:tgtEl>
+                                        <p:attrNameLst>
+                                          <p:attrName>ppt_x</p:attrName>
+                                        </p:attrNameLst>
+                                      </p:cBhvr>
+                                      <p:tavLst>
+                                        <p:tav tm="0">
+                                          <p:val>
+                                            <p:strVal val="#ppt_x"/>
+                                          </p:val>
+                                        </p:tav>
+                                        <p:tav tm="100000">
+                                          <p:val>
+                                            <p:strVal val="#ppt_x"/>
+                                          </p:val>
+                                        </p:tav>
+                                      </p:tavLst>
+                                    </p:anim>
+                                    <p:anim calcmode="lin" valueType="num">
+                                      <p:cBhvr additive="base">
+                                        <p:cTn id="38" dur="500" fill="hold"/>
+                                        <p:tgtEl>
+                                          <p:spTgt spid="6">
+                                            <p:txEl>
+                                              <p:pRg st="5" end="5"/>
+                                            </p:txEl>
+                                          </p:spTgt>
+                                        </p:tgtEl>
+                                        <p:attrNameLst>
+                                          <p:attrName>ppt_y</p:attrName>
+                                        </p:attrNameLst>
+                                      </p:cBhvr>
+                                      <p:tavLst>
+                                        <p:tav tm="0">
+                                          <p:val>
+                                            <p:strVal val="1+#ppt_h/2"/>
+                                          </p:val>
+                                        </p:tav>
+                                        <p:tav tm="100000">
+                                          <p:val>
+                                            <p:strVal val="#ppt_y"/>
+                                          </p:val>
+                                        </p:tav>
+                                      </p:tavLst>
+                                    </p:anim>
+                                  </p:childTnLst>
+                                </p:cTn>
+                              </p:par>
+                            </p:childTnLst>
+                          </p:cTn>
+                        </p:par>
+                      </p:childTnLst>
+                    </p:cTn>
+                  </p:par>
+                </p:childTnLst>
+              </p:cTn>
+              <p:prevCondLst>
+                <p:cond evt="onPrev" delay="0">
+                  <p:tgtEl>
+                    <p:sldTgt/>
+                  </p:tgtEl>
+                </p:cond>
+              </p:prevCondLst>
+              <p:nextCondLst>
+                <p:cond evt="onNext" delay="0">
+                  <p:tgtEl>
+                    <p:sldTgt/>
+                  </p:tgtEl>
+                </p:cond>
+              </p:nextCondLst>
+            </p:seq>
+          </p:childTnLst>
+        </p:cTn>
+      </p:par>
+    </p:tnLst>
+    <p:bldLst>
+      <p:bldP spid="6" grpId="0" build="p"/>
+    </p:bldLst>
+  </p:timing>
+</p:sld>
+</file>
+
+<file path=ppt/slides/slide7.xml><?xml version="1.0" encoding="utf-8"?>
+<p:sld xmlns:a="http://schemas.openxmlformats.org/drawingml/2006/main" xmlns:r="http://schemas.openxmlformats.org/officeDocument/2006/relationships" xmlns:p="http://schemas.openxmlformats.org/presentationml/2006/main">
+  <p:cSld>
+    <p:spTree>
+      <p:nvGrpSpPr>
+        <p:cNvPr id="1" name=""/>
+        <p:cNvGrpSpPr/>
+        <p:nvPr/>
+      </p:nvGrpSpPr>
+      <p:grpSpPr>
+        <a:xfrm>
+          <a:off x="0" y="0"/>
+          <a:ext cx="0" cy="0"/>
+          <a:chOff x="0" y="0"/>
+          <a:chExt cx="0" cy="0"/>
+        </a:xfrm>
+      </p:grpSpPr>
+      <p:sp>
+        <p:nvSpPr>
+          <p:cNvPr id="2" name="Title 1"/>
+          <p:cNvSpPr>
+            <a:spLocks noGrp="1"/>
+          </p:cNvSpPr>
+          <p:nvPr>
+            <p:ph type="title"/>
+          </p:nvPr>
+        </p:nvSpPr>
+        <p:spPr/>
+        <p:txBody>
+          <a:bodyPr/>
+          <a:lstStyle/>
+          <a:p>
+            <a:r>
+              <a:rPr lang="en-US" dirty="0" smtClean="0"/>
+              <a:t>Class syntax</a:t>
+            </a:r>
+            <a:endParaRPr lang="en-US" dirty="0"/>
+          </a:p>
+        </p:txBody>
+      </p:sp>
+      <p:sp>
+        <p:nvSpPr>
+          <p:cNvPr id="3" name="Content Placeholder 2"/>
+          <p:cNvSpPr>
+            <a:spLocks noGrp="1"/>
+          </p:cNvSpPr>
+          <p:nvPr>
+            <p:ph idx="1"/>
+          </p:nvPr>
+        </p:nvSpPr>
+        <p:spPr>
+          <a:xfrm>
+            <a:off x="6022428" y="685800"/>
+            <a:ext cx="5544138" cy="3615267"/>
+          </a:xfrm>
+        </p:spPr>
+        <p:txBody>
+          <a:bodyPr anchor="t">
+            <a:normAutofit/>
+          </a:bodyPr>
+          <a:lstStyle/>
+          <a:p>
+            <a:r>
+              <a:rPr lang="en-US" sz="1400" dirty="0" smtClean="0"/>
+              <a:t>Class definition</a:t>
+            </a:r>
+          </a:p>
+          <a:p>
+            <a:r>
+              <a:rPr lang="en-US" sz="1400" dirty="0" smtClean="0"/>
+              <a:t>Class documentation available through </a:t>
+            </a:r>
+            <a:r>
+              <a:rPr lang="en-US" sz="1400" dirty="0" err="1" smtClean="0"/>
+              <a:t>Employee.__doc</a:t>
+            </a:r>
+            <a:r>
+              <a:rPr lang="en-US" sz="1400" dirty="0" smtClean="0"/>
+              <a:t>__</a:t>
+            </a:r>
+          </a:p>
+          <a:p>
+            <a:r>
+              <a:rPr lang="en-US" sz="1400" dirty="0" smtClean="0"/>
+              <a:t>Class variable</a:t>
+            </a:r>
+          </a:p>
+          <a:p>
+            <a:endParaRPr lang="en-US" sz="1400" dirty="0" smtClean="0"/>
+          </a:p>
+          <a:p>
+            <a:r>
+              <a:rPr lang="en-US" sz="1400" dirty="0" smtClean="0"/>
+              <a:t>Initiation method</a:t>
+            </a:r>
+          </a:p>
+          <a:p>
+            <a:endParaRPr lang="en-US" sz="1400" dirty="0" smtClean="0"/>
+          </a:p>
+          <a:p>
+            <a:endParaRPr lang="en-US" sz="1400" dirty="0"/>
+          </a:p>
+          <a:p>
+            <a:r>
+              <a:rPr lang="en-US" sz="1400" dirty="0" smtClean="0"/>
+              <a:t>Method to access class variable</a:t>
+            </a:r>
+          </a:p>
+          <a:p>
+            <a:endParaRPr lang="en-US" sz="1400" dirty="0" smtClean="0"/>
+          </a:p>
+          <a:p>
+            <a:r>
+              <a:rPr lang="en-US" sz="1400" dirty="0" smtClean="0"/>
+              <a:t>Method to access instance variable</a:t>
+            </a:r>
+            <a:endParaRPr lang="en-US" sz="1400" dirty="0"/>
+          </a:p>
+        </p:txBody>
+      </p:sp>
+      <p:sp>
+        <p:nvSpPr>
+          <p:cNvPr id="4" name="TextBox 3"/>
+          <p:cNvSpPr txBox="1"/>
+          <p:nvPr/>
+        </p:nvSpPr>
+        <p:spPr>
+          <a:xfrm>
+            <a:off x="684212" y="685800"/>
+            <a:ext cx="4944078" cy="3323987"/>
+          </a:xfrm>
+          <a:prstGeom prst="rect">
+            <a:avLst/>
+          </a:prstGeom>
+          <a:noFill/>
+        </p:spPr>
+        <p:txBody>
+          <a:bodyPr wrap="square" rtlCol="0">
+            <a:spAutoFit/>
+          </a:bodyPr>
+          <a:lstStyle/>
+          <a:p>
+            <a:r>
+              <a:rPr lang="en-US" sz="1400" b="1" dirty="0"/>
+              <a:t>class </a:t>
+            </a:r>
+            <a:r>
+              <a:rPr lang="en-US" sz="1400" b="1" dirty="0" smtClean="0">
+                <a:effectLst/>
+              </a:rPr>
+              <a:t>Employee</a:t>
+            </a:r>
+            <a:r>
+              <a:rPr lang="en-US" sz="1400" dirty="0" smtClean="0"/>
+              <a:t>:</a:t>
+            </a:r>
+            <a:br>
+              <a:rPr lang="en-US" sz="1400" dirty="0" smtClean="0"/>
+            </a:br>
+            <a:r>
+              <a:rPr lang="en-US" sz="1400" dirty="0" smtClean="0"/>
+              <a:t>    </a:t>
+            </a:r>
+            <a:r>
+              <a:rPr lang="en-US" sz="1400" i="1" dirty="0"/>
+              <a:t>"""Base class for all employees"""</a:t>
+            </a:r>
+            <a:br>
+              <a:rPr lang="en-US" sz="1400" i="1" dirty="0"/>
+            </a:br>
+            <a:r>
+              <a:rPr lang="en-US" sz="1400" i="1" dirty="0"/>
+              <a:t/>
+            </a:r>
+            <a:br>
+              <a:rPr lang="en-US" sz="1400" i="1" dirty="0"/>
+            </a:br>
+            <a:r>
+              <a:rPr lang="en-US" sz="1400" i="1" dirty="0"/>
+              <a:t>    </a:t>
+            </a:r>
+            <a:r>
+              <a:rPr lang="en-US" sz="1400" dirty="0" err="1" smtClean="0"/>
+              <a:t>empCount</a:t>
+            </a:r>
+            <a:r>
+              <a:rPr lang="en-US" sz="1400" dirty="0" smtClean="0"/>
+              <a:t> = </a:t>
+            </a:r>
+            <a:r>
+              <a:rPr lang="en-US" sz="1400" dirty="0"/>
+              <a:t>0</a:t>
+            </a:r>
+            <a:br>
+              <a:rPr lang="en-US" sz="1400" dirty="0"/>
+            </a:br>
+            <a:r>
+              <a:rPr lang="en-US" sz="1400" dirty="0"/>
+              <a:t/>
+            </a:r>
+            <a:br>
+              <a:rPr lang="en-US" sz="1400" dirty="0"/>
+            </a:br>
+            <a:r>
+              <a:rPr lang="en-US" sz="1400" dirty="0"/>
+              <a:t>    </a:t>
+            </a:r>
+            <a:r>
+              <a:rPr lang="en-US" sz="1400" b="1" dirty="0" err="1"/>
+              <a:t>def</a:t>
+            </a:r>
+            <a:r>
+              <a:rPr lang="en-US" sz="1400" b="1" dirty="0"/>
+              <a:t> </a:t>
+            </a:r>
+            <a:r>
+              <a:rPr lang="en-US" sz="1400" dirty="0"/>
+              <a:t>__</a:t>
+            </a:r>
+            <a:r>
+              <a:rPr lang="en-US" sz="1400" dirty="0" err="1"/>
+              <a:t>init</a:t>
+            </a:r>
+            <a:r>
+              <a:rPr lang="en-US" sz="1400" dirty="0"/>
+              <a:t>__</a:t>
+            </a:r>
+            <a:r>
+              <a:rPr lang="en-US" sz="1400" dirty="0" smtClean="0"/>
+              <a:t>(</a:t>
+            </a:r>
+            <a:r>
+              <a:rPr lang="en-US" sz="1400" dirty="0"/>
+              <a:t>self, </a:t>
+            </a:r>
+            <a:r>
+              <a:rPr lang="en-US" sz="1400" dirty="0" smtClean="0"/>
+              <a:t>name</a:t>
+            </a:r>
+            <a:r>
+              <a:rPr lang="en-US" sz="1400" dirty="0"/>
+              <a:t>, </a:t>
+            </a:r>
+            <a:r>
+              <a:rPr lang="en-US" sz="1400" dirty="0" smtClean="0"/>
+              <a:t>salary):</a:t>
+            </a:r>
+            <a:br>
+              <a:rPr lang="en-US" sz="1400" dirty="0" smtClean="0"/>
+            </a:br>
+            <a:r>
+              <a:rPr lang="en-US" sz="1400" dirty="0" smtClean="0"/>
+              <a:t>        </a:t>
+            </a:r>
+            <a:r>
+              <a:rPr lang="en-US" sz="1400" dirty="0" err="1"/>
+              <a:t>self</a:t>
+            </a:r>
+            <a:r>
+              <a:rPr lang="en-US" sz="1400" dirty="0" err="1" smtClean="0"/>
+              <a:t>.name</a:t>
+            </a:r>
+            <a:r>
+              <a:rPr lang="en-US" sz="1400" dirty="0" smtClean="0"/>
+              <a:t> = name</a:t>
+            </a:r>
+            <a:br>
+              <a:rPr lang="en-US" sz="1400" dirty="0" smtClean="0"/>
+            </a:br>
+            <a:r>
+              <a:rPr lang="en-US" sz="1400" dirty="0" smtClean="0"/>
+              <a:t>        </a:t>
+            </a:r>
+            <a:r>
+              <a:rPr lang="en-US" sz="1400" dirty="0" err="1"/>
+              <a:t>self</a:t>
+            </a:r>
+            <a:r>
+              <a:rPr lang="en-US" sz="1400" dirty="0" err="1" smtClean="0"/>
+              <a:t>.salary</a:t>
+            </a:r>
+            <a:r>
+              <a:rPr lang="en-US" sz="1400" dirty="0" smtClean="0"/>
+              <a:t> = salary</a:t>
+            </a:r>
+            <a:br>
+              <a:rPr lang="en-US" sz="1400" dirty="0" smtClean="0"/>
+            </a:br>
+            <a:r>
+              <a:rPr lang="en-US" sz="1400" dirty="0" smtClean="0"/>
+              <a:t>        </a:t>
+            </a:r>
+            <a:r>
+              <a:rPr lang="en-US" sz="1400" dirty="0" err="1" smtClean="0"/>
+              <a:t>Employee.count</a:t>
+            </a:r>
+            <a:r>
+              <a:rPr lang="en-US" sz="1400" dirty="0" smtClean="0"/>
+              <a:t> += </a:t>
+            </a:r>
+            <a:r>
+              <a:rPr lang="en-US" sz="1400" dirty="0"/>
+              <a:t>1</a:t>
+            </a:r>
+            <a:br>
+              <a:rPr lang="en-US" sz="1400" dirty="0"/>
+            </a:br>
+            <a:r>
+              <a:rPr lang="en-US" sz="1400" dirty="0"/>
+              <a:t/>
+            </a:r>
+            <a:br>
+              <a:rPr lang="en-US" sz="1400" dirty="0"/>
+            </a:br>
+            <a:r>
+              <a:rPr lang="en-US" sz="1400" dirty="0"/>
+              <a:t>    </a:t>
+            </a:r>
+            <a:r>
+              <a:rPr lang="en-US" sz="1400" b="1" dirty="0" err="1"/>
+              <a:t>def</a:t>
+            </a:r>
+            <a:r>
+              <a:rPr lang="en-US" sz="1400" b="1" dirty="0"/>
+              <a:t> </a:t>
+            </a:r>
+            <a:r>
+              <a:rPr lang="en-US" sz="1400" b="1" dirty="0" err="1" smtClean="0">
+                <a:effectLst/>
+              </a:rPr>
+              <a:t>displayNumEmployees</a:t>
+            </a:r>
+            <a:r>
+              <a:rPr lang="en-US" sz="1400" dirty="0" smtClean="0"/>
+              <a:t>(</a:t>
+            </a:r>
+            <a:r>
+              <a:rPr lang="en-US" sz="1400" dirty="0"/>
+              <a:t>self</a:t>
+            </a:r>
+            <a:r>
+              <a:rPr lang="en-US" sz="1400" dirty="0" smtClean="0"/>
+              <a:t>):</a:t>
+            </a:r>
+            <a:br>
+              <a:rPr lang="en-US" sz="1400" dirty="0" smtClean="0"/>
+            </a:br>
+            <a:r>
+              <a:rPr lang="en-US" sz="1400" dirty="0" smtClean="0"/>
+              <a:t>        </a:t>
+            </a:r>
+            <a:r>
+              <a:rPr lang="en-US" sz="1400" b="1" dirty="0"/>
+              <a:t>print </a:t>
+            </a:r>
+            <a:r>
+              <a:rPr lang="en-US" sz="1400" dirty="0"/>
+              <a:t>'Total Employees:', </a:t>
+            </a:r>
+            <a:r>
+              <a:rPr lang="en-US" sz="1400" dirty="0" err="1" smtClean="0"/>
+              <a:t>Employee.empCount</a:t>
+            </a:r>
+            <a:r>
+              <a:rPr lang="en-US" sz="1400" dirty="0" smtClean="0"/>
+              <a:t/>
+            </a:r>
+            <a:br>
+              <a:rPr lang="en-US" sz="1400" dirty="0" smtClean="0"/>
+            </a:br>
+            <a:r>
+              <a:rPr lang="en-US" sz="1400" dirty="0" smtClean="0"/>
+              <a:t/>
+            </a:r>
+            <a:br>
+              <a:rPr lang="en-US" sz="1400" dirty="0" smtClean="0"/>
+            </a:br>
+            <a:r>
+              <a:rPr lang="en-US" sz="1400" dirty="0" smtClean="0"/>
+              <a:t>    </a:t>
+            </a:r>
+            <a:r>
+              <a:rPr lang="en-US" sz="1400" b="1" dirty="0" err="1"/>
+              <a:t>def</a:t>
+            </a:r>
+            <a:r>
+              <a:rPr lang="en-US" sz="1400" b="1" dirty="0"/>
+              <a:t> </a:t>
+            </a:r>
+            <a:r>
+              <a:rPr lang="en-US" sz="1400" b="1" dirty="0" err="1" smtClean="0">
+                <a:effectLst/>
+              </a:rPr>
+              <a:t>displayEmployeeName</a:t>
+            </a:r>
+            <a:r>
+              <a:rPr lang="en-US" sz="1400" dirty="0" smtClean="0"/>
+              <a:t>(</a:t>
+            </a:r>
+            <a:r>
+              <a:rPr lang="en-US" sz="1400" dirty="0"/>
+              <a:t>self</a:t>
+            </a:r>
+            <a:r>
+              <a:rPr lang="en-US" sz="1400" dirty="0" smtClean="0"/>
+              <a:t>):</a:t>
+            </a:r>
+            <a:br>
+              <a:rPr lang="en-US" sz="1400" dirty="0" smtClean="0"/>
+            </a:br>
+            <a:r>
+              <a:rPr lang="en-US" sz="1400" dirty="0" smtClean="0"/>
+              <a:t>        </a:t>
+            </a:r>
+            <a:r>
+              <a:rPr lang="en-US" sz="1400" b="1" dirty="0"/>
+              <a:t>print </a:t>
+            </a:r>
+            <a:r>
+              <a:rPr lang="en-US" sz="1400" dirty="0"/>
+              <a:t>'Name:', </a:t>
+            </a:r>
+            <a:r>
+              <a:rPr lang="en-US" sz="1400" dirty="0" err="1"/>
+              <a:t>self</a:t>
+            </a:r>
+            <a:r>
+              <a:rPr lang="en-US" sz="1400" dirty="0" err="1" smtClean="0"/>
+              <a:t>.name</a:t>
+            </a:r>
+            <a:endParaRPr lang="en-US" sz="1400" dirty="0"/>
+          </a:p>
+        </p:txBody>
+      </p:sp>
+    </p:spTree>
+    <p:extLst>
+      <p:ext uri="{BB962C8B-B14F-4D97-AF65-F5344CB8AC3E}">
+        <p14:creationId xmlns:p14="http://schemas.microsoft.com/office/powerpoint/2010/main" val="1270374999"/>
+      </p:ext>
+    </p:extLst>
+  </p:cSld>
+  <p:clrMapOvr>
+    <a:masterClrMapping/>
+  </p:clrMapOvr>
+  <p:timing>
+    <p:tnLst>
+      <p:par>
+        <p:cTn id="1" dur="indefinite" restart="never" nodeType="tmRoot">
+          <p:childTnLst>
+            <p:seq concurrent="1" nextAc="seek">
+              <p:cTn id="2" dur="indefinite" nodeType="mainSeq">
+                <p:childTnLst>
+                  <p:par>
+                    <p:cTn id="3" fill="hold">
+                      <p:stCondLst>
+                        <p:cond delay="indefinite"/>
+                      </p:stCondLst>
+                      <p:childTnLst>
+                        <p:par>
+                          <p:cTn id="4" fill="hold">
+                            <p:stCondLst>
+                              <p:cond delay="0"/>
+                            </p:stCondLst>
+                            <p:childTnLst>
+                              <p:par>
+                                <p:cTn id="5" presetID="3" presetClass="entr" presetSubtype="10" fill="hold" grpId="0" nodeType="clickEffect">
+                                  <p:stCondLst>
+                                    <p:cond delay="0"/>
+                                  </p:stCondLst>
+                                  <p:childTnLst>
+                                    <p:set>
+                                      <p:cBhvr>
+                                        <p:cTn id="6" dur="1" fill="hold">
+                                          <p:stCondLst>
+                                            <p:cond delay="0"/>
+                                          </p:stCondLst>
+                                        </p:cTn>
+                                        <p:tgtEl>
+                                          <p:spTgt spid="3">
+                                            <p:txEl>
+                                              <p:pRg st="0" end="0"/>
+                                            </p:txEl>
+                                          </p:spTgt>
+                                        </p:tgtEl>
+                                        <p:attrNameLst>
+                                          <p:attrName>style.visibility</p:attrName>
+                                        </p:attrNameLst>
+                                      </p:cBhvr>
+                                      <p:to>
+                                        <p:strVal val="visible"/>
+                                      </p:to>
+                                    </p:set>
+                                    <p:animEffect transition="in" filter="blinds(horizontal)">
+                                      <p:cBhvr>
+                                        <p:cTn id="7" dur="500"/>
+                                        <p:tgtEl>
+                                          <p:spTgt spid="3">
+                                            <p:txEl>
+                                              <p:pRg st="0" end="0"/>
+                                            </p:txEl>
+                                          </p:spTgt>
+                                        </p:tgtEl>
+                                      </p:cBhvr>
+                                    </p:animEffect>
+                                  </p:childTnLst>
+                                </p:cTn>
+                              </p:par>
+                            </p:childTnLst>
+                          </p:cTn>
+                        </p:par>
+                      </p:childTnLst>
+                    </p:cTn>
+                  </p:par>
+                  <p:par>
+                    <p:cTn id="8" fill="hold">
+                      <p:stCondLst>
+                        <p:cond delay="indefinite"/>
+                      </p:stCondLst>
+                      <p:childTnLst>
+                        <p:par>
+                          <p:cTn id="9" fill="hold">
+                            <p:stCondLst>
+                              <p:cond delay="0"/>
+                            </p:stCondLst>
+                            <p:childTnLst>
+                              <p:par>
+                                <p:cTn id="10" presetID="3" presetClass="entr" presetSubtype="10" fill="hold" grpId="0" nodeType="clickEffect">
+                                  <p:stCondLst>
+                                    <p:cond delay="0"/>
+                                  </p:stCondLst>
+                                  <p:childTnLst>
+                                    <p:set>
+                                      <p:cBhvr>
+                                        <p:cTn id="11" dur="1" fill="hold">
+                                          <p:stCondLst>
+                                            <p:cond delay="0"/>
+                                          </p:stCondLst>
+                                        </p:cTn>
+                                        <p:tgtEl>
+                                          <p:spTgt spid="3">
+                                            <p:txEl>
+                                              <p:pRg st="1" end="1"/>
+                                            </p:txEl>
+                                          </p:spTgt>
+                                        </p:tgtEl>
+                                        <p:attrNameLst>
+                                          <p:attrName>style.visibility</p:attrName>
+                                        </p:attrNameLst>
+                                      </p:cBhvr>
+                                      <p:to>
+                                        <p:strVal val="visible"/>
+                                      </p:to>
+                                    </p:set>
+                                    <p:animEffect transition="in" filter="blinds(horizontal)">
+                                      <p:cBhvr>
+                                        <p:cTn id="12" dur="500"/>
+                                        <p:tgtEl>
+                                          <p:spTgt spid="3">
+                                            <p:txEl>
+                                              <p:pRg st="1" end="1"/>
+                                            </p:txEl>
+                                          </p:spTgt>
+                                        </p:tgtEl>
+                                      </p:cBhvr>
+                                    </p:animEffect>
+                                  </p:childTnLst>
+                                </p:cTn>
+                              </p:par>
+                            </p:childTnLst>
+                          </p:cTn>
+                        </p:par>
+                      </p:childTnLst>
+                    </p:cTn>
+                  </p:par>
+                  <p:par>
+                    <p:cTn id="13" fill="hold">
+                      <p:stCondLst>
+                        <p:cond delay="indefinite"/>
+                      </p:stCondLst>
+                      <p:childTnLst>
+                        <p:par>
+                          <p:cTn id="14" fill="hold">
+                            <p:stCondLst>
+                              <p:cond delay="0"/>
+                            </p:stCondLst>
+                            <p:childTnLst>
+                              <p:par>
+                                <p:cTn id="15" presetID="3" presetClass="entr" presetSubtype="10" fill="hold" grpId="0" nodeType="clickEffect">
+                                  <p:stCondLst>
+                                    <p:cond delay="0"/>
+                                  </p:stCondLst>
+                                  <p:childTnLst>
+                                    <p:set>
+                                      <p:cBhvr>
+                                        <p:cTn id="16" dur="1" fill="hold">
+                                          <p:stCondLst>
+                                            <p:cond delay="0"/>
+                                          </p:stCondLst>
+                                        </p:cTn>
+                                        <p:tgtEl>
+                                          <p:spTgt spid="3">
+                                            <p:txEl>
+                                              <p:pRg st="2" end="2"/>
+                                            </p:txEl>
+                                          </p:spTgt>
+                                        </p:tgtEl>
+                                        <p:attrNameLst>
+                                          <p:attrName>style.visibility</p:attrName>
+                                        </p:attrNameLst>
+                                      </p:cBhvr>
+                                      <p:to>
+                                        <p:strVal val="visible"/>
+                                      </p:to>
+                                    </p:set>
+                                    <p:animEffect transition="in" filter="blinds(horizontal)">
+                                      <p:cBhvr>
+                                        <p:cTn id="17" dur="500"/>
+                                        <p:tgtEl>
+                                          <p:spTgt spid="3">
+                                            <p:txEl>
+                                              <p:pRg st="2" end="2"/>
+                                            </p:txEl>
+                                          </p:spTgt>
+                                        </p:tgtEl>
+                                      </p:cBhvr>
+                                    </p:animEffect>
+                                  </p:childTnLst>
+                                </p:cTn>
+                              </p:par>
+                            </p:childTnLst>
+                          </p:cTn>
+                        </p:par>
+                      </p:childTnLst>
+                    </p:cTn>
+                  </p:par>
+                  <p:par>
+                    <p:cTn id="18" fill="hold">
+                      <p:stCondLst>
+                        <p:cond delay="indefinite"/>
+                      </p:stCondLst>
+                      <p:childTnLst>
+                        <p:par>
+                          <p:cTn id="19" fill="hold">
+                            <p:stCondLst>
+                              <p:cond delay="0"/>
+                            </p:stCondLst>
+                            <p:childTnLst>
+                              <p:par>
+                                <p:cTn id="20" presetID="3" presetClass="entr" presetSubtype="10" fill="hold" grpId="0" nodeType="clickEffect">
+                                  <p:stCondLst>
+                                    <p:cond delay="0"/>
+                                  </p:stCondLst>
+                                  <p:childTnLst>
+                                    <p:set>
+                                      <p:cBhvr>
+                                        <p:cTn id="21" dur="1" fill="hold">
+                                          <p:stCondLst>
+                                            <p:cond delay="0"/>
+                                          </p:stCondLst>
+                                        </p:cTn>
+                                        <p:tgtEl>
+                                          <p:spTgt spid="3">
+                                            <p:txEl>
+                                              <p:pRg st="4" end="4"/>
+                                            </p:txEl>
+                                          </p:spTgt>
+                                        </p:tgtEl>
+                                        <p:attrNameLst>
+                                          <p:attrName>style.visibility</p:attrName>
+                                        </p:attrNameLst>
+                                      </p:cBhvr>
+                                      <p:to>
+                                        <p:strVal val="visible"/>
+                                      </p:to>
+                                    </p:set>
+                                    <p:animEffect transition="in" filter="blinds(horizontal)">
+                                      <p:cBhvr>
+                                        <p:cTn id="22" dur="500"/>
+                                        <p:tgtEl>
+                                          <p:spTgt spid="3">
+                                            <p:txEl>
+                                              <p:pRg st="4" end="4"/>
+                                            </p:txEl>
+                                          </p:spTgt>
+                                        </p:tgtEl>
+                                      </p:cBhvr>
+                                    </p:animEffect>
+                                  </p:childTnLst>
+                                </p:cTn>
+                              </p:par>
+                            </p:childTnLst>
+                          </p:cTn>
+                        </p:par>
+                      </p:childTnLst>
+                    </p:cTn>
+                  </p:par>
+                  <p:par>
+                    <p:cTn id="23" fill="hold">
+                      <p:stCondLst>
+                        <p:cond delay="indefinite"/>
+                      </p:stCondLst>
+                      <p:childTnLst>
+                        <p:par>
+                          <p:cTn id="24" fill="hold">
+                            <p:stCondLst>
+                              <p:cond delay="0"/>
+                            </p:stCondLst>
+                            <p:childTnLst>
+                              <p:par>
+                                <p:cTn id="25" presetID="3" presetClass="entr" presetSubtype="10" fill="hold" grpId="0" nodeType="clickEffect">
+                                  <p:stCondLst>
+                                    <p:cond delay="0"/>
+                                  </p:stCondLst>
+                                  <p:childTnLst>
+                                    <p:set>
+                                      <p:cBhvr>
+                                        <p:cTn id="26" dur="1" fill="hold">
+                                          <p:stCondLst>
+                                            <p:cond delay="0"/>
+                                          </p:stCondLst>
+                                        </p:cTn>
+                                        <p:tgtEl>
+                                          <p:spTgt spid="3">
+                                            <p:txEl>
+                                              <p:pRg st="7" end="7"/>
+                                            </p:txEl>
+                                          </p:spTgt>
+                                        </p:tgtEl>
+                                        <p:attrNameLst>
+                                          <p:attrName>style.visibility</p:attrName>
+                                        </p:attrNameLst>
+                                      </p:cBhvr>
+                                      <p:to>
+                                        <p:strVal val="visible"/>
+                                      </p:to>
+                                    </p:set>
+                                    <p:animEffect transition="in" filter="blinds(horizontal)">
+                                      <p:cBhvr>
+                                        <p:cTn id="27" dur="500"/>
+                                        <p:tgtEl>
+                                          <p:spTgt spid="3">
+                                            <p:txEl>
+                                              <p:pRg st="7" end="7"/>
+                                            </p:txEl>
+                                          </p:spTgt>
+                                        </p:tgtEl>
+                                      </p:cBhvr>
+                                    </p:animEffect>
+                                  </p:childTnLst>
+                                </p:cTn>
+                              </p:par>
+                            </p:childTnLst>
+                          </p:cTn>
+                        </p:par>
+                      </p:childTnLst>
+                    </p:cTn>
+                  </p:par>
+                  <p:par>
+                    <p:cTn id="28" fill="hold">
+                      <p:stCondLst>
+                        <p:cond delay="indefinite"/>
+                      </p:stCondLst>
+                      <p:childTnLst>
+                        <p:par>
+                          <p:cTn id="29" fill="hold">
+                            <p:stCondLst>
+                              <p:cond delay="0"/>
+                            </p:stCondLst>
+                            <p:childTnLst>
+                              <p:par>
+                                <p:cTn id="30" presetID="3" presetClass="entr" presetSubtype="10" fill="hold" grpId="0" nodeType="clickEffect">
+                                  <p:stCondLst>
+                                    <p:cond delay="0"/>
+                                  </p:stCondLst>
+                                  <p:childTnLst>
+                                    <p:set>
+                                      <p:cBhvr>
+                                        <p:cTn id="31" dur="1" fill="hold">
+                                          <p:stCondLst>
+                                            <p:cond delay="0"/>
+                                          </p:stCondLst>
+                                        </p:cTn>
+                                        <p:tgtEl>
+                                          <p:spTgt spid="3">
+                                            <p:txEl>
+                                              <p:pRg st="9" end="9"/>
+                                            </p:txEl>
+                                          </p:spTgt>
+                                        </p:tgtEl>
+                                        <p:attrNameLst>
+                                          <p:attrName>style.visibility</p:attrName>
+                                        </p:attrNameLst>
+                                      </p:cBhvr>
+                                      <p:to>
+                                        <p:strVal val="visible"/>
+                                      </p:to>
+                                    </p:set>
+                                    <p:animEffect transition="in" filter="blinds(horizontal)">
+                                      <p:cBhvr>
+                                        <p:cTn id="32" dur="500"/>
+                                        <p:tgtEl>
+                                          <p:spTgt spid="3">
+                                            <p:txEl>
+                                              <p:pRg st="9" end="9"/>
+                                            </p:txEl>
+                                          </p:spTgt>
+                                        </p:tgtEl>
+                                      </p:cBhvr>
+                                    </p:animEffect>
+                                  </p:childTnLst>
+                                </p:cTn>
+                              </p:par>
+                            </p:childTnLst>
+                          </p:cTn>
+                        </p:par>
+                      </p:childTnLst>
+                    </p:cTn>
+                  </p:par>
+                </p:childTnLst>
+              </p:cTn>
+              <p:prevCondLst>
+                <p:cond evt="onPrev" delay="0">
+                  <p:tgtEl>
+                    <p:sldTgt/>
+                  </p:tgtEl>
+                </p:cond>
+              </p:prevCondLst>
+              <p:nextCondLst>
+                <p:cond evt="onNext" delay="0">
+                  <p:tgtEl>
+                    <p:sldTgt/>
+                  </p:tgtEl>
+                </p:cond>
+              </p:nextCondLst>
+            </p:seq>
+          </p:childTnLst>
+        </p:cTn>
+      </p:par>
+    </p:tnLst>
+    <p:bldLst>
+      <p:bldP spid="3" grpId="0" build="p"/>
+    </p:bldLst>
+  </p:timing>
+</p:sld>
+</file>
+
+<file path=ppt/slides/slide8.xml><?xml version="1.0" encoding="utf-8"?>
+<p:sld xmlns:a="http://schemas.openxmlformats.org/drawingml/2006/main" xmlns:r="http://schemas.openxmlformats.org/officeDocument/2006/relationships" xmlns:p="http://schemas.openxmlformats.org/presentationml/2006/main">
+  <p:cSld>
+    <p:spTree>
+      <p:nvGrpSpPr>
+        <p:cNvPr id="1" name=""/>
+        <p:cNvGrpSpPr/>
+        <p:nvPr/>
+      </p:nvGrpSpPr>
+      <p:grpSpPr>
+        <a:xfrm>
+          <a:off x="0" y="0"/>
+          <a:ext cx="0" cy="0"/>
+          <a:chOff x="0" y="0"/>
+          <a:chExt cx="0" cy="0"/>
+        </a:xfrm>
+      </p:grpSpPr>
+      <p:sp>
+        <p:nvSpPr>
+          <p:cNvPr id="2" name="Title 1"/>
+          <p:cNvSpPr>
+            <a:spLocks noGrp="1"/>
+          </p:cNvSpPr>
+          <p:nvPr>
+            <p:ph type="title"/>
+          </p:nvPr>
+        </p:nvSpPr>
+        <p:spPr/>
+        <p:txBody>
+          <a:bodyPr/>
+          <a:lstStyle/>
+          <a:p>
+            <a:r>
+              <a:rPr lang="en-US" dirty="0" smtClean="0"/>
+              <a:t>Instance a class</a:t>
+            </a:r>
+            <a:endParaRPr lang="en-US" dirty="0"/>
+          </a:p>
+        </p:txBody>
+      </p:sp>
+      <p:sp>
+        <p:nvSpPr>
+          <p:cNvPr id="4" name="TextBox 3"/>
+          <p:cNvSpPr txBox="1"/>
+          <p:nvPr/>
+        </p:nvSpPr>
+        <p:spPr>
+          <a:xfrm>
+            <a:off x="6618481" y="332348"/>
+            <a:ext cx="4944078" cy="5262979"/>
+          </a:xfrm>
+          <a:prstGeom prst="rect">
+            <a:avLst/>
+          </a:prstGeom>
+          <a:noFill/>
+        </p:spPr>
+        <p:txBody>
+          <a:bodyPr wrap="square" rtlCol="0">
+            <a:spAutoFit/>
+          </a:bodyPr>
+          <a:lstStyle/>
+          <a:p>
+            <a:r>
+              <a:rPr lang="en-US" sz="1400" b="1" dirty="0"/>
+              <a:t>class </a:t>
+            </a:r>
+            <a:r>
+              <a:rPr lang="en-US" sz="1400" b="1" dirty="0" smtClean="0">
+                <a:effectLst/>
+              </a:rPr>
+              <a:t>Employee</a:t>
+            </a:r>
+            <a:r>
+              <a:rPr lang="en-US" sz="1400" dirty="0" smtClean="0"/>
+              <a:t>:</a:t>
+            </a:r>
+            <a:br>
+              <a:rPr lang="en-US" sz="1400" dirty="0" smtClean="0"/>
+            </a:br>
+            <a:r>
+              <a:rPr lang="en-US" sz="1400" dirty="0" smtClean="0"/>
+              <a:t>    </a:t>
+            </a:r>
+            <a:r>
+              <a:rPr lang="en-US" sz="1400" i="1" dirty="0"/>
+              <a:t>"""Base class for all employees"""</a:t>
+            </a:r>
+            <a:br>
+              <a:rPr lang="en-US" sz="1400" i="1" dirty="0"/>
+            </a:br>
+            <a:r>
+              <a:rPr lang="en-US" sz="1400" i="1" dirty="0"/>
+              <a:t/>
+            </a:r>
+            <a:br>
+              <a:rPr lang="en-US" sz="1400" i="1" dirty="0"/>
+            </a:br>
+            <a:r>
+              <a:rPr lang="en-US" sz="1400" i="1" dirty="0"/>
+              <a:t>    </a:t>
+            </a:r>
+            <a:r>
+              <a:rPr lang="en-US" sz="1400" dirty="0" err="1" smtClean="0"/>
+              <a:t>empCount</a:t>
+            </a:r>
+            <a:r>
+              <a:rPr lang="en-US" sz="1400" dirty="0" smtClean="0"/>
+              <a:t> = </a:t>
+            </a:r>
+            <a:r>
+              <a:rPr lang="en-US" sz="1400" dirty="0"/>
+              <a:t>0</a:t>
+            </a:r>
+            <a:br>
+              <a:rPr lang="en-US" sz="1400" dirty="0"/>
+            </a:br>
+            <a:r>
+              <a:rPr lang="en-US" sz="1400" dirty="0"/>
+              <a:t/>
+            </a:r>
+            <a:br>
+              <a:rPr lang="en-US" sz="1400" dirty="0"/>
+            </a:br>
+            <a:r>
+              <a:rPr lang="en-US" sz="1400" dirty="0"/>
+              <a:t>    </a:t>
+            </a:r>
+            <a:r>
+              <a:rPr lang="en-US" sz="1400" b="1" dirty="0" err="1"/>
+              <a:t>def</a:t>
+            </a:r>
+            <a:r>
+              <a:rPr lang="en-US" sz="1400" b="1" dirty="0"/>
+              <a:t> </a:t>
+            </a:r>
+            <a:r>
+              <a:rPr lang="en-US" sz="1400" dirty="0"/>
+              <a:t>__</a:t>
+            </a:r>
+            <a:r>
+              <a:rPr lang="en-US" sz="1400" dirty="0" err="1"/>
+              <a:t>init</a:t>
+            </a:r>
+            <a:r>
+              <a:rPr lang="en-US" sz="1400" dirty="0"/>
+              <a:t>__</a:t>
+            </a:r>
+            <a:r>
+              <a:rPr lang="en-US" sz="1400" dirty="0" smtClean="0"/>
+              <a:t>(</a:t>
+            </a:r>
+            <a:r>
+              <a:rPr lang="en-US" sz="1400" dirty="0"/>
+              <a:t>self, </a:t>
+            </a:r>
+            <a:r>
+              <a:rPr lang="en-US" sz="1400" dirty="0" smtClean="0"/>
+              <a:t>name</a:t>
+            </a:r>
+            <a:r>
+              <a:rPr lang="en-US" sz="1400" dirty="0"/>
+              <a:t>, </a:t>
+            </a:r>
+            <a:r>
+              <a:rPr lang="en-US" sz="1400" dirty="0" smtClean="0"/>
+              <a:t>salary):</a:t>
+            </a:r>
+            <a:br>
+              <a:rPr lang="en-US" sz="1400" dirty="0" smtClean="0"/>
+            </a:br>
+            <a:r>
+              <a:rPr lang="en-US" sz="1400" dirty="0" smtClean="0"/>
+              <a:t>        </a:t>
+            </a:r>
+            <a:r>
+              <a:rPr lang="en-US" sz="1400" dirty="0" err="1"/>
+              <a:t>self</a:t>
+            </a:r>
+            <a:r>
+              <a:rPr lang="en-US" sz="1400" dirty="0" err="1" smtClean="0"/>
+              <a:t>.name</a:t>
+            </a:r>
+            <a:r>
+              <a:rPr lang="en-US" sz="1400" dirty="0" smtClean="0"/>
+              <a:t> = name</a:t>
+            </a:r>
+            <a:br>
+              <a:rPr lang="en-US" sz="1400" dirty="0" smtClean="0"/>
+            </a:br>
+            <a:r>
+              <a:rPr lang="en-US" sz="1400" dirty="0" smtClean="0"/>
+              <a:t>        </a:t>
+            </a:r>
+            <a:r>
+              <a:rPr lang="en-US" sz="1400" dirty="0" err="1"/>
+              <a:t>self</a:t>
+            </a:r>
+            <a:r>
+              <a:rPr lang="en-US" sz="1400" dirty="0" err="1" smtClean="0"/>
+              <a:t>.salary</a:t>
+            </a:r>
+            <a:r>
+              <a:rPr lang="en-US" sz="1400" dirty="0" smtClean="0"/>
+              <a:t> = salary</a:t>
+            </a:r>
+            <a:br>
+              <a:rPr lang="en-US" sz="1400" dirty="0" smtClean="0"/>
+            </a:br>
+            <a:r>
+              <a:rPr lang="en-US" sz="1400" dirty="0" smtClean="0"/>
+              <a:t>        </a:t>
+            </a:r>
+            <a:r>
+              <a:rPr lang="en-US" sz="1400" dirty="0" err="1" smtClean="0"/>
+              <a:t>Employee.count</a:t>
+            </a:r>
+            <a:r>
+              <a:rPr lang="en-US" sz="1400" dirty="0" smtClean="0"/>
+              <a:t> += </a:t>
+            </a:r>
+            <a:r>
+              <a:rPr lang="en-US" sz="1400" dirty="0"/>
+              <a:t>1</a:t>
+            </a:r>
+            <a:br>
+              <a:rPr lang="en-US" sz="1400" dirty="0"/>
+            </a:br>
+            <a:r>
+              <a:rPr lang="en-US" sz="1400" dirty="0"/>
+              <a:t/>
+            </a:r>
+            <a:br>
+              <a:rPr lang="en-US" sz="1400" dirty="0"/>
+            </a:br>
+            <a:r>
+              <a:rPr lang="en-US" sz="1400" dirty="0"/>
+              <a:t>    </a:t>
+            </a:r>
+            <a:r>
+              <a:rPr lang="en-US" sz="1400" b="1" dirty="0" err="1"/>
+              <a:t>def</a:t>
+            </a:r>
+            <a:r>
+              <a:rPr lang="en-US" sz="1400" b="1" dirty="0"/>
+              <a:t> </a:t>
+            </a:r>
+            <a:r>
+              <a:rPr lang="en-US" sz="1400" b="1" dirty="0" err="1" smtClean="0">
+                <a:effectLst/>
+              </a:rPr>
+              <a:t>displayNumEmployees</a:t>
+            </a:r>
+            <a:r>
+              <a:rPr lang="en-US" sz="1400" dirty="0" smtClean="0"/>
+              <a:t>(</a:t>
+            </a:r>
+            <a:r>
+              <a:rPr lang="en-US" sz="1400" dirty="0"/>
+              <a:t>self</a:t>
+            </a:r>
+            <a:r>
+              <a:rPr lang="en-US" sz="1400" dirty="0" smtClean="0"/>
+              <a:t>):</a:t>
+            </a:r>
+            <a:br>
+              <a:rPr lang="en-US" sz="1400" dirty="0" smtClean="0"/>
+            </a:br>
+            <a:r>
+              <a:rPr lang="en-US" sz="1400" dirty="0" smtClean="0"/>
+              <a:t>        </a:t>
+            </a:r>
+            <a:r>
+              <a:rPr lang="en-US" sz="1400" b="1" dirty="0"/>
+              <a:t>print </a:t>
+            </a:r>
+            <a:r>
+              <a:rPr lang="en-US" sz="1400" dirty="0"/>
+              <a:t>'Total Employees:', </a:t>
+            </a:r>
+            <a:r>
+              <a:rPr lang="en-US" sz="1400" dirty="0" err="1" smtClean="0"/>
+              <a:t>Employee.empCount</a:t>
+            </a:r>
+            <a:r>
+              <a:rPr lang="en-US" sz="1400" dirty="0" smtClean="0"/>
+              <a:t/>
+            </a:r>
+            <a:br>
+              <a:rPr lang="en-US" sz="1400" dirty="0" smtClean="0"/>
+            </a:br>
+            <a:r>
+              <a:rPr lang="en-US" sz="1400" dirty="0" smtClean="0"/>
+              <a:t/>
+            </a:r>
+            <a:br>
+              <a:rPr lang="en-US" sz="1400" dirty="0" smtClean="0"/>
+            </a:br>
+            <a:r>
+              <a:rPr lang="en-US" sz="1400" dirty="0" smtClean="0"/>
+              <a:t>    </a:t>
+            </a:r>
+            <a:r>
+              <a:rPr lang="en-US" sz="1400" b="1" dirty="0" err="1"/>
+              <a:t>def</a:t>
+            </a:r>
+            <a:r>
+              <a:rPr lang="en-US" sz="1400" b="1" dirty="0"/>
+              <a:t> </a:t>
+            </a:r>
+            <a:r>
+              <a:rPr lang="en-US" sz="1400" b="1" dirty="0" err="1" smtClean="0">
+                <a:effectLst/>
+              </a:rPr>
+              <a:t>displayEmployeeName</a:t>
+            </a:r>
+            <a:r>
+              <a:rPr lang="en-US" sz="1400" dirty="0" smtClean="0"/>
+              <a:t>(</a:t>
+            </a:r>
+            <a:r>
+              <a:rPr lang="en-US" sz="1400" dirty="0"/>
+              <a:t>self</a:t>
+            </a:r>
+            <a:r>
+              <a:rPr lang="en-US" sz="1400" dirty="0" smtClean="0"/>
+              <a:t>):</a:t>
+            </a:r>
+            <a:br>
+              <a:rPr lang="en-US" sz="1400" dirty="0" smtClean="0"/>
+            </a:br>
+            <a:r>
+              <a:rPr lang="en-US" sz="1400" dirty="0" smtClean="0"/>
+              <a:t>        </a:t>
+            </a:r>
+            <a:r>
+              <a:rPr lang="en-US" sz="1400" b="1" dirty="0"/>
+              <a:t>print </a:t>
+            </a:r>
+            <a:r>
+              <a:rPr lang="en-US" sz="1400" dirty="0"/>
+              <a:t>'Name:', </a:t>
+            </a:r>
+            <a:r>
+              <a:rPr lang="en-US" sz="1400" dirty="0" err="1"/>
+              <a:t>self</a:t>
+            </a:r>
+            <a:r>
+              <a:rPr lang="en-US" sz="1400" dirty="0" err="1" smtClean="0"/>
+              <a:t>.name</a:t>
+            </a:r>
+            <a:r>
+              <a:rPr lang="en-US" sz="1400" dirty="0" smtClean="0"/>
+              <a:t/>
+            </a:r>
+            <a:br>
+              <a:rPr lang="en-US" sz="1400" dirty="0" smtClean="0"/>
+            </a:br>
+            <a:r>
+              <a:rPr lang="en-US" sz="1400" dirty="0" smtClean="0"/>
+              <a:t/>
+            </a:r>
+            <a:br>
+              <a:rPr lang="en-US" sz="1400" dirty="0" smtClean="0"/>
+            </a:br>
+            <a:r>
+              <a:rPr lang="en-US" sz="1400" dirty="0" smtClean="0"/>
+              <a:t>employee1 = Employee(</a:t>
+            </a:r>
+            <a:r>
+              <a:rPr lang="en-US" sz="1400" dirty="0"/>
+              <a:t>"Zara", 2000</a:t>
+            </a:r>
+            <a:r>
+              <a:rPr lang="en-US" sz="1400" dirty="0" smtClean="0"/>
+              <a:t>)</a:t>
+            </a:r>
+            <a:br>
+              <a:rPr lang="en-US" sz="1400" dirty="0" smtClean="0"/>
+            </a:br>
+            <a:r>
+              <a:rPr lang="en-US" sz="1400" dirty="0" smtClean="0"/>
+              <a:t>employee2 = Employee(</a:t>
+            </a:r>
+            <a:r>
+              <a:rPr lang="en-US" sz="1400" dirty="0"/>
+              <a:t>"David", 2500</a:t>
+            </a:r>
+            <a:r>
+              <a:rPr lang="en-US" sz="1400" dirty="0" smtClean="0"/>
+              <a:t>)</a:t>
+            </a:r>
+            <a:br>
+              <a:rPr lang="en-US" sz="1400" dirty="0" smtClean="0"/>
+            </a:br>
+            <a:r>
+              <a:rPr lang="en-US" sz="1400" dirty="0" smtClean="0"/>
+              <a:t/>
+            </a:r>
+            <a:br>
+              <a:rPr lang="en-US" sz="1400" dirty="0" smtClean="0"/>
+            </a:br>
+            <a:r>
+              <a:rPr lang="en-US" sz="1400" dirty="0" smtClean="0"/>
+              <a:t>employee1.displayNumEmployees()</a:t>
+            </a:r>
+            <a:br>
+              <a:rPr lang="en-US" sz="1400" dirty="0" smtClean="0"/>
+            </a:br>
+            <a:r>
+              <a:rPr lang="en-US" sz="1400" dirty="0" smtClean="0"/>
+              <a:t>employee1.displayEmployeeName()</a:t>
+            </a:r>
+            <a:br>
+              <a:rPr lang="en-US" sz="1400" dirty="0" smtClean="0"/>
+            </a:br>
+            <a:r>
+              <a:rPr lang="en-US" sz="1400" dirty="0" smtClean="0"/>
+              <a:t/>
+            </a:r>
+            <a:br>
+              <a:rPr lang="en-US" sz="1400" dirty="0" smtClean="0"/>
+            </a:br>
+            <a:r>
+              <a:rPr lang="en-US" sz="1400" dirty="0" smtClean="0"/>
+              <a:t>employee2.displayEmployeeName()</a:t>
+            </a:r>
+            <a:br>
+              <a:rPr lang="en-US" sz="1400" dirty="0" smtClean="0"/>
+            </a:br>
+            <a:r>
+              <a:rPr lang="en-US" sz="1400" dirty="0" smtClean="0"/>
+              <a:t>employee2.displayNumEmployees()</a:t>
+            </a:r>
+            <a:endParaRPr lang="en-US" sz="1400" dirty="0"/>
+          </a:p>
+        </p:txBody>
+      </p:sp>
+    </p:spTree>
+    <p:extLst>
+      <p:ext uri="{BB962C8B-B14F-4D97-AF65-F5344CB8AC3E}">
+        <p14:creationId xmlns:p14="http://schemas.microsoft.com/office/powerpoint/2010/main" val="2105998318"/>
+      </p:ext>
+    </p:extLst>
+  </p:cSld>
+  <p:clrMapOvr>
+    <a:masterClrMapping/>
+  </p:clrMapOvr>
+  <p:timing>
+    <p:tnLst>
+      <p:par>
+        <p:cTn id="1" dur="indefinite" restart="never" nodeType="tmRoot"/>
+      </p:par>
+    </p:tnLst>
+  </p:timing>
+</p:sld>
+</file>
+
+<file path=ppt/slides/slide9.xml><?xml version="1.0" encoding="utf-8"?>
+<p:sld xmlns:a="http://schemas.openxmlformats.org/drawingml/2006/main" xmlns:r="http://schemas.openxmlformats.org/officeDocument/2006/relationships" xmlns:p="http://schemas.openxmlformats.org/presentationml/2006/main">
+  <p:cSld>
+    <p:spTree>
+      <p:nvGrpSpPr>
+        <p:cNvPr id="1" name=""/>
+        <p:cNvGrpSpPr/>
+        <p:nvPr/>
+      </p:nvGrpSpPr>
+      <p:grpSpPr>
+        <a:xfrm>
+          <a:off x="0" y="0"/>
+          <a:ext cx="0" cy="0"/>
+          <a:chOff x="0" y="0"/>
+          <a:chExt cx="0" cy="0"/>
+        </a:xfrm>
+      </p:grpSpPr>
+      <p:sp>
+        <p:nvSpPr>
+          <p:cNvPr id="2" name="Title 1"/>
+          <p:cNvSpPr>
+            <a:spLocks noGrp="1"/>
+          </p:cNvSpPr>
+          <p:nvPr>
+            <p:ph type="title"/>
+          </p:nvPr>
+        </p:nvSpPr>
+        <p:spPr/>
+        <p:txBody>
+          <a:bodyPr/>
+          <a:lstStyle/>
+          <a:p>
+            <a:r>
+              <a:rPr lang="en-US" dirty="0" smtClean="0"/>
+              <a:t>Built-in class attributes</a:t>
+            </a:r>
+            <a:endParaRPr lang="en-US" dirty="0"/>
+          </a:p>
+        </p:txBody>
+      </p:sp>
+      <p:sp>
+        <p:nvSpPr>
+          <p:cNvPr id="3" name="Content Placeholder 2"/>
+          <p:cNvSpPr>
+            <a:spLocks noGrp="1"/>
+          </p:cNvSpPr>
+          <p:nvPr>
+            <p:ph idx="1"/>
+          </p:nvPr>
+        </p:nvSpPr>
+        <p:spPr/>
+        <p:txBody>
+          <a:bodyPr/>
+          <a:lstStyle/>
+          <a:p>
+            <a:r>
+              <a:rPr lang="en-US" b="1" dirty="0" smtClean="0"/>
+              <a:t>__</a:t>
+            </a:r>
+            <a:r>
+              <a:rPr lang="en-US" b="1" dirty="0" err="1" smtClean="0"/>
+              <a:t>dict</a:t>
+            </a:r>
+            <a:r>
+              <a:rPr lang="en-US" b="1" dirty="0" smtClean="0"/>
+              <a:t>__ </a:t>
+            </a:r>
+            <a:r>
+              <a:rPr lang="en-US" dirty="0" smtClean="0"/>
+              <a:t>: Dictionary containing the class namespace</a:t>
+            </a:r>
+          </a:p>
+          <a:p>
+            <a:r>
+              <a:rPr lang="en-US" b="1" dirty="0" smtClean="0"/>
+              <a:t>__doc__</a:t>
+            </a:r>
+            <a:r>
+              <a:rPr lang="en-US" dirty="0" smtClean="0"/>
+              <a:t>: Class documentation string</a:t>
+            </a:r>
+          </a:p>
+          <a:p>
+            <a:r>
+              <a:rPr lang="en-US" b="1" dirty="0" smtClean="0"/>
+              <a:t>__module__</a:t>
+            </a:r>
+            <a:r>
+              <a:rPr lang="en-US" dirty="0" smtClean="0"/>
+              <a:t>: Module name in which the class is defined</a:t>
+            </a:r>
+          </a:p>
+          <a:p>
+            <a:r>
+              <a:rPr lang="en-US" b="1" dirty="0" smtClean="0"/>
+              <a:t>__bases__</a:t>
+            </a:r>
+            <a:r>
+              <a:rPr lang="en-US" dirty="0" smtClean="0"/>
+              <a:t>: Tuple containing the base classes if any</a:t>
+            </a:r>
+            <a:endParaRPr lang="en-US" dirty="0"/>
+          </a:p>
+        </p:txBody>
+      </p:sp>
+    </p:spTree>
+    <p:extLst>
+      <p:ext uri="{BB962C8B-B14F-4D97-AF65-F5344CB8AC3E}">
+        <p14:creationId xmlns:p14="http://schemas.microsoft.com/office/powerpoint/2010/main" val="2058764938"/>
+      </p:ext>
+    </p:extLst>
+  </p:cSld>
+  <p:clrMapOvr>
+    <a:masterClrMapping/>
+  </p:clrMapOvr>
+  <p:timing>
+    <p:tnLst>
+      <p:par>
+        <p:cTn id="1" dur="indefinite" restart="never" nodeType="tmRoot">
+          <p:childTnLst>
+            <p:seq concurrent="1" nextAc="seek">
+              <p:cTn id="2" dur="indefinite" nodeType="mainSeq">
+                <p:childTnLst>
+                  <p:par>
+                    <p:cTn id="3" fill="hold">
+                      <p:stCondLst>
+                        <p:cond delay="indefinite"/>
+                      </p:stCondLst>
+                      <p:childTnLst>
+                        <p:par>
+                          <p:cTn id="4" fill="hold">
+                            <p:stCondLst>
+                              <p:cond delay="0"/>
+                            </p:stCondLst>
+                            <p:childTnLst>
+                              <p:par>
+                                <p:cTn id="5" presetID="2" presetClass="entr" presetSubtype="4" fill="hold" grpId="0" nodeType="clickEffect">
+                                  <p:stCondLst>
+                                    <p:cond delay="0"/>
+                                  </p:stCondLst>
+                                  <p:childTnLst>
+                                    <p:set>
+                                      <p:cBhvr>
+                                        <p:cTn id="6" dur="1" fill="hold">
+                                          <p:stCondLst>
+                                            <p:cond delay="0"/>
+                                          </p:stCondLst>
+                                        </p:cTn>
+                                        <p:tgtEl>
+                                          <p:spTgt spid="3">
+                                            <p:txEl>
+                                              <p:pRg st="0" end="0"/>
+                                            </p:txEl>
+                                          </p:spTgt>
+                                        </p:tgtEl>
+                                        <p:attrNameLst>
+                                          <p:attrName>style.visibility</p:attrName>
+                                        </p:attrNameLst>
+                                      </p:cBhvr>
+                                      <p:to>
+                                        <p:strVal val="visible"/>
+                                      </p:to>
+                                    </p:set>
+                                    <p:anim calcmode="lin" valueType="num">
+                                      <p:cBhvr additive="base">
+                                        <p:cTn id="7" dur="500" fill="hold"/>
+                                        <p:tgtEl>
+                                          <p:spTgt spid="3">
+                                            <p:txEl>
+                                              <p:pRg st="0" end="0"/>
+                                            </p:txEl>
+                                          </p:spTgt>
+                                        </p:tgtEl>
+                                        <p:attrNameLst>
+                                          <p:attrName>ppt_x</p:attrName>
+                                        </p:attrNameLst>
+                                      </p:cBhvr>
+                                      <p:tavLst>
+                                        <p:tav tm="0">
+                                          <p:val>
+                                            <p:strVal val="#ppt_x"/>
+                                          </p:val>
+                                        </p:tav>
+                                        <p:tav tm="100000">
+                                          <p:val>
+                                            <p:strVal val="#ppt_x"/>
+                                          </p:val>
+                                        </p:tav>
+                                      </p:tavLst>
+                                    </p:anim>
+                                    <p:anim calcmode="lin" valueType="num">
+                                      <p:cBhvr additive="base">
+                                        <p:cTn id="8" dur="500" fill="hold"/>
+                                        <p:tgtEl>
+                                          <p:spTgt spid="3">
+                                            <p:txEl>
+                                              <p:pRg st="0" end="0"/>
+                                            </p:txEl>
+                                          </p:spTgt>
+                                        </p:tgtEl>
+                                        <p:attrNameLst>
+                                          <p:attrName>ppt_y</p:attrName>
+                                        </p:attrNameLst>
+                                      </p:cBhvr>
+                                      <p:tavLst>
+                                        <p:tav tm="0">
+                                          <p:val>
+                                            <p:strVal val="1+#ppt_h/2"/>
+                                          </p:val>
+                                        </p:tav>
+                                        <p:tav tm="100000">
+                                          <p:val>
+                                            <p:strVal val="#ppt_y"/>
+                                          </p:val>
+                                        </p:tav>
+                                      </p:tavLst>
+                                    </p:anim>
+                                  </p:childTnLst>
+                                </p:cTn>
+                              </p:par>
+                            </p:childTnLst>
+                          </p:cTn>
+                        </p:par>
+                      </p:childTnLst>
+                    </p:cTn>
+                  </p:par>
+                  <p:par>
+                    <p:cTn id="9" fill="hold">
+                      <p:stCondLst>
+                        <p:cond delay="indefinite"/>
+                      </p:stCondLst>
+                      <p:childTnLst>
+                        <p:par>
+                          <p:cTn id="10" fill="hold">
+                            <p:stCondLst>
+                              <p:cond delay="0"/>
+                            </p:stCondLst>
+                            <p:childTnLst>
+                              <p:par>
+                                <p:cTn id="11" presetID="2" presetClass="entr" presetSubtype="4" fill="hold" grpId="0" nodeType="clickEffect">
+                                  <p:stCondLst>
+                                    <p:cond delay="0"/>
+                                  </p:stCondLst>
+                                  <p:childTnLst>
+                                    <p:set>
+                                      <p:cBhvr>
+                                        <p:cTn id="12" dur="1" fill="hold">
+                                          <p:stCondLst>
+                                            <p:cond delay="0"/>
+                                          </p:stCondLst>
+                                        </p:cTn>
+                                        <p:tgtEl>
+                                          <p:spTgt spid="3">
+                                            <p:txEl>
+                                              <p:pRg st="1" end="1"/>
+                                            </p:txEl>
+                                          </p:spTgt>
+                                        </p:tgtEl>
+                                        <p:attrNameLst>
+                                          <p:attrName>style.visibility</p:attrName>
+                                        </p:attrNameLst>
+                                      </p:cBhvr>
+                                      <p:to>
+                                        <p:strVal val="visible"/>
+                                      </p:to>
+                                    </p:set>
+                                    <p:anim calcmode="lin" valueType="num">
+                                      <p:cBhvr additive="base">
+                                        <p:cTn id="13" dur="500" fill="hold"/>
+                                        <p:tgtEl>
+                                          <p:spTgt spid="3">
+                                            <p:txEl>
+                                              <p:pRg st="1" end="1"/>
+                                            </p:txEl>
+                                          </p:spTgt>
+                                        </p:tgtEl>
+                                        <p:attrNameLst>
+                                          <p:attrName>ppt_x</p:attrName>
+                                        </p:attrNameLst>
+                                      </p:cBhvr>
+                                      <p:tavLst>
+                                        <p:tav tm="0">
+                                          <p:val>
+                                            <p:strVal val="#ppt_x"/>
+                                          </p:val>
+                                        </p:tav>
+                                        <p:tav tm="100000">
+                                          <p:val>
+                                            <p:strVal val="#ppt_x"/>
+                                          </p:val>
+                                        </p:tav>
+                                      </p:tavLst>
+                                    </p:anim>
+                                    <p:anim calcmode="lin" valueType="num">
+                                      <p:cBhvr additive="base">
+                                        <p:cTn id="14" dur="500" fill="hold"/>
+                                        <p:tgtEl>
+                                          <p:spTgt spid="3">
+                                            <p:txEl>
+                                              <p:pRg st="1" end="1"/>
+                                            </p:txEl>
+                                          </p:spTgt>
+                                        </p:tgtEl>
+                                        <p:attrNameLst>
+                                          <p:attrName>ppt_y</p:attrName>
+                                        </p:attrNameLst>
+                                      </p:cBhvr>
+                                      <p:tavLst>
+                                        <p:tav tm="0">
+                                          <p:val>
+                                            <p:strVal val="1+#ppt_h/2"/>
+                                          </p:val>
+                                        </p:tav>
+                                        <p:tav tm="100000">
+                                          <p:val>
+                                            <p:strVal val="#ppt_y"/>
+                                          </p:val>
+                                        </p:tav>
+                                      </p:tavLst>
+                                    </p:anim>
+                                  </p:childTnLst>
+                                </p:cTn>
+                              </p:par>
+                            </p:childTnLst>
+                          </p:cTn>
+                        </p:par>
+                      </p:childTnLst>
+                    </p:cTn>
+                  </p:par>
+                  <p:par>
+                    <p:cTn id="15" fill="hold">
+                      <p:stCondLst>
+                        <p:cond delay="indefinite"/>
+                      </p:stCondLst>
+                      <p:childTnLst>
+                        <p:par>
+                          <p:cTn id="16" fill="hold">
+                            <p:stCondLst>
+                              <p:cond delay="0"/>
+                            </p:stCondLst>
+                            <p:childTnLst>
+                              <p:par>
+                                <p:cTn id="17" presetID="2" presetClass="entr" presetSubtype="4" fill="hold" grpId="0" nodeType="clickEffect">
+                                  <p:stCondLst>
+                                    <p:cond delay="0"/>
+                                  </p:stCondLst>
+                                  <p:childTnLst>
+                                    <p:set>
+                                      <p:cBhvr>
+                                        <p:cTn id="18" dur="1" fill="hold">
+                                          <p:stCondLst>
+                                            <p:cond delay="0"/>
+                                          </p:stCondLst>
+                                        </p:cTn>
+                                        <p:tgtEl>
+                                          <p:spTgt spid="3">
+                                            <p:txEl>
+                                              <p:pRg st="2" end="2"/>
+                                            </p:txEl>
+                                          </p:spTgt>
+                                        </p:tgtEl>
+                                        <p:attrNameLst>
+                                          <p:attrName>style.visibility</p:attrName>
+                                        </p:attrNameLst>
+                                      </p:cBhvr>
+                                      <p:to>
+                                        <p:strVal val="visible"/>
+                                      </p:to>
+                                    </p:set>
+                                    <p:anim calcmode="lin" valueType="num">
+                                      <p:cBhvr additive="base">
+                                        <p:cTn id="19" dur="500" fill="hold"/>
+                                        <p:tgtEl>
+                                          <p:spTgt spid="3">
+                                            <p:txEl>
+                                              <p:pRg st="2" end="2"/>
+                                            </p:txEl>
+                                          </p:spTgt>
+                                        </p:tgtEl>
+                                        <p:attrNameLst>
+                                          <p:attrName>ppt_x</p:attrName>
+                                        </p:attrNameLst>
+                                      </p:cBhvr>
+                                      <p:tavLst>
+                                        <p:tav tm="0">
+                                          <p:val>
+                                            <p:strVal val="#ppt_x"/>
+                                          </p:val>
+                                        </p:tav>
+                                        <p:tav tm="100000">
+                                          <p:val>
+                                            <p:strVal val="#ppt_x"/>
+                                          </p:val>
+                                        </p:tav>
+                                      </p:tavLst>
+                                    </p:anim>
+                                    <p:anim calcmode="lin" valueType="num">
+                                      <p:cBhvr additive="base">
+                                        <p:cTn id="20" dur="500" fill="hold"/>
+                                        <p:tgtEl>
+                                          <p:spTgt spid="3">
+                                            <p:txEl>
+                                              <p:pRg st="2" end="2"/>
+                                            </p:txEl>
+                                          </p:spTgt>
+                                        </p:tgtEl>
+                                        <p:attrNameLst>
+                                          <p:attrName>ppt_y</p:attrName>
+                                        </p:attrNameLst>
+                                      </p:cBhvr>
+                                      <p:tavLst>
+                                        <p:tav tm="0">
+                                          <p:val>
+                                            <p:strVal val="1+#ppt_h/2"/>
+                                          </p:val>
+                                        </p:tav>
+                                        <p:tav tm="100000">
+                                          <p:val>
+                                            <p:strVal val="#ppt_y"/>
+                                          </p:val>
+                                        </p:tav>
+                                      </p:tavLst>
+                                    </p:anim>
+                                  </p:childTnLst>
+                                </p:cTn>
+                              </p:par>
+                            </p:childTnLst>
+                          </p:cTn>
+                        </p:par>
+                      </p:childTnLst>
+                    </p:cTn>
+                  </p:par>
+                  <p:par>
+                    <p:cTn id="21" fill="hold">
+                      <p:stCondLst>
+                        <p:cond delay="indefinite"/>
+                      </p:stCondLst>
+                      <p:childTnLst>
+                        <p:par>
+                          <p:cTn id="22" fill="hold">
+                            <p:stCondLst>
+                              <p:cond delay="0"/>
+                            </p:stCondLst>
+                            <p:childTnLst>
+                              <p:par>
+                                <p:cTn id="23" presetID="2" presetClass="entr" presetSubtype="4" fill="hold" grpId="0" nodeType="clickEffect">
+                                  <p:stCondLst>
+                                    <p:cond delay="0"/>
+                                  </p:stCondLst>
+                                  <p:childTnLst>
+                                    <p:set>
+                                      <p:cBhvr>
+                                        <p:cTn id="24" dur="1" fill="hold">
+                                          <p:stCondLst>
+                                            <p:cond delay="0"/>
+                                          </p:stCondLst>
+                                        </p:cTn>
+                                        <p:tgtEl>
+                                          <p:spTgt spid="3">
+                                            <p:txEl>
+                                              <p:pRg st="3" end="3"/>
+                                            </p:txEl>
+                                          </p:spTgt>
+                                        </p:tgtEl>
+                                        <p:attrNameLst>
+                                          <p:attrName>style.visibility</p:attrName>
+                                        </p:attrNameLst>
+                                      </p:cBhvr>
+                                      <p:to>
+                                        <p:strVal val="visible"/>
+                                      </p:to>
+                                    </p:set>
+                                    <p:anim calcmode="lin" valueType="num">
+                                      <p:cBhvr additive="base">
+                                        <p:cTn id="25" dur="500" fill="hold"/>
+                                        <p:tgtEl>
+                                          <p:spTgt spid="3">
+                                            <p:txEl>
+                                              <p:pRg st="3" end="3"/>
+                                            </p:txEl>
+                                          </p:spTgt>
+                                        </p:tgtEl>
+                                        <p:attrNameLst>
+                                          <p:attrName>ppt_x</p:attrName>
+                                        </p:attrNameLst>
+                                      </p:cBhvr>
+                                      <p:tavLst>
+                                        <p:tav tm="0">
+                                          <p:val>
+                                            <p:strVal val="#ppt_x"/>
+                                          </p:val>
+                                        </p:tav>
+                                        <p:tav tm="100000">
+                                          <p:val>
+                                            <p:strVal val="#ppt_x"/>
+                                          </p:val>
+                                        </p:tav>
+                                      </p:tavLst>
+                                    </p:anim>
+                                    <p:anim calcmode="lin" valueType="num">
+                                      <p:cBhvr additive="base">
+                                        <p:cTn id="26" dur="500" fill="hold"/>
+                                        <p:tgtEl>
+                                          <p:spTgt spid="3">
+                                            <p:txEl>
+                                              <p:pRg st="3" end="3"/>
+                                            </p:txEl>
+                                          </p:spTgt>
+                                        </p:tgtEl>
+                                        <p:attrNameLst>
+                                          <p:attrName>ppt_y</p:attrName>
+                                        </p:attrNameLst>
+                                      </p:cBhvr>
+                                      <p:tavLst>
+                                        <p:tav tm="0">
+                                          <p:val>
+                                            <p:strVal val="1+#ppt_h/2"/>
+                                          </p:val>
+                                        </p:tav>
+                                        <p:tav tm="100000">
+                                          <p:val>
+                                            <p:strVal val="#ppt_y"/>
+                                          </p:val>
+                                        </p:tav>
+                                      </p:tavLst>
+                                    </p:anim>
+                                  </p:childTnLst>
+                                </p:cTn>
+                              </p:par>
+                            </p:childTnLst>
+                          </p:cTn>
+                        </p:par>
+                      </p:childTnLst>
+                    </p:cTn>
+                  </p:par>
+                </p:childTnLst>
+              </p:cTn>
+              <p:prevCondLst>
+                <p:cond evt="onPrev" delay="0">
+                  <p:tgtEl>
+                    <p:sldTgt/>
+                  </p:tgtEl>
+                </p:cond>
+              </p:prevCondLst>
+              <p:nextCondLst>
+                <p:cond evt="onNext" delay="0">
+                  <p:tgtEl>
+                    <p:sldTgt/>
+                  </p:tgtEl>
+                </p:cond>
+              </p:nextCondLst>
+            </p:seq>
+          </p:childTnLst>
+        </p:cTn>
+      </p:par>
+    </p:tnLst>
+    <p:bldLst>
+      <p:bldP spid="3" grpId="0" build="p"/>
+    </p:bldLst>
+  </p:timing>
 </p:sld>
 </file>
 
@@ -7217,4 +12045,265 @@
     </a:ext>
   </a:extLst>
 </a:theme>
+</file>
+
+<file path=ppt/theme/theme2.xml><?xml version="1.0" encoding="utf-8"?>
+<a:theme xmlns:a="http://schemas.openxmlformats.org/drawingml/2006/main" name="Office Theme">
+  <a:themeElements>
+    <a:clrScheme name="Office">
+      <a:dk1>
+        <a:sysClr val="windowText" lastClr="000000"/>
+      </a:dk1>
+      <a:lt1>
+        <a:sysClr val="window" lastClr="FFFFFF"/>
+      </a:lt1>
+      <a:dk2>
+        <a:srgbClr val="44546A"/>
+      </a:dk2>
+      <a:lt2>
+        <a:srgbClr val="E7E6E6"/>
+      </a:lt2>
+      <a:accent1>
+        <a:srgbClr val="5B9BD5"/>
+      </a:accent1>
+      <a:accent2>
+        <a:srgbClr val="ED7D31"/>
+      </a:accent2>
+      <a:accent3>
+        <a:srgbClr val="A5A5A5"/>
+      </a:accent3>
+      <a:accent4>
+        <a:srgbClr val="FFC000"/>
+      </a:accent4>
+      <a:accent5>
+        <a:srgbClr val="4472C4"/>
+      </a:accent5>
+      <a:accent6>
+        <a:srgbClr val="70AD47"/>
+      </a:accent6>
+      <a:hlink>
+        <a:srgbClr val="0563C1"/>
+      </a:hlink>
+      <a:folHlink>
+        <a:srgbClr val="954F72"/>
+      </a:folHlink>
+    </a:clrScheme>
+    <a:fontScheme name="Office">
+      <a:majorFont>
+        <a:latin typeface="Calibri Light" panose="020F0302020204030204"/>
+        <a:ea typeface=""/>
+        <a:cs typeface=""/>
+        <a:font script="Jpan" typeface="ＭＳ Ｐゴシック"/>
+        <a:font script="Hang" typeface="맑은 고딕"/>
+        <a:font script="Hans" typeface="宋体"/>
+        <a:font script="Hant" typeface="新細明體"/>
+        <a:font script="Arab" typeface="Times New Roman"/>
+        <a:font script="Hebr" typeface="Times New Roman"/>
+        <a:font script="Thai" typeface="Angsana New"/>
+        <a:font script="Ethi" typeface="Nyala"/>
+        <a:font script="Beng" typeface="Vrinda"/>
+        <a:font script="Gujr" typeface="Shruti"/>
+        <a:font script="Khmr" typeface="MoolBoran"/>
+        <a:font script="Knda" typeface="Tunga"/>
+        <a:font script="Guru" typeface="Raavi"/>
+        <a:font script="Cans" typeface="Euphemia"/>
+        <a:font script="Cher" typeface="Plantagenet Cherokee"/>
+        <a:font script="Yiii" typeface="Microsoft Yi Baiti"/>
+        <a:font script="Tibt" typeface="Microsoft Himalaya"/>
+        <a:font script="Thaa" typeface="MV Boli"/>
+        <a:font script="Deva" typeface="Mangal"/>
+        <a:font script="Telu" typeface="Gautami"/>
+        <a:font script="Taml" typeface="Latha"/>
+        <a:font script="Syrc" typeface="Estrangelo Edessa"/>
+        <a:font script="Orya" typeface="Kalinga"/>
+        <a:font script="Mlym" typeface="Kartika"/>
+        <a:font script="Laoo" typeface="DokChampa"/>
+        <a:font script="Sinh" typeface="Iskoola Pota"/>
+        <a:font script="Mong" typeface="Mongolian Baiti"/>
+        <a:font script="Viet" typeface="Times New Roman"/>
+        <a:font script="Uigh" typeface="Microsoft Uighur"/>
+        <a:font script="Geor" typeface="Sylfaen"/>
+      </a:majorFont>
+      <a:minorFont>
+        <a:latin typeface="Calibri" panose="020F0502020204030204"/>
+        <a:ea typeface=""/>
+        <a:cs typeface=""/>
+        <a:font script="Jpan" typeface="ＭＳ Ｐゴシック"/>
+        <a:font script="Hang" typeface="맑은 고딕"/>
+        <a:font script="Hans" typeface="宋体"/>
+        <a:font script="Hant" typeface="新細明體"/>
+        <a:font script="Arab" typeface="Arial"/>
+        <a:font script="Hebr" typeface="Arial"/>
+        <a:font script="Thai" typeface="Cordia New"/>
+        <a:font script="Ethi" typeface="Nyala"/>
+        <a:font script="Beng" typeface="Vrinda"/>
+        <a:font script="Gujr" typeface="Shruti"/>
+        <a:font script="Khmr" typeface="DaunPenh"/>
+        <a:font script="Knda" typeface="Tunga"/>
+        <a:font script="Guru" typeface="Raavi"/>
+        <a:font script="Cans" typeface="Euphemia"/>
+        <a:font script="Cher" typeface="Plantagenet Cherokee"/>
+        <a:font script="Yiii" typeface="Microsoft Yi Baiti"/>
+        <a:font script="Tibt" typeface="Microsoft Himalaya"/>
+        <a:font script="Thaa" typeface="MV Boli"/>
+        <a:font script="Deva" typeface="Mangal"/>
+        <a:font script="Telu" typeface="Gautami"/>
+        <a:font script="Taml" typeface="Latha"/>
+        <a:font script="Syrc" typeface="Estrangelo Edessa"/>
+        <a:font script="Orya" typeface="Kalinga"/>
+        <a:font script="Mlym" typeface="Kartika"/>
+        <a:font script="Laoo" typeface="DokChampa"/>
+        <a:font script="Sinh" typeface="Iskoola Pota"/>
+        <a:font script="Mong" typeface="Mongolian Baiti"/>
+        <a:font script="Viet" typeface="Arial"/>
+        <a:font script="Uigh" typeface="Microsoft Uighur"/>
+        <a:font script="Geor" typeface="Sylfaen"/>
+      </a:minorFont>
+    </a:fontScheme>
+    <a:fmtScheme name="Office">
+      <a:fillStyleLst>
+        <a:solidFill>
+          <a:schemeClr val="phClr"/>
+        </a:solidFill>
+        <a:gradFill rotWithShape="1">
+          <a:gsLst>
+            <a:gs pos="0">
+              <a:schemeClr val="phClr">
+                <a:lumMod val="110000"/>
+                <a:satMod val="105000"/>
+                <a:tint val="67000"/>
+              </a:schemeClr>
+            </a:gs>
+            <a:gs pos="50000">
+              <a:schemeClr val="phClr">
+                <a:lumMod val="105000"/>
+                <a:satMod val="103000"/>
+                <a:tint val="73000"/>
+              </a:schemeClr>
+            </a:gs>
+            <a:gs pos="100000">
+              <a:schemeClr val="phClr">
+                <a:lumMod val="105000"/>
+                <a:satMod val="109000"/>
+                <a:tint val="81000"/>
+              </a:schemeClr>
+            </a:gs>
+          </a:gsLst>
+          <a:lin ang="5400000" scaled="0"/>
+        </a:gradFill>
+        <a:gradFill rotWithShape="1">
+          <a:gsLst>
+            <a:gs pos="0">
+              <a:schemeClr val="phClr">
+                <a:satMod val="103000"/>
+                <a:lumMod val="102000"/>
+                <a:tint val="94000"/>
+              </a:schemeClr>
+            </a:gs>
+            <a:gs pos="50000">
+              <a:schemeClr val="phClr">
+                <a:satMod val="110000"/>
+                <a:lumMod val="100000"/>
+                <a:shade val="100000"/>
+              </a:schemeClr>
+            </a:gs>
+            <a:gs pos="100000">
+              <a:schemeClr val="phClr">
+                <a:lumMod val="99000"/>
+                <a:satMod val="120000"/>
+                <a:shade val="78000"/>
+              </a:schemeClr>
+            </a:gs>
+          </a:gsLst>
+          <a:lin ang="5400000" scaled="0"/>
+        </a:gradFill>
+      </a:fillStyleLst>
+      <a:lnStyleLst>
+        <a:ln w="6350" cap="flat" cmpd="sng" algn="ctr">
+          <a:solidFill>
+            <a:schemeClr val="phClr"/>
+          </a:solidFill>
+          <a:prstDash val="solid"/>
+          <a:miter lim="800000"/>
+        </a:ln>
+        <a:ln w="12700" cap="flat" cmpd="sng" algn="ctr">
+          <a:solidFill>
+            <a:schemeClr val="phClr"/>
+          </a:solidFill>
+          <a:prstDash val="solid"/>
+          <a:miter lim="800000"/>
+        </a:ln>
+        <a:ln w="19050" cap="flat" cmpd="sng" algn="ctr">
+          <a:solidFill>
+            <a:schemeClr val="phClr"/>
+          </a:solidFill>
+          <a:prstDash val="solid"/>
+          <a:miter lim="800000"/>
+        </a:ln>
+      </a:lnStyleLst>
+      <a:effectStyleLst>
+        <a:effectStyle>
+          <a:effectLst/>
+        </a:effectStyle>
+        <a:effectStyle>
+          <a:effectLst/>
+        </a:effectStyle>
+        <a:effectStyle>
+          <a:effectLst>
+            <a:outerShdw blurRad="57150" dist="19050" dir="5400000" algn="ctr" rotWithShape="0">
+              <a:srgbClr val="000000">
+                <a:alpha val="63000"/>
+              </a:srgbClr>
+            </a:outerShdw>
+          </a:effectLst>
+        </a:effectStyle>
+      </a:effectStyleLst>
+      <a:bgFillStyleLst>
+        <a:solidFill>
+          <a:schemeClr val="phClr"/>
+        </a:solidFill>
+        <a:solidFill>
+          <a:schemeClr val="phClr">
+            <a:tint val="95000"/>
+            <a:satMod val="170000"/>
+          </a:schemeClr>
+        </a:solidFill>
+        <a:gradFill rotWithShape="1">
+          <a:gsLst>
+            <a:gs pos="0">
+              <a:schemeClr val="phClr">
+                <a:tint val="93000"/>
+                <a:satMod val="150000"/>
+                <a:shade val="98000"/>
+                <a:lumMod val="102000"/>
+              </a:schemeClr>
+            </a:gs>
+            <a:gs pos="50000">
+              <a:schemeClr val="phClr">
+                <a:tint val="98000"/>
+                <a:satMod val="130000"/>
+                <a:shade val="90000"/>
+                <a:lumMod val="103000"/>
+              </a:schemeClr>
+            </a:gs>
+            <a:gs pos="100000">
+              <a:schemeClr val="phClr">
+                <a:shade val="63000"/>
+                <a:satMod val="120000"/>
+              </a:schemeClr>
+            </a:gs>
+          </a:gsLst>
+          <a:lin ang="5400000" scaled="0"/>
+        </a:gradFill>
+      </a:bgFillStyleLst>
+    </a:fmtScheme>
+  </a:themeElements>
+  <a:objectDefaults/>
+  <a:extraClrSchemeLst/>
+  <a:extLst>
+    <a:ext uri="{05A4C25C-085E-4340-85A3-A5531E510DB2}">
+      <thm15:themeFamily xmlns:thm15="http://schemas.microsoft.com/office/thememl/2012/main" name="Office Theme" id="{62F939B6-93AF-4DB8-9C6B-D6C7DFDC589F}" vid="{4A3C46E8-61CC-4603-A589-7422A47A8E4A}"/>
+    </a:ext>
+  </a:extLst>
+</a:theme>
 </file>